--- a/slides/TP557_7_Nossa_primeira_rede_neural.pptx
+++ b/slides/TP557_7_Nossa_primeira_rede_neural.pptx
@@ -5,10 +5,10 @@
     <p:sldMasterId id="2147483648" r:id="rId1"/>
   </p:sldMasterIdLst>
   <p:notesMasterIdLst>
-    <p:notesMasterId r:id="rId14"/>
+    <p:notesMasterId r:id="rId19"/>
   </p:notesMasterIdLst>
   <p:handoutMasterIdLst>
-    <p:handoutMasterId r:id="rId15"/>
+    <p:handoutMasterId r:id="rId20"/>
   </p:handoutMasterIdLst>
   <p:sldIdLst>
     <p:sldId id="256" r:id="rId2"/>
@@ -20,9 +20,14 @@
     <p:sldId id="409" r:id="rId8"/>
     <p:sldId id="412" r:id="rId9"/>
     <p:sldId id="413" r:id="rId10"/>
-    <p:sldId id="405" r:id="rId11"/>
-    <p:sldId id="293" r:id="rId12"/>
-    <p:sldId id="306" r:id="rId13"/>
+    <p:sldId id="414" r:id="rId11"/>
+    <p:sldId id="415" r:id="rId12"/>
+    <p:sldId id="416" r:id="rId13"/>
+    <p:sldId id="417" r:id="rId14"/>
+    <p:sldId id="418" r:id="rId15"/>
+    <p:sldId id="405" r:id="rId16"/>
+    <p:sldId id="293" r:id="rId17"/>
+    <p:sldId id="306" r:id="rId18"/>
   </p:sldIdLst>
   <p:sldSz cx="12192000" cy="6858000"/>
   <p:notesSz cx="7315200" cy="9601200"/>
@@ -932,27 +937,42 @@
           <a:p>
             <a:r>
               <a:rPr lang="pt-BR" dirty="0"/>
-              <a:t>https://colab.research.google.com/github/zz4fap/tp557-iot-ml/blob/master/</a:t>
+              <a:t>Há uma outra coisa a destacar ao definir a primeira e, neste caso, a única camada em uma rede, você deve informar na forma de entrada.</a:t>
+            </a:r>
+          </a:p>
+          <a:p>
+            <a:r>
+              <a:rPr lang="pt-BR" dirty="0"/>
+              <a:t>Agora aqui nossa forma de entrada tem apenas um valor.</a:t>
+            </a:r>
+          </a:p>
+          <a:p>
+            <a:r>
+              <a:rPr lang="pt-BR" dirty="0"/>
+              <a:t>Estamos treinando uma rede neural em </a:t>
             </a:r>
             <a:r>
               <a:rPr lang="pt-BR" dirty="0" err="1"/>
-              <a:t>exercises</a:t>
+              <a:t>xs</a:t>
             </a:r>
             <a:r>
               <a:rPr lang="pt-BR" dirty="0"/>
-              <a:t>/</a:t>
+              <a:t> únicos para prever </a:t>
             </a:r>
             <a:r>
               <a:rPr lang="pt-BR" dirty="0" err="1"/>
-              <a:t>Exercício_gradiente_descendente.ipynb</a:t>
-            </a:r>
-            <a:endParaRPr lang="pt-BR" dirty="0"/>
-          </a:p>
-          <a:p>
-            <a:endParaRPr lang="pt-BR" dirty="0"/>
-          </a:p>
-          <a:p>
-            <a:endParaRPr lang="pt-BR" dirty="0"/>
+              <a:t>ys</a:t>
+            </a:r>
+            <a:r>
+              <a:rPr lang="pt-BR" dirty="0"/>
+              <a:t> únicos.</a:t>
+            </a:r>
+          </a:p>
+          <a:p>
+            <a:r>
+              <a:rPr lang="pt-BR" dirty="0"/>
+              <a:t>Novamente, nossa forma de entrada não poderia ser mais simples.</a:t>
+            </a:r>
           </a:p>
         </p:txBody>
       </p:sp>
@@ -973,7 +993,197 @@
           <a:p>
             <a:fld id="{6FC8D850-966F-45A6-8DE7-15B891E7D40D}" type="slidenum">
               <a:rPr lang="pt-BR" smtClean="0"/>
-              <a:t>10</a:t>
+              <a:t>12</a:t>
+            </a:fld>
+            <a:endParaRPr lang="pt-BR"/>
+          </a:p>
+        </p:txBody>
+      </p:sp>
+    </p:spTree>
+    <p:extLst>
+      <p:ext uri="{BB962C8B-B14F-4D97-AF65-F5344CB8AC3E}">
+        <p14:creationId xmlns:p14="http://schemas.microsoft.com/office/powerpoint/2010/main" val="1655417059"/>
+      </p:ext>
+    </p:extLst>
+  </p:cSld>
+  <p:clrMapOvr>
+    <a:masterClrMapping/>
+  </p:clrMapOvr>
+</p:notes>
+</file>
+
+<file path=ppt/notesSlides/notesSlide4.xml><?xml version="1.0" encoding="utf-8"?>
+<p:notes xmlns:a="http://schemas.openxmlformats.org/drawingml/2006/main" xmlns:r="http://schemas.openxmlformats.org/officeDocument/2006/relationships" xmlns:p="http://schemas.openxmlformats.org/presentationml/2006/main">
+  <p:cSld>
+    <p:spTree>
+      <p:nvGrpSpPr>
+        <p:cNvPr id="1" name=""/>
+        <p:cNvGrpSpPr/>
+        <p:nvPr/>
+      </p:nvGrpSpPr>
+      <p:grpSpPr>
+        <a:xfrm>
+          <a:off x="0" y="0"/>
+          <a:ext cx="0" cy="0"/>
+          <a:chOff x="0" y="0"/>
+          <a:chExt cx="0" cy="0"/>
+        </a:xfrm>
+      </p:grpSpPr>
+      <p:sp>
+        <p:nvSpPr>
+          <p:cNvPr id="2" name="Espaço Reservado para Imagem de Slide 1"/>
+          <p:cNvSpPr>
+            <a:spLocks noGrp="1" noRot="1" noChangeAspect="1"/>
+          </p:cNvSpPr>
+          <p:nvPr>
+            <p:ph type="sldImg"/>
+          </p:nvPr>
+        </p:nvSpPr>
+        <p:spPr/>
+      </p:sp>
+      <p:sp>
+        <p:nvSpPr>
+          <p:cNvPr id="3" name="Espaço Reservado para Anotações 2"/>
+          <p:cNvSpPr>
+            <a:spLocks noGrp="1"/>
+          </p:cNvSpPr>
+          <p:nvPr>
+            <p:ph type="body" idx="1"/>
+          </p:nvPr>
+        </p:nvSpPr>
+        <p:spPr/>
+        <p:txBody>
+          <a:bodyPr/>
+          <a:lstStyle/>
+          <a:p>
+            <a:endParaRPr lang="pt-BR" dirty="0"/>
+          </a:p>
+        </p:txBody>
+      </p:sp>
+      <p:sp>
+        <p:nvSpPr>
+          <p:cNvPr id="4" name="Espaço Reservado para Número de Slide 3"/>
+          <p:cNvSpPr>
+            <a:spLocks noGrp="1"/>
+          </p:cNvSpPr>
+          <p:nvPr>
+            <p:ph type="sldNum" sz="quarter" idx="5"/>
+          </p:nvPr>
+        </p:nvSpPr>
+        <p:spPr/>
+        <p:txBody>
+          <a:bodyPr/>
+          <a:lstStyle/>
+          <a:p>
+            <a:fld id="{6FC8D850-966F-45A6-8DE7-15B891E7D40D}" type="slidenum">
+              <a:rPr lang="pt-BR" smtClean="0"/>
+              <a:t>14</a:t>
+            </a:fld>
+            <a:endParaRPr lang="pt-BR"/>
+          </a:p>
+        </p:txBody>
+      </p:sp>
+    </p:spTree>
+    <p:extLst>
+      <p:ext uri="{BB962C8B-B14F-4D97-AF65-F5344CB8AC3E}">
+        <p14:creationId xmlns:p14="http://schemas.microsoft.com/office/powerpoint/2010/main" val="3767582548"/>
+      </p:ext>
+    </p:extLst>
+  </p:cSld>
+  <p:clrMapOvr>
+    <a:masterClrMapping/>
+  </p:clrMapOvr>
+</p:notes>
+</file>
+
+<file path=ppt/notesSlides/notesSlide5.xml><?xml version="1.0" encoding="utf-8"?>
+<p:notes xmlns:a="http://schemas.openxmlformats.org/drawingml/2006/main" xmlns:r="http://schemas.openxmlformats.org/officeDocument/2006/relationships" xmlns:p="http://schemas.openxmlformats.org/presentationml/2006/main">
+  <p:cSld>
+    <p:spTree>
+      <p:nvGrpSpPr>
+        <p:cNvPr id="1" name=""/>
+        <p:cNvGrpSpPr/>
+        <p:nvPr/>
+      </p:nvGrpSpPr>
+      <p:grpSpPr>
+        <a:xfrm>
+          <a:off x="0" y="0"/>
+          <a:ext cx="0" cy="0"/>
+          <a:chOff x="0" y="0"/>
+          <a:chExt cx="0" cy="0"/>
+        </a:xfrm>
+      </p:grpSpPr>
+      <p:sp>
+        <p:nvSpPr>
+          <p:cNvPr id="2" name="Espaço Reservado para Imagem de Slide 1"/>
+          <p:cNvSpPr>
+            <a:spLocks noGrp="1" noRot="1" noChangeAspect="1"/>
+          </p:cNvSpPr>
+          <p:nvPr>
+            <p:ph type="sldImg"/>
+          </p:nvPr>
+        </p:nvSpPr>
+        <p:spPr/>
+      </p:sp>
+      <p:sp>
+        <p:nvSpPr>
+          <p:cNvPr id="3" name="Espaço Reservado para Anotações 2"/>
+          <p:cNvSpPr>
+            <a:spLocks noGrp="1"/>
+          </p:cNvSpPr>
+          <p:nvPr>
+            <p:ph type="body" idx="1"/>
+          </p:nvPr>
+        </p:nvSpPr>
+        <p:spPr/>
+        <p:txBody>
+          <a:bodyPr/>
+          <a:lstStyle/>
+          <a:p>
+            <a:r>
+              <a:rPr lang="pt-BR" dirty="0"/>
+              <a:t>https://colab.research.google.com/github/zz4fap/tp557-iot-ml/blob/master/</a:t>
+            </a:r>
+            <a:r>
+              <a:rPr lang="pt-BR" dirty="0" err="1"/>
+              <a:t>exercises</a:t>
+            </a:r>
+            <a:r>
+              <a:rPr lang="pt-BR" dirty="0"/>
+              <a:t>/</a:t>
+            </a:r>
+            <a:r>
+              <a:rPr lang="pt-BR" dirty="0" err="1"/>
+              <a:t>Exercício_gradiente_descendente.ipynb</a:t>
+            </a:r>
+            <a:endParaRPr lang="pt-BR" dirty="0"/>
+          </a:p>
+          <a:p>
+            <a:endParaRPr lang="pt-BR" dirty="0"/>
+          </a:p>
+          <a:p>
+            <a:endParaRPr lang="pt-BR" dirty="0"/>
+          </a:p>
+        </p:txBody>
+      </p:sp>
+      <p:sp>
+        <p:nvSpPr>
+          <p:cNvPr id="4" name="Espaço Reservado para Número de Slide 3"/>
+          <p:cNvSpPr>
+            <a:spLocks noGrp="1"/>
+          </p:cNvSpPr>
+          <p:nvPr>
+            <p:ph type="sldNum" sz="quarter" idx="5"/>
+          </p:nvPr>
+        </p:nvSpPr>
+        <p:spPr/>
+        <p:txBody>
+          <a:bodyPr/>
+          <a:lstStyle/>
+          <a:p>
+            <a:fld id="{6FC8D850-966F-45A6-8DE7-15B891E7D40D}" type="slidenum">
+              <a:rPr lang="pt-BR" smtClean="0"/>
+              <a:t>15</a:t>
             </a:fld>
             <a:endParaRPr lang="pt-BR"/>
           </a:p>
@@ -4476,6 +4686,6873 @@
           <p:cNvPr id="2" name="Título 1">
             <a:extLst>
               <a:ext uri="{FF2B5EF4-FFF2-40B4-BE49-F238E27FC236}">
+                <a16:creationId xmlns:a16="http://schemas.microsoft.com/office/drawing/2014/main" id="{86449F96-8B9C-8642-EE66-30B04CC16318}"/>
+              </a:ext>
+            </a:extLst>
+          </p:cNvPr>
+          <p:cNvSpPr>
+            <a:spLocks noGrp="1"/>
+          </p:cNvSpPr>
+          <p:nvPr>
+            <p:ph type="title"/>
+          </p:nvPr>
+        </p:nvSpPr>
+        <p:spPr/>
+        <p:txBody>
+          <a:bodyPr/>
+          <a:lstStyle/>
+          <a:p>
+            <a:r>
+              <a:rPr lang="pt-BR" dirty="0"/>
+              <a:t>Definindo uma rede neural</a:t>
+            </a:r>
+          </a:p>
+        </p:txBody>
+      </p:sp>
+      <p:sp>
+        <p:nvSpPr>
+          <p:cNvPr id="3" name="Espaço Reservado para Conteúdo 2">
+            <a:extLst>
+              <a:ext uri="{FF2B5EF4-FFF2-40B4-BE49-F238E27FC236}">
+                <a16:creationId xmlns:a16="http://schemas.microsoft.com/office/drawing/2014/main" id="{5271C2DB-CB2D-7DA6-19D3-EA05C00F9996}"/>
+              </a:ext>
+            </a:extLst>
+          </p:cNvPr>
+          <p:cNvSpPr>
+            <a:spLocks noGrp="1"/>
+          </p:cNvSpPr>
+          <p:nvPr>
+            <p:ph idx="1"/>
+          </p:nvPr>
+        </p:nvSpPr>
+        <p:spPr>
+          <a:xfrm>
+            <a:off x="598715" y="4506686"/>
+            <a:ext cx="11473542" cy="2351313"/>
+          </a:xfrm>
+        </p:spPr>
+        <p:txBody>
+          <a:bodyPr/>
+          <a:lstStyle/>
+          <a:p>
+            <a:r>
+              <a:rPr lang="pt-BR" dirty="0"/>
+              <a:t>Voltando ao código, nós vemos o termo </a:t>
+            </a:r>
+            <a:r>
+              <a:rPr lang="pt-BR" b="1" i="1" dirty="0" err="1">
+                <a:solidFill>
+                  <a:srgbClr val="00B050"/>
+                </a:solidFill>
+              </a:rPr>
+              <a:t>sequential</a:t>
+            </a:r>
+            <a:r>
+              <a:rPr lang="pt-BR" dirty="0"/>
+              <a:t> e, portanto, temos a definição de uma rede de alimentação direta/sequencial.</a:t>
+            </a:r>
+          </a:p>
+          <a:p>
+            <a:r>
+              <a:rPr lang="pt-BR" dirty="0"/>
+              <a:t>Dentro dos colchetes, </a:t>
+            </a:r>
+            <a:r>
+              <a:rPr lang="pt-BR" b="1" i="1" dirty="0"/>
+              <a:t>listamos</a:t>
+            </a:r>
+            <a:r>
+              <a:rPr lang="pt-BR" dirty="0"/>
+              <a:t> as camadas dessa rede neural.</a:t>
+            </a:r>
+          </a:p>
+          <a:p>
+            <a:r>
+              <a:rPr lang="pt-BR" dirty="0"/>
+              <a:t>Nesse exemplo, a lista contém apenas um elemento, portanto, temos apenas uma </a:t>
+            </a:r>
+            <a:r>
+              <a:rPr lang="pt-BR" b="1" i="1" dirty="0">
+                <a:solidFill>
+                  <a:srgbClr val="00B050"/>
+                </a:solidFill>
+              </a:rPr>
+              <a:t>camada</a:t>
+            </a:r>
+            <a:r>
+              <a:rPr lang="pt-BR" dirty="0"/>
+              <a:t>.</a:t>
+            </a:r>
+          </a:p>
+        </p:txBody>
+      </p:sp>
+      <p:sp>
+        <p:nvSpPr>
+          <p:cNvPr id="4" name="CaixaDeTexto 3">
+            <a:extLst>
+              <a:ext uri="{FF2B5EF4-FFF2-40B4-BE49-F238E27FC236}">
+                <a16:creationId xmlns:a16="http://schemas.microsoft.com/office/drawing/2014/main" id="{08E0EBAF-B825-EC26-6D53-38BD78023702}"/>
+              </a:ext>
+            </a:extLst>
+          </p:cNvPr>
+          <p:cNvSpPr txBox="1"/>
+          <p:nvPr/>
+        </p:nvSpPr>
+        <p:spPr>
+          <a:xfrm>
+            <a:off x="2370364" y="1690688"/>
+            <a:ext cx="7451271" cy="2585323"/>
+          </a:xfrm>
+          <a:prstGeom prst="rect">
+            <a:avLst/>
+          </a:prstGeom>
+          <a:noFill/>
+        </p:spPr>
+        <p:txBody>
+          <a:bodyPr wrap="square">
+            <a:spAutoFit/>
+          </a:bodyPr>
+          <a:lstStyle/>
+          <a:p>
+            <a:r>
+              <a:rPr lang="en-US" dirty="0">
+                <a:solidFill>
+                  <a:srgbClr val="000000"/>
+                </a:solidFill>
+                <a:highlight>
+                  <a:srgbClr val="FFFFFF"/>
+                </a:highlight>
+              </a:rPr>
+              <a:t>x </a:t>
+            </a:r>
+            <a:r>
+              <a:rPr lang="en-US" b="1" dirty="0">
+                <a:solidFill>
+                  <a:srgbClr val="000080"/>
+                </a:solidFill>
+                <a:highlight>
+                  <a:srgbClr val="FFFFFF"/>
+                </a:highlight>
+              </a:rPr>
+              <a:t>=</a:t>
+            </a:r>
+            <a:r>
+              <a:rPr lang="en-US" b="0" dirty="0">
+                <a:solidFill>
+                  <a:srgbClr val="000000"/>
+                </a:solidFill>
+                <a:highlight>
+                  <a:srgbClr val="FFFFFF"/>
+                </a:highlight>
+              </a:rPr>
+              <a:t> </a:t>
+            </a:r>
+            <a:r>
+              <a:rPr lang="en-US" b="0" dirty="0" err="1">
+                <a:solidFill>
+                  <a:srgbClr val="000000"/>
+                </a:solidFill>
+                <a:highlight>
+                  <a:srgbClr val="FFFFFF"/>
+                </a:highlight>
+              </a:rPr>
+              <a:t>np</a:t>
+            </a:r>
+            <a:r>
+              <a:rPr lang="en-US" b="1" dirty="0" err="1">
+                <a:solidFill>
+                  <a:srgbClr val="000080"/>
+                </a:solidFill>
+                <a:highlight>
+                  <a:srgbClr val="FFFFFF"/>
+                </a:highlight>
+              </a:rPr>
+              <a:t>.</a:t>
+            </a:r>
+            <a:r>
+              <a:rPr lang="en-US" b="0" dirty="0" err="1">
+                <a:solidFill>
+                  <a:srgbClr val="000000"/>
+                </a:solidFill>
+                <a:highlight>
+                  <a:srgbClr val="FFFFFF"/>
+                </a:highlight>
+              </a:rPr>
+              <a:t>array</a:t>
+            </a:r>
+            <a:r>
+              <a:rPr lang="en-US" b="1" dirty="0">
+                <a:solidFill>
+                  <a:srgbClr val="000080"/>
+                </a:solidFill>
+                <a:highlight>
+                  <a:srgbClr val="FFFFFF"/>
+                </a:highlight>
+              </a:rPr>
+              <a:t>([-</a:t>
+            </a:r>
+            <a:r>
+              <a:rPr lang="en-US" b="0" dirty="0">
+                <a:solidFill>
+                  <a:srgbClr val="FF0000"/>
+                </a:solidFill>
+                <a:highlight>
+                  <a:srgbClr val="FFFFFF"/>
+                </a:highlight>
+              </a:rPr>
+              <a:t>1.0</a:t>
+            </a:r>
+            <a:r>
+              <a:rPr lang="en-US" b="1" dirty="0">
+                <a:solidFill>
+                  <a:srgbClr val="000080"/>
+                </a:solidFill>
+                <a:highlight>
+                  <a:srgbClr val="FFFFFF"/>
+                </a:highlight>
+              </a:rPr>
+              <a:t>,</a:t>
+            </a:r>
+            <a:r>
+              <a:rPr lang="en-US" b="0" dirty="0">
+                <a:solidFill>
+                  <a:srgbClr val="000000"/>
+                </a:solidFill>
+                <a:highlight>
+                  <a:srgbClr val="FFFFFF"/>
+                </a:highlight>
+              </a:rPr>
+              <a:t>  </a:t>
+            </a:r>
+            <a:r>
+              <a:rPr lang="en-US" b="0" dirty="0">
+                <a:solidFill>
+                  <a:srgbClr val="FF0000"/>
+                </a:solidFill>
+                <a:highlight>
+                  <a:srgbClr val="FFFFFF"/>
+                </a:highlight>
+              </a:rPr>
+              <a:t>0.0</a:t>
+            </a:r>
+            <a:r>
+              <a:rPr lang="en-US" b="1" dirty="0">
+                <a:solidFill>
+                  <a:srgbClr val="000080"/>
+                </a:solidFill>
+                <a:highlight>
+                  <a:srgbClr val="FFFFFF"/>
+                </a:highlight>
+              </a:rPr>
+              <a:t>,</a:t>
+            </a:r>
+            <a:r>
+              <a:rPr lang="en-US" b="0" dirty="0">
+                <a:solidFill>
+                  <a:srgbClr val="000000"/>
+                </a:solidFill>
+                <a:highlight>
+                  <a:srgbClr val="FFFFFF"/>
+                </a:highlight>
+              </a:rPr>
+              <a:t> </a:t>
+            </a:r>
+            <a:r>
+              <a:rPr lang="en-US" b="0" dirty="0">
+                <a:solidFill>
+                  <a:srgbClr val="FF0000"/>
+                </a:solidFill>
+                <a:highlight>
+                  <a:srgbClr val="FFFFFF"/>
+                </a:highlight>
+              </a:rPr>
+              <a:t>1.0</a:t>
+            </a:r>
+            <a:r>
+              <a:rPr lang="en-US" b="1" dirty="0">
+                <a:solidFill>
+                  <a:srgbClr val="000080"/>
+                </a:solidFill>
+                <a:highlight>
+                  <a:srgbClr val="FFFFFF"/>
+                </a:highlight>
+              </a:rPr>
+              <a:t>,</a:t>
+            </a:r>
+            <a:r>
+              <a:rPr lang="en-US" b="0" dirty="0">
+                <a:solidFill>
+                  <a:srgbClr val="000000"/>
+                </a:solidFill>
+                <a:highlight>
+                  <a:srgbClr val="FFFFFF"/>
+                </a:highlight>
+              </a:rPr>
+              <a:t> </a:t>
+            </a:r>
+            <a:r>
+              <a:rPr lang="en-US" b="0" dirty="0">
+                <a:solidFill>
+                  <a:srgbClr val="FF0000"/>
+                </a:solidFill>
+                <a:highlight>
+                  <a:srgbClr val="FFFFFF"/>
+                </a:highlight>
+              </a:rPr>
+              <a:t>2.0</a:t>
+            </a:r>
+            <a:r>
+              <a:rPr lang="en-US" b="1" dirty="0">
+                <a:solidFill>
+                  <a:srgbClr val="000080"/>
+                </a:solidFill>
+                <a:highlight>
+                  <a:srgbClr val="FFFFFF"/>
+                </a:highlight>
+              </a:rPr>
+              <a:t>,</a:t>
+            </a:r>
+            <a:r>
+              <a:rPr lang="en-US" b="0" dirty="0">
+                <a:solidFill>
+                  <a:srgbClr val="000000"/>
+                </a:solidFill>
+                <a:highlight>
+                  <a:srgbClr val="FFFFFF"/>
+                </a:highlight>
+              </a:rPr>
+              <a:t> </a:t>
+            </a:r>
+            <a:r>
+              <a:rPr lang="en-US" b="0" dirty="0">
+                <a:solidFill>
+                  <a:srgbClr val="FF0000"/>
+                </a:solidFill>
+                <a:highlight>
+                  <a:srgbClr val="FFFFFF"/>
+                </a:highlight>
+              </a:rPr>
+              <a:t>3.0</a:t>
+            </a:r>
+            <a:r>
+              <a:rPr lang="en-US" b="1" dirty="0">
+                <a:solidFill>
+                  <a:srgbClr val="000080"/>
+                </a:solidFill>
+                <a:highlight>
+                  <a:srgbClr val="FFFFFF"/>
+                </a:highlight>
+              </a:rPr>
+              <a:t>,</a:t>
+            </a:r>
+            <a:r>
+              <a:rPr lang="en-US" b="0" dirty="0">
+                <a:solidFill>
+                  <a:srgbClr val="000000"/>
+                </a:solidFill>
+                <a:highlight>
+                  <a:srgbClr val="FFFFFF"/>
+                </a:highlight>
+              </a:rPr>
+              <a:t> </a:t>
+            </a:r>
+            <a:r>
+              <a:rPr lang="en-US" b="0" dirty="0">
+                <a:solidFill>
+                  <a:srgbClr val="FF0000"/>
+                </a:solidFill>
+                <a:highlight>
+                  <a:srgbClr val="FFFFFF"/>
+                </a:highlight>
+              </a:rPr>
+              <a:t>4.0</a:t>
+            </a:r>
+            <a:r>
+              <a:rPr lang="en-US" b="1" dirty="0">
+                <a:solidFill>
+                  <a:srgbClr val="000080"/>
+                </a:solidFill>
+                <a:highlight>
+                  <a:srgbClr val="FFFFFF"/>
+                </a:highlight>
+              </a:rPr>
+              <a:t>])</a:t>
+            </a:r>
+            <a:r>
+              <a:rPr lang="en-US" b="0" dirty="0">
+                <a:solidFill>
+                  <a:srgbClr val="000000"/>
+                </a:solidFill>
+                <a:highlight>
+                  <a:srgbClr val="FFFFFF"/>
+                </a:highlight>
+              </a:rPr>
+              <a:t> </a:t>
+            </a:r>
+          </a:p>
+          <a:p>
+            <a:r>
+              <a:rPr lang="es-ES" b="0" dirty="0">
+                <a:solidFill>
+                  <a:srgbClr val="000000"/>
+                </a:solidFill>
+                <a:highlight>
+                  <a:srgbClr val="FFFFFF"/>
+                </a:highlight>
+              </a:rPr>
+              <a:t>y </a:t>
+            </a:r>
+            <a:r>
+              <a:rPr lang="es-ES" b="1" dirty="0">
+                <a:solidFill>
+                  <a:srgbClr val="000080"/>
+                </a:solidFill>
+                <a:highlight>
+                  <a:srgbClr val="FFFFFF"/>
+                </a:highlight>
+              </a:rPr>
+              <a:t>=</a:t>
+            </a:r>
+            <a:r>
+              <a:rPr lang="es-ES" b="0" dirty="0">
+                <a:solidFill>
+                  <a:srgbClr val="000000"/>
+                </a:solidFill>
+                <a:highlight>
+                  <a:srgbClr val="FFFFFF"/>
+                </a:highlight>
+              </a:rPr>
+              <a:t> </a:t>
+            </a:r>
+            <a:r>
+              <a:rPr lang="es-ES" b="0" dirty="0" err="1">
+                <a:solidFill>
+                  <a:srgbClr val="000000"/>
+                </a:solidFill>
+                <a:highlight>
+                  <a:srgbClr val="FFFFFF"/>
+                </a:highlight>
+              </a:rPr>
+              <a:t>np</a:t>
+            </a:r>
+            <a:r>
+              <a:rPr lang="es-ES" b="1" dirty="0" err="1">
+                <a:solidFill>
+                  <a:srgbClr val="000080"/>
+                </a:solidFill>
+                <a:highlight>
+                  <a:srgbClr val="FFFFFF"/>
+                </a:highlight>
+              </a:rPr>
+              <a:t>.</a:t>
+            </a:r>
+            <a:r>
+              <a:rPr lang="es-ES" b="0" dirty="0" err="1">
+                <a:solidFill>
+                  <a:srgbClr val="000000"/>
+                </a:solidFill>
+                <a:highlight>
+                  <a:srgbClr val="FFFFFF"/>
+                </a:highlight>
+              </a:rPr>
+              <a:t>array</a:t>
+            </a:r>
+            <a:r>
+              <a:rPr lang="es-ES" b="1" dirty="0">
+                <a:solidFill>
+                  <a:srgbClr val="000080"/>
+                </a:solidFill>
+                <a:highlight>
+                  <a:srgbClr val="FFFFFF"/>
+                </a:highlight>
+              </a:rPr>
+              <a:t>([-</a:t>
+            </a:r>
+            <a:r>
+              <a:rPr lang="es-ES" b="0" dirty="0">
+                <a:solidFill>
+                  <a:srgbClr val="FF0000"/>
+                </a:solidFill>
+                <a:highlight>
+                  <a:srgbClr val="FFFFFF"/>
+                </a:highlight>
+              </a:rPr>
+              <a:t>3.0</a:t>
+            </a:r>
+            <a:r>
+              <a:rPr lang="es-ES" b="1" dirty="0">
+                <a:solidFill>
+                  <a:srgbClr val="000080"/>
+                </a:solidFill>
+                <a:highlight>
+                  <a:srgbClr val="FFFFFF"/>
+                </a:highlight>
+              </a:rPr>
+              <a:t>,</a:t>
+            </a:r>
+            <a:r>
+              <a:rPr lang="es-ES" b="0" dirty="0">
+                <a:solidFill>
+                  <a:srgbClr val="000000"/>
+                </a:solidFill>
+                <a:highlight>
+                  <a:srgbClr val="FFFFFF"/>
+                </a:highlight>
+              </a:rPr>
+              <a:t> </a:t>
+            </a:r>
+            <a:r>
+              <a:rPr lang="es-ES" b="1" dirty="0">
+                <a:solidFill>
+                  <a:srgbClr val="000080"/>
+                </a:solidFill>
+                <a:highlight>
+                  <a:srgbClr val="FFFFFF"/>
+                </a:highlight>
+              </a:rPr>
+              <a:t>-</a:t>
+            </a:r>
+            <a:r>
+              <a:rPr lang="es-ES" b="0" dirty="0">
+                <a:solidFill>
+                  <a:srgbClr val="FF0000"/>
+                </a:solidFill>
+                <a:highlight>
+                  <a:srgbClr val="FFFFFF"/>
+                </a:highlight>
+              </a:rPr>
+              <a:t>1.0</a:t>
+            </a:r>
+            <a:r>
+              <a:rPr lang="es-ES" b="1" dirty="0">
+                <a:solidFill>
+                  <a:srgbClr val="000080"/>
+                </a:solidFill>
+                <a:highlight>
+                  <a:srgbClr val="FFFFFF"/>
+                </a:highlight>
+              </a:rPr>
+              <a:t>,</a:t>
+            </a:r>
+            <a:r>
+              <a:rPr lang="es-ES" b="0" dirty="0">
+                <a:solidFill>
+                  <a:srgbClr val="000000"/>
+                </a:solidFill>
+                <a:highlight>
+                  <a:srgbClr val="FFFFFF"/>
+                </a:highlight>
+              </a:rPr>
+              <a:t> </a:t>
+            </a:r>
+            <a:r>
+              <a:rPr lang="es-ES" b="0" dirty="0">
+                <a:solidFill>
+                  <a:srgbClr val="FF0000"/>
+                </a:solidFill>
+                <a:highlight>
+                  <a:srgbClr val="FFFFFF"/>
+                </a:highlight>
+              </a:rPr>
+              <a:t>1.0</a:t>
+            </a:r>
+            <a:r>
+              <a:rPr lang="es-ES" b="1" dirty="0">
+                <a:solidFill>
+                  <a:srgbClr val="000080"/>
+                </a:solidFill>
+                <a:highlight>
+                  <a:srgbClr val="FFFFFF"/>
+                </a:highlight>
+              </a:rPr>
+              <a:t>,</a:t>
+            </a:r>
+            <a:r>
+              <a:rPr lang="es-ES" b="0" dirty="0">
+                <a:solidFill>
+                  <a:srgbClr val="000000"/>
+                </a:solidFill>
+                <a:highlight>
+                  <a:srgbClr val="FFFFFF"/>
+                </a:highlight>
+              </a:rPr>
+              <a:t> </a:t>
+            </a:r>
+            <a:r>
+              <a:rPr lang="es-ES" b="0" dirty="0">
+                <a:solidFill>
+                  <a:srgbClr val="FF0000"/>
+                </a:solidFill>
+                <a:highlight>
+                  <a:srgbClr val="FFFFFF"/>
+                </a:highlight>
+              </a:rPr>
+              <a:t>3.0</a:t>
+            </a:r>
+            <a:r>
+              <a:rPr lang="es-ES" b="1" dirty="0">
+                <a:solidFill>
+                  <a:srgbClr val="000080"/>
+                </a:solidFill>
+                <a:highlight>
+                  <a:srgbClr val="FFFFFF"/>
+                </a:highlight>
+              </a:rPr>
+              <a:t>,</a:t>
+            </a:r>
+            <a:r>
+              <a:rPr lang="es-ES" b="0" dirty="0">
+                <a:solidFill>
+                  <a:srgbClr val="000000"/>
+                </a:solidFill>
+                <a:highlight>
+                  <a:srgbClr val="FFFFFF"/>
+                </a:highlight>
+              </a:rPr>
+              <a:t> </a:t>
+            </a:r>
+            <a:r>
+              <a:rPr lang="es-ES" b="0" dirty="0">
+                <a:solidFill>
+                  <a:srgbClr val="FF0000"/>
+                </a:solidFill>
+                <a:highlight>
+                  <a:srgbClr val="FFFFFF"/>
+                </a:highlight>
+              </a:rPr>
+              <a:t>5.0</a:t>
+            </a:r>
+            <a:r>
+              <a:rPr lang="es-ES" b="1" dirty="0">
+                <a:solidFill>
+                  <a:srgbClr val="000080"/>
+                </a:solidFill>
+                <a:highlight>
+                  <a:srgbClr val="FFFFFF"/>
+                </a:highlight>
+              </a:rPr>
+              <a:t>,</a:t>
+            </a:r>
+            <a:r>
+              <a:rPr lang="es-ES" b="0" dirty="0">
+                <a:solidFill>
+                  <a:srgbClr val="000000"/>
+                </a:solidFill>
+                <a:highlight>
+                  <a:srgbClr val="FFFFFF"/>
+                </a:highlight>
+              </a:rPr>
+              <a:t> </a:t>
+            </a:r>
+            <a:r>
+              <a:rPr lang="es-ES" b="0" dirty="0">
+                <a:solidFill>
+                  <a:srgbClr val="FF0000"/>
+                </a:solidFill>
+                <a:highlight>
+                  <a:srgbClr val="FFFFFF"/>
+                </a:highlight>
+              </a:rPr>
+              <a:t>7.0</a:t>
+            </a:r>
+            <a:r>
+              <a:rPr lang="es-ES" b="1" dirty="0">
+                <a:solidFill>
+                  <a:srgbClr val="000080"/>
+                </a:solidFill>
+                <a:highlight>
+                  <a:srgbClr val="FFFFFF"/>
+                </a:highlight>
+              </a:rPr>
+              <a:t>])</a:t>
+            </a:r>
+            <a:endParaRPr lang="es-ES" b="0" dirty="0">
+              <a:solidFill>
+                <a:srgbClr val="000000"/>
+              </a:solidFill>
+              <a:highlight>
+                <a:srgbClr val="FFFFFF"/>
+              </a:highlight>
+            </a:endParaRPr>
+          </a:p>
+          <a:p>
+            <a:endParaRPr lang="pt-BR" b="0" dirty="0">
+              <a:solidFill>
+                <a:srgbClr val="000000"/>
+              </a:solidFill>
+              <a:highlight>
+                <a:srgbClr val="FFFFFF"/>
+              </a:highlight>
+            </a:endParaRPr>
+          </a:p>
+          <a:p>
+            <a:r>
+              <a:rPr lang="pt-BR" b="0" dirty="0">
+                <a:solidFill>
+                  <a:srgbClr val="000000"/>
+                </a:solidFill>
+                <a:highlight>
+                  <a:srgbClr val="FFFFFF"/>
+                </a:highlight>
+              </a:rPr>
+              <a:t>model </a:t>
+            </a:r>
+            <a:r>
+              <a:rPr lang="pt-BR" b="1" dirty="0">
+                <a:solidFill>
+                  <a:srgbClr val="000080"/>
+                </a:solidFill>
+                <a:highlight>
+                  <a:srgbClr val="FFFFFF"/>
+                </a:highlight>
+              </a:rPr>
+              <a:t>=</a:t>
+            </a:r>
+            <a:r>
+              <a:rPr lang="pt-BR" b="0" dirty="0">
+                <a:solidFill>
+                  <a:srgbClr val="000000"/>
+                </a:solidFill>
+                <a:highlight>
+                  <a:srgbClr val="FFFFFF"/>
+                </a:highlight>
+              </a:rPr>
+              <a:t> </a:t>
+            </a:r>
+            <a:r>
+              <a:rPr lang="pt-BR" b="0" dirty="0" err="1">
+                <a:solidFill>
+                  <a:srgbClr val="000000"/>
+                </a:solidFill>
+                <a:highlight>
+                  <a:srgbClr val="FFFFFF"/>
+                </a:highlight>
+              </a:rPr>
+              <a:t>tf</a:t>
+            </a:r>
+            <a:r>
+              <a:rPr lang="pt-BR" b="1" dirty="0" err="1">
+                <a:solidFill>
+                  <a:srgbClr val="000080"/>
+                </a:solidFill>
+                <a:highlight>
+                  <a:srgbClr val="FFFFFF"/>
+                </a:highlight>
+              </a:rPr>
+              <a:t>.</a:t>
+            </a:r>
+            <a:r>
+              <a:rPr lang="pt-BR" b="0" dirty="0" err="1">
+                <a:solidFill>
+                  <a:srgbClr val="000000"/>
+                </a:solidFill>
+                <a:highlight>
+                  <a:srgbClr val="FFFFFF"/>
+                </a:highlight>
+              </a:rPr>
+              <a:t>keras</a:t>
+            </a:r>
+            <a:r>
+              <a:rPr lang="pt-BR" b="1" dirty="0" err="1">
+                <a:solidFill>
+                  <a:srgbClr val="000080"/>
+                </a:solidFill>
+                <a:highlight>
+                  <a:srgbClr val="FFFFFF"/>
+                </a:highlight>
+              </a:rPr>
+              <a:t>.</a:t>
+            </a:r>
+            <a:r>
+              <a:rPr lang="pt-BR" b="0" dirty="0" err="1">
+                <a:solidFill>
+                  <a:srgbClr val="000000"/>
+                </a:solidFill>
+                <a:highlight>
+                  <a:srgbClr val="FFFFFF"/>
+                </a:highlight>
+              </a:rPr>
+              <a:t>Sequential</a:t>
+            </a:r>
+            <a:r>
+              <a:rPr lang="pt-BR" b="1" dirty="0">
+                <a:solidFill>
+                  <a:srgbClr val="000080"/>
+                </a:solidFill>
+                <a:highlight>
+                  <a:srgbClr val="FFFFFF"/>
+                </a:highlight>
+              </a:rPr>
+              <a:t>([</a:t>
+            </a:r>
+            <a:r>
+              <a:rPr lang="pt-BR" b="0" dirty="0" err="1">
+                <a:solidFill>
+                  <a:srgbClr val="000000"/>
+                </a:solidFill>
+                <a:highlight>
+                  <a:srgbClr val="FFFFFF"/>
+                </a:highlight>
+              </a:rPr>
+              <a:t>tf</a:t>
+            </a:r>
+            <a:r>
+              <a:rPr lang="pt-BR" b="1" dirty="0" err="1">
+                <a:solidFill>
+                  <a:srgbClr val="000080"/>
+                </a:solidFill>
+                <a:highlight>
+                  <a:srgbClr val="FFFFFF"/>
+                </a:highlight>
+              </a:rPr>
+              <a:t>.</a:t>
+            </a:r>
+            <a:r>
+              <a:rPr lang="pt-BR" b="0" dirty="0" err="1">
+                <a:solidFill>
+                  <a:srgbClr val="000000"/>
+                </a:solidFill>
+                <a:highlight>
+                  <a:srgbClr val="FFFFFF"/>
+                </a:highlight>
+              </a:rPr>
+              <a:t>keras</a:t>
+            </a:r>
+            <a:r>
+              <a:rPr lang="pt-BR" b="1" dirty="0" err="1">
+                <a:solidFill>
+                  <a:srgbClr val="000080"/>
+                </a:solidFill>
+                <a:highlight>
+                  <a:srgbClr val="FFFFFF"/>
+                </a:highlight>
+              </a:rPr>
+              <a:t>.</a:t>
+            </a:r>
+            <a:r>
+              <a:rPr lang="pt-BR" b="0" dirty="0" err="1">
+                <a:solidFill>
+                  <a:srgbClr val="000000"/>
+                </a:solidFill>
+                <a:highlight>
+                  <a:srgbClr val="FFFFFF"/>
+                </a:highlight>
+              </a:rPr>
+              <a:t>layers</a:t>
+            </a:r>
+            <a:r>
+              <a:rPr lang="pt-BR" b="1" dirty="0" err="1">
+                <a:solidFill>
+                  <a:srgbClr val="000080"/>
+                </a:solidFill>
+                <a:highlight>
+                  <a:srgbClr val="FFFFFF"/>
+                </a:highlight>
+              </a:rPr>
+              <a:t>.</a:t>
+            </a:r>
+            <a:r>
+              <a:rPr lang="pt-BR" b="0" dirty="0" err="1">
+                <a:solidFill>
+                  <a:srgbClr val="000000"/>
+                </a:solidFill>
+                <a:highlight>
+                  <a:srgbClr val="FFFFFF"/>
+                </a:highlight>
+              </a:rPr>
+              <a:t>Dense</a:t>
+            </a:r>
+            <a:r>
+              <a:rPr lang="pt-BR" b="1" dirty="0">
+                <a:solidFill>
+                  <a:srgbClr val="000080"/>
+                </a:solidFill>
+                <a:highlight>
+                  <a:srgbClr val="FFFFFF"/>
+                </a:highlight>
+              </a:rPr>
+              <a:t>(</a:t>
+            </a:r>
+            <a:r>
+              <a:rPr lang="pt-BR" b="0" dirty="0" err="1">
+                <a:solidFill>
+                  <a:srgbClr val="000000"/>
+                </a:solidFill>
+                <a:highlight>
+                  <a:srgbClr val="FFFFFF"/>
+                </a:highlight>
+              </a:rPr>
+              <a:t>units</a:t>
+            </a:r>
+            <a:r>
+              <a:rPr lang="pt-BR" b="1" dirty="0">
+                <a:solidFill>
+                  <a:srgbClr val="000080"/>
+                </a:solidFill>
+                <a:highlight>
+                  <a:srgbClr val="FFFFFF"/>
+                </a:highlight>
+              </a:rPr>
+              <a:t>=</a:t>
+            </a:r>
+            <a:r>
+              <a:rPr lang="pt-BR" b="0" dirty="0">
+                <a:solidFill>
+                  <a:srgbClr val="FF0000"/>
+                </a:solidFill>
+                <a:highlight>
+                  <a:srgbClr val="FFFFFF"/>
+                </a:highlight>
+              </a:rPr>
+              <a:t>1</a:t>
+            </a:r>
+            <a:r>
+              <a:rPr lang="pt-BR" b="1" dirty="0">
+                <a:solidFill>
+                  <a:srgbClr val="000080"/>
+                </a:solidFill>
+                <a:highlight>
+                  <a:srgbClr val="FFFFFF"/>
+                </a:highlight>
+              </a:rPr>
+              <a:t>,</a:t>
+            </a:r>
+            <a:r>
+              <a:rPr lang="pt-BR" b="0" dirty="0">
+                <a:solidFill>
+                  <a:srgbClr val="000000"/>
+                </a:solidFill>
+                <a:highlight>
+                  <a:srgbClr val="FFFFFF"/>
+                </a:highlight>
+              </a:rPr>
+              <a:t> </a:t>
+            </a:r>
+            <a:r>
+              <a:rPr lang="pt-BR" b="0" dirty="0" err="1">
+                <a:solidFill>
+                  <a:srgbClr val="000000"/>
+                </a:solidFill>
+                <a:highlight>
+                  <a:srgbClr val="FFFFFF"/>
+                </a:highlight>
+              </a:rPr>
+              <a:t>input_shape</a:t>
+            </a:r>
+            <a:r>
+              <a:rPr lang="pt-BR" b="1" dirty="0">
+                <a:solidFill>
+                  <a:srgbClr val="000080"/>
+                </a:solidFill>
+                <a:highlight>
+                  <a:srgbClr val="FFFFFF"/>
+                </a:highlight>
+              </a:rPr>
+              <a:t>=[</a:t>
+            </a:r>
+            <a:r>
+              <a:rPr lang="pt-BR" b="0" dirty="0">
+                <a:solidFill>
+                  <a:srgbClr val="FF0000"/>
+                </a:solidFill>
+                <a:highlight>
+                  <a:srgbClr val="FFFFFF"/>
+                </a:highlight>
+              </a:rPr>
+              <a:t>1</a:t>
+            </a:r>
+            <a:r>
+              <a:rPr lang="pt-BR" b="1" dirty="0">
+                <a:solidFill>
+                  <a:srgbClr val="000080"/>
+                </a:solidFill>
+                <a:highlight>
+                  <a:srgbClr val="FFFFFF"/>
+                </a:highlight>
+              </a:rPr>
+              <a:t>])])</a:t>
+            </a:r>
+            <a:endParaRPr lang="pt-BR" b="0" dirty="0">
+              <a:solidFill>
+                <a:srgbClr val="000000"/>
+              </a:solidFill>
+              <a:highlight>
+                <a:srgbClr val="FFFFFF"/>
+              </a:highlight>
+            </a:endParaRPr>
+          </a:p>
+          <a:p>
+            <a:r>
+              <a:rPr lang="en-US" b="0" dirty="0" err="1">
+                <a:solidFill>
+                  <a:srgbClr val="000000"/>
+                </a:solidFill>
+                <a:highlight>
+                  <a:srgbClr val="FFFFFF"/>
+                </a:highlight>
+              </a:rPr>
+              <a:t>model</a:t>
+            </a:r>
+            <a:r>
+              <a:rPr lang="en-US" b="1" dirty="0" err="1">
+                <a:solidFill>
+                  <a:srgbClr val="000080"/>
+                </a:solidFill>
+                <a:highlight>
+                  <a:srgbClr val="FFFFFF"/>
+                </a:highlight>
+              </a:rPr>
+              <a:t>.</a:t>
+            </a:r>
+            <a:r>
+              <a:rPr lang="en-US" b="1" dirty="0" err="1">
+                <a:solidFill>
+                  <a:srgbClr val="880088"/>
+                </a:solidFill>
+                <a:highlight>
+                  <a:srgbClr val="FFFFFF"/>
+                </a:highlight>
+              </a:rPr>
+              <a:t>compile</a:t>
+            </a:r>
+            <a:r>
+              <a:rPr lang="en-US" b="1" dirty="0">
+                <a:solidFill>
+                  <a:srgbClr val="000080"/>
+                </a:solidFill>
+                <a:highlight>
+                  <a:srgbClr val="FFFFFF"/>
+                </a:highlight>
+              </a:rPr>
+              <a:t>(</a:t>
+            </a:r>
+            <a:r>
+              <a:rPr lang="en-US" b="0" dirty="0">
+                <a:solidFill>
+                  <a:srgbClr val="000000"/>
+                </a:solidFill>
+                <a:highlight>
+                  <a:srgbClr val="FFFFFF"/>
+                </a:highlight>
+              </a:rPr>
+              <a:t>optimizer</a:t>
+            </a:r>
+            <a:r>
+              <a:rPr lang="en-US" b="1" dirty="0">
+                <a:solidFill>
+                  <a:srgbClr val="000080"/>
+                </a:solidFill>
+                <a:highlight>
+                  <a:srgbClr val="FFFFFF"/>
+                </a:highlight>
+              </a:rPr>
+              <a:t>=</a:t>
+            </a:r>
+            <a:r>
+              <a:rPr lang="en-US" b="0" dirty="0">
+                <a:solidFill>
+                  <a:srgbClr val="808080"/>
+                </a:solidFill>
+                <a:highlight>
+                  <a:srgbClr val="FFFFFF"/>
+                </a:highlight>
+              </a:rPr>
+              <a:t>'</a:t>
+            </a:r>
+            <a:r>
+              <a:rPr lang="en-US" b="0" dirty="0" err="1">
+                <a:solidFill>
+                  <a:srgbClr val="808080"/>
+                </a:solidFill>
+                <a:highlight>
+                  <a:srgbClr val="FFFFFF"/>
+                </a:highlight>
+              </a:rPr>
+              <a:t>sgd</a:t>
+            </a:r>
+            <a:r>
+              <a:rPr lang="en-US" b="0" dirty="0">
+                <a:solidFill>
+                  <a:srgbClr val="808080"/>
+                </a:solidFill>
+                <a:highlight>
+                  <a:srgbClr val="FFFFFF"/>
+                </a:highlight>
+              </a:rPr>
+              <a:t>'</a:t>
+            </a:r>
+            <a:r>
+              <a:rPr lang="en-US" b="1" dirty="0">
+                <a:solidFill>
+                  <a:srgbClr val="000080"/>
+                </a:solidFill>
+                <a:highlight>
+                  <a:srgbClr val="FFFFFF"/>
+                </a:highlight>
+              </a:rPr>
+              <a:t>,</a:t>
+            </a:r>
+            <a:r>
+              <a:rPr lang="en-US" b="0" dirty="0">
+                <a:solidFill>
+                  <a:srgbClr val="000000"/>
+                </a:solidFill>
+                <a:highlight>
+                  <a:srgbClr val="FFFFFF"/>
+                </a:highlight>
+              </a:rPr>
+              <a:t> loss</a:t>
+            </a:r>
+            <a:r>
+              <a:rPr lang="en-US" b="1" dirty="0">
+                <a:solidFill>
+                  <a:srgbClr val="000080"/>
+                </a:solidFill>
+                <a:highlight>
+                  <a:srgbClr val="FFFFFF"/>
+                </a:highlight>
+              </a:rPr>
+              <a:t>=</a:t>
+            </a:r>
+            <a:r>
+              <a:rPr lang="en-US" b="0" dirty="0">
+                <a:solidFill>
+                  <a:srgbClr val="808080"/>
+                </a:solidFill>
+                <a:highlight>
+                  <a:srgbClr val="FFFFFF"/>
+                </a:highlight>
+              </a:rPr>
+              <a:t>'</a:t>
+            </a:r>
+            <a:r>
+              <a:rPr lang="en-US" b="0" dirty="0" err="1">
+                <a:solidFill>
+                  <a:srgbClr val="808080"/>
+                </a:solidFill>
+                <a:highlight>
+                  <a:srgbClr val="FFFFFF"/>
+                </a:highlight>
+              </a:rPr>
+              <a:t>mean_squared_error</a:t>
+            </a:r>
+            <a:r>
+              <a:rPr lang="en-US" b="0" dirty="0">
+                <a:solidFill>
+                  <a:srgbClr val="808080"/>
+                </a:solidFill>
+                <a:highlight>
+                  <a:srgbClr val="FFFFFF"/>
+                </a:highlight>
+              </a:rPr>
+              <a:t>’</a:t>
+            </a:r>
+            <a:r>
+              <a:rPr lang="en-US" b="1" dirty="0">
+                <a:solidFill>
+                  <a:srgbClr val="000080"/>
+                </a:solidFill>
+                <a:highlight>
+                  <a:srgbClr val="FFFFFF"/>
+                </a:highlight>
+              </a:rPr>
+              <a:t>)</a:t>
+            </a:r>
+            <a:endParaRPr lang="en-US" b="0" dirty="0">
+              <a:solidFill>
+                <a:srgbClr val="000000"/>
+              </a:solidFill>
+              <a:highlight>
+                <a:srgbClr val="FFFFFF"/>
+              </a:highlight>
+            </a:endParaRPr>
+          </a:p>
+          <a:p>
+            <a:endParaRPr lang="pt-BR" b="0" dirty="0">
+              <a:solidFill>
+                <a:srgbClr val="000000"/>
+              </a:solidFill>
+              <a:highlight>
+                <a:srgbClr val="FFFFFF"/>
+              </a:highlight>
+            </a:endParaRPr>
+          </a:p>
+          <a:p>
+            <a:r>
+              <a:rPr lang="es-ES" b="0" dirty="0" err="1">
+                <a:solidFill>
+                  <a:srgbClr val="000000"/>
+                </a:solidFill>
+                <a:highlight>
+                  <a:srgbClr val="FFFFFF"/>
+                </a:highlight>
+              </a:rPr>
+              <a:t>history</a:t>
+            </a:r>
+            <a:r>
+              <a:rPr lang="es-ES" b="0" dirty="0">
+                <a:solidFill>
+                  <a:srgbClr val="000000"/>
+                </a:solidFill>
+                <a:highlight>
+                  <a:srgbClr val="FFFFFF"/>
+                </a:highlight>
+              </a:rPr>
+              <a:t> = </a:t>
+            </a:r>
+            <a:r>
+              <a:rPr lang="es-ES" b="0" dirty="0" err="1">
+                <a:solidFill>
+                  <a:srgbClr val="000000"/>
+                </a:solidFill>
+                <a:highlight>
+                  <a:srgbClr val="FFFFFF"/>
+                </a:highlight>
+              </a:rPr>
+              <a:t>model</a:t>
+            </a:r>
+            <a:r>
+              <a:rPr lang="es-ES" b="1" dirty="0" err="1">
+                <a:solidFill>
+                  <a:srgbClr val="000080"/>
+                </a:solidFill>
+                <a:highlight>
+                  <a:srgbClr val="FFFFFF"/>
+                </a:highlight>
+              </a:rPr>
+              <a:t>.</a:t>
+            </a:r>
+            <a:r>
+              <a:rPr lang="es-ES" b="0" dirty="0" err="1">
+                <a:solidFill>
+                  <a:srgbClr val="000000"/>
+                </a:solidFill>
+                <a:highlight>
+                  <a:srgbClr val="FFFFFF"/>
+                </a:highlight>
+              </a:rPr>
+              <a:t>fit</a:t>
+            </a:r>
+            <a:r>
+              <a:rPr lang="es-ES" b="1" dirty="0">
+                <a:solidFill>
+                  <a:srgbClr val="000080"/>
+                </a:solidFill>
+                <a:highlight>
+                  <a:srgbClr val="FFFFFF"/>
+                </a:highlight>
+              </a:rPr>
+              <a:t>(</a:t>
+            </a:r>
+            <a:r>
+              <a:rPr lang="es-ES" b="0" dirty="0">
+                <a:solidFill>
+                  <a:srgbClr val="000000"/>
+                </a:solidFill>
+                <a:highlight>
+                  <a:srgbClr val="FFFFFF"/>
+                </a:highlight>
+              </a:rPr>
+              <a:t>x</a:t>
+            </a:r>
+            <a:r>
+              <a:rPr lang="es-ES" b="1" dirty="0">
+                <a:solidFill>
+                  <a:srgbClr val="000080"/>
+                </a:solidFill>
+                <a:highlight>
+                  <a:srgbClr val="FFFFFF"/>
+                </a:highlight>
+              </a:rPr>
+              <a:t>,</a:t>
+            </a:r>
+            <a:r>
+              <a:rPr lang="es-ES" b="0" dirty="0">
+                <a:solidFill>
+                  <a:srgbClr val="000000"/>
+                </a:solidFill>
+                <a:highlight>
+                  <a:srgbClr val="FFFFFF"/>
+                </a:highlight>
+              </a:rPr>
+              <a:t> y</a:t>
+            </a:r>
+            <a:r>
+              <a:rPr lang="es-ES" b="1" dirty="0">
+                <a:solidFill>
+                  <a:srgbClr val="000080"/>
+                </a:solidFill>
+                <a:highlight>
+                  <a:srgbClr val="FFFFFF"/>
+                </a:highlight>
+              </a:rPr>
+              <a:t>,</a:t>
+            </a:r>
+            <a:r>
+              <a:rPr lang="es-ES" b="0" dirty="0">
+                <a:solidFill>
+                  <a:srgbClr val="000000"/>
+                </a:solidFill>
+                <a:highlight>
+                  <a:srgbClr val="FFFFFF"/>
+                </a:highlight>
+              </a:rPr>
+              <a:t> </a:t>
+            </a:r>
+            <a:r>
+              <a:rPr lang="es-ES" b="0" dirty="0" err="1">
+                <a:solidFill>
+                  <a:srgbClr val="000000"/>
+                </a:solidFill>
+                <a:highlight>
+                  <a:srgbClr val="FFFFFF"/>
+                </a:highlight>
+              </a:rPr>
+              <a:t>epochs</a:t>
+            </a:r>
+            <a:r>
+              <a:rPr lang="es-ES" b="1" dirty="0">
+                <a:solidFill>
+                  <a:srgbClr val="000080"/>
+                </a:solidFill>
+                <a:highlight>
+                  <a:srgbClr val="FFFFFF"/>
+                </a:highlight>
+              </a:rPr>
+              <a:t>=</a:t>
+            </a:r>
+            <a:r>
+              <a:rPr lang="es-ES" b="0" dirty="0">
+                <a:solidFill>
+                  <a:srgbClr val="FF0000"/>
+                </a:solidFill>
+                <a:highlight>
+                  <a:srgbClr val="FFFFFF"/>
+                </a:highlight>
+              </a:rPr>
+              <a:t>500</a:t>
+            </a:r>
+            <a:r>
+              <a:rPr lang="es-ES" b="1" dirty="0">
+                <a:solidFill>
+                  <a:srgbClr val="000080"/>
+                </a:solidFill>
+                <a:highlight>
+                  <a:srgbClr val="FFFFFF"/>
+                </a:highlight>
+              </a:rPr>
+              <a:t>)</a:t>
+            </a:r>
+            <a:endParaRPr lang="es-ES" b="0" dirty="0">
+              <a:solidFill>
+                <a:srgbClr val="000000"/>
+              </a:solidFill>
+              <a:highlight>
+                <a:srgbClr val="FFFFFF"/>
+              </a:highlight>
+            </a:endParaRPr>
+          </a:p>
+          <a:p>
+            <a:endParaRPr lang="pt-BR" b="0" dirty="0">
+              <a:solidFill>
+                <a:srgbClr val="000000"/>
+              </a:solidFill>
+              <a:highlight>
+                <a:srgbClr val="FFFFFF"/>
+              </a:highlight>
+            </a:endParaRPr>
+          </a:p>
+          <a:p>
+            <a:r>
+              <a:rPr lang="pt-BR" b="1" dirty="0">
+                <a:solidFill>
+                  <a:srgbClr val="880088"/>
+                </a:solidFill>
+                <a:highlight>
+                  <a:srgbClr val="FFFFFF"/>
+                </a:highlight>
+              </a:rPr>
+              <a:t>print</a:t>
+            </a:r>
+            <a:r>
+              <a:rPr lang="pt-BR" b="1" dirty="0">
+                <a:solidFill>
+                  <a:srgbClr val="000080"/>
+                </a:solidFill>
+                <a:highlight>
+                  <a:srgbClr val="FFFFFF"/>
+                </a:highlight>
+              </a:rPr>
+              <a:t>(</a:t>
+            </a:r>
+            <a:r>
+              <a:rPr lang="pt-BR" b="0" dirty="0" err="1">
+                <a:solidFill>
+                  <a:srgbClr val="000000"/>
+                </a:solidFill>
+                <a:highlight>
+                  <a:srgbClr val="FFFFFF"/>
+                </a:highlight>
+              </a:rPr>
+              <a:t>model</a:t>
+            </a:r>
+            <a:r>
+              <a:rPr lang="pt-BR" b="1" dirty="0" err="1">
+                <a:solidFill>
+                  <a:srgbClr val="000080"/>
+                </a:solidFill>
+                <a:highlight>
+                  <a:srgbClr val="FFFFFF"/>
+                </a:highlight>
+              </a:rPr>
+              <a:t>.</a:t>
+            </a:r>
+            <a:r>
+              <a:rPr lang="pt-BR" b="0" dirty="0" err="1">
+                <a:solidFill>
+                  <a:srgbClr val="000000"/>
+                </a:solidFill>
+                <a:highlight>
+                  <a:srgbClr val="FFFFFF"/>
+                </a:highlight>
+              </a:rPr>
+              <a:t>predict</a:t>
+            </a:r>
+            <a:r>
+              <a:rPr lang="pt-BR" b="1" dirty="0">
+                <a:solidFill>
+                  <a:srgbClr val="000080"/>
+                </a:solidFill>
+                <a:highlight>
+                  <a:srgbClr val="FFFFFF"/>
+                </a:highlight>
+              </a:rPr>
+              <a:t>([</a:t>
+            </a:r>
+            <a:r>
+              <a:rPr lang="pt-BR" b="0" dirty="0">
+                <a:solidFill>
+                  <a:srgbClr val="FF0000"/>
+                </a:solidFill>
+                <a:highlight>
+                  <a:srgbClr val="FFFFFF"/>
+                </a:highlight>
+              </a:rPr>
+              <a:t>10.0</a:t>
+            </a:r>
+            <a:r>
+              <a:rPr lang="pt-BR" b="1" dirty="0">
+                <a:solidFill>
+                  <a:srgbClr val="000080"/>
+                </a:solidFill>
+                <a:highlight>
+                  <a:srgbClr val="FFFFFF"/>
+                </a:highlight>
+              </a:rPr>
+              <a:t>]))</a:t>
+            </a:r>
+            <a:endParaRPr lang="pt-BR" dirty="0"/>
+          </a:p>
+        </p:txBody>
+      </p:sp>
+      <p:sp>
+        <p:nvSpPr>
+          <p:cNvPr id="5" name="Retângulo 4">
+            <a:extLst>
+              <a:ext uri="{FF2B5EF4-FFF2-40B4-BE49-F238E27FC236}">
+                <a16:creationId xmlns:a16="http://schemas.microsoft.com/office/drawing/2014/main" id="{CFCDC870-11DD-7CC0-39D2-F418F4A8AD28}"/>
+              </a:ext>
+            </a:extLst>
+          </p:cNvPr>
+          <p:cNvSpPr/>
+          <p:nvPr/>
+        </p:nvSpPr>
+        <p:spPr>
+          <a:xfrm>
+            <a:off x="2370363" y="2510349"/>
+            <a:ext cx="7451271" cy="392225"/>
+          </a:xfrm>
+          <a:prstGeom prst="rect">
+            <a:avLst/>
+          </a:prstGeom>
+          <a:noFill/>
+          <a:ln w="28575">
+            <a:solidFill>
+              <a:srgbClr val="FF0000"/>
+            </a:solidFill>
+          </a:ln>
+        </p:spPr>
+        <p:style>
+          <a:lnRef idx="2">
+            <a:schemeClr val="accent1">
+              <a:shade val="15000"/>
+            </a:schemeClr>
+          </a:lnRef>
+          <a:fillRef idx="1">
+            <a:schemeClr val="accent1"/>
+          </a:fillRef>
+          <a:effectRef idx="0">
+            <a:schemeClr val="accent1"/>
+          </a:effectRef>
+          <a:fontRef idx="minor">
+            <a:schemeClr val="lt1"/>
+          </a:fontRef>
+        </p:style>
+        <p:txBody>
+          <a:bodyPr rtlCol="0" anchor="ctr"/>
+          <a:lstStyle/>
+          <a:p>
+            <a:pPr algn="ctr"/>
+            <a:endParaRPr lang="pt-BR"/>
+          </a:p>
+        </p:txBody>
+      </p:sp>
+    </p:spTree>
+    <p:extLst>
+      <p:ext uri="{BB962C8B-B14F-4D97-AF65-F5344CB8AC3E}">
+        <p14:creationId xmlns:p14="http://schemas.microsoft.com/office/powerpoint/2010/main" val="2989738233"/>
+      </p:ext>
+    </p:extLst>
+  </p:cSld>
+  <p:clrMapOvr>
+    <a:masterClrMapping/>
+  </p:clrMapOvr>
+</p:sld>
+</file>
+
+<file path=ppt/slides/slide11.xml><?xml version="1.0" encoding="utf-8"?>
+<p:sld xmlns:a="http://schemas.openxmlformats.org/drawingml/2006/main" xmlns:r="http://schemas.openxmlformats.org/officeDocument/2006/relationships" xmlns:p="http://schemas.openxmlformats.org/presentationml/2006/main">
+  <p:cSld>
+    <p:spTree>
+      <p:nvGrpSpPr>
+        <p:cNvPr id="1" name=""/>
+        <p:cNvGrpSpPr/>
+        <p:nvPr/>
+      </p:nvGrpSpPr>
+      <p:grpSpPr>
+        <a:xfrm>
+          <a:off x="0" y="0"/>
+          <a:ext cx="0" cy="0"/>
+          <a:chOff x="0" y="0"/>
+          <a:chExt cx="0" cy="0"/>
+        </a:xfrm>
+      </p:grpSpPr>
+      <p:sp>
+        <p:nvSpPr>
+          <p:cNvPr id="2" name="Título 1">
+            <a:extLst>
+              <a:ext uri="{FF2B5EF4-FFF2-40B4-BE49-F238E27FC236}">
+                <a16:creationId xmlns:a16="http://schemas.microsoft.com/office/drawing/2014/main" id="{86449F96-8B9C-8642-EE66-30B04CC16318}"/>
+              </a:ext>
+            </a:extLst>
+          </p:cNvPr>
+          <p:cNvSpPr>
+            <a:spLocks noGrp="1"/>
+          </p:cNvSpPr>
+          <p:nvPr>
+            <p:ph type="title"/>
+          </p:nvPr>
+        </p:nvSpPr>
+        <p:spPr/>
+        <p:txBody>
+          <a:bodyPr/>
+          <a:lstStyle/>
+          <a:p>
+            <a:r>
+              <a:rPr lang="pt-BR" dirty="0"/>
+              <a:t>Definindo uma rede neural</a:t>
+            </a:r>
+          </a:p>
+        </p:txBody>
+      </p:sp>
+      <p:sp>
+        <p:nvSpPr>
+          <p:cNvPr id="3" name="Espaço Reservado para Conteúdo 2">
+            <a:extLst>
+              <a:ext uri="{FF2B5EF4-FFF2-40B4-BE49-F238E27FC236}">
+                <a16:creationId xmlns:a16="http://schemas.microsoft.com/office/drawing/2014/main" id="{5271C2DB-CB2D-7DA6-19D3-EA05C00F9996}"/>
+              </a:ext>
+            </a:extLst>
+          </p:cNvPr>
+          <p:cNvSpPr>
+            <a:spLocks noGrp="1"/>
+          </p:cNvSpPr>
+          <p:nvPr>
+            <p:ph idx="1"/>
+          </p:nvPr>
+        </p:nvSpPr>
+        <p:spPr>
+          <a:xfrm>
+            <a:off x="435429" y="4376057"/>
+            <a:ext cx="11636828" cy="2481942"/>
+          </a:xfrm>
+        </p:spPr>
+        <p:txBody>
+          <a:bodyPr>
+            <a:normAutofit fontScale="92500" lnSpcReduction="10000"/>
+          </a:bodyPr>
+          <a:lstStyle/>
+          <a:p>
+            <a:r>
+              <a:rPr lang="pt-BR" dirty="0"/>
+              <a:t>Essa camada é do tipo </a:t>
+            </a:r>
+            <a:r>
+              <a:rPr lang="pt-BR" b="1" i="1" dirty="0">
+                <a:solidFill>
+                  <a:srgbClr val="00B050"/>
+                </a:solidFill>
+              </a:rPr>
+              <a:t>densa</a:t>
+            </a:r>
+            <a:r>
+              <a:rPr lang="pt-BR" dirty="0"/>
+              <a:t>, então sabemos que é uma rede </a:t>
+            </a:r>
+            <a:r>
+              <a:rPr lang="pt-BR" b="1" i="1" dirty="0"/>
+              <a:t>densamente conectada</a:t>
+            </a:r>
+            <a:r>
+              <a:rPr lang="pt-BR" dirty="0"/>
+              <a:t>.</a:t>
+            </a:r>
+          </a:p>
+          <a:p>
+            <a:r>
+              <a:rPr lang="pt-BR" dirty="0"/>
+              <a:t>O parâmetro </a:t>
+            </a:r>
+            <a:r>
+              <a:rPr lang="pt-BR" b="1" i="1" dirty="0" err="1">
+                <a:solidFill>
+                  <a:srgbClr val="00B050"/>
+                </a:solidFill>
+              </a:rPr>
+              <a:t>units</a:t>
+            </a:r>
+            <a:r>
+              <a:rPr lang="pt-BR" dirty="0"/>
+              <a:t> nos diz quantos neurônios a camada possui.</a:t>
+            </a:r>
+          </a:p>
+          <a:p>
+            <a:r>
+              <a:rPr lang="pt-BR" dirty="0"/>
+              <a:t>Podemos ver que essa camada tem apenas um neurônio.</a:t>
+            </a:r>
+          </a:p>
+          <a:p>
+            <a:r>
+              <a:rPr lang="pt-BR" dirty="0"/>
+              <a:t>Portanto, esse código define a rede neural mais simples possível.</a:t>
+            </a:r>
+          </a:p>
+          <a:p>
+            <a:pPr lvl="1">
+              <a:buFont typeface="Wingdings" panose="05000000000000000000" pitchFamily="2" charset="2"/>
+              <a:buChar char="§"/>
+            </a:pPr>
+            <a:r>
+              <a:rPr lang="pt-BR" dirty="0"/>
+              <a:t>Há apenas uma camada com um único neurônio.</a:t>
+            </a:r>
+          </a:p>
+        </p:txBody>
+      </p:sp>
+      <p:sp>
+        <p:nvSpPr>
+          <p:cNvPr id="4" name="CaixaDeTexto 3">
+            <a:extLst>
+              <a:ext uri="{FF2B5EF4-FFF2-40B4-BE49-F238E27FC236}">
+                <a16:creationId xmlns:a16="http://schemas.microsoft.com/office/drawing/2014/main" id="{08E0EBAF-B825-EC26-6D53-38BD78023702}"/>
+              </a:ext>
+            </a:extLst>
+          </p:cNvPr>
+          <p:cNvSpPr txBox="1"/>
+          <p:nvPr/>
+        </p:nvSpPr>
+        <p:spPr>
+          <a:xfrm>
+            <a:off x="2370364" y="1690688"/>
+            <a:ext cx="7451271" cy="2585323"/>
+          </a:xfrm>
+          <a:prstGeom prst="rect">
+            <a:avLst/>
+          </a:prstGeom>
+          <a:noFill/>
+        </p:spPr>
+        <p:txBody>
+          <a:bodyPr wrap="square">
+            <a:spAutoFit/>
+          </a:bodyPr>
+          <a:lstStyle/>
+          <a:p>
+            <a:r>
+              <a:rPr lang="en-US" dirty="0">
+                <a:solidFill>
+                  <a:srgbClr val="000000"/>
+                </a:solidFill>
+                <a:highlight>
+                  <a:srgbClr val="FFFFFF"/>
+                </a:highlight>
+              </a:rPr>
+              <a:t>x </a:t>
+            </a:r>
+            <a:r>
+              <a:rPr lang="en-US" b="1" dirty="0">
+                <a:solidFill>
+                  <a:srgbClr val="000080"/>
+                </a:solidFill>
+                <a:highlight>
+                  <a:srgbClr val="FFFFFF"/>
+                </a:highlight>
+              </a:rPr>
+              <a:t>=</a:t>
+            </a:r>
+            <a:r>
+              <a:rPr lang="en-US" b="0" dirty="0">
+                <a:solidFill>
+                  <a:srgbClr val="000000"/>
+                </a:solidFill>
+                <a:highlight>
+                  <a:srgbClr val="FFFFFF"/>
+                </a:highlight>
+              </a:rPr>
+              <a:t> </a:t>
+            </a:r>
+            <a:r>
+              <a:rPr lang="en-US" b="0" dirty="0" err="1">
+                <a:solidFill>
+                  <a:srgbClr val="000000"/>
+                </a:solidFill>
+                <a:highlight>
+                  <a:srgbClr val="FFFFFF"/>
+                </a:highlight>
+              </a:rPr>
+              <a:t>np</a:t>
+            </a:r>
+            <a:r>
+              <a:rPr lang="en-US" b="1" dirty="0" err="1">
+                <a:solidFill>
+                  <a:srgbClr val="000080"/>
+                </a:solidFill>
+                <a:highlight>
+                  <a:srgbClr val="FFFFFF"/>
+                </a:highlight>
+              </a:rPr>
+              <a:t>.</a:t>
+            </a:r>
+            <a:r>
+              <a:rPr lang="en-US" b="0" dirty="0" err="1">
+                <a:solidFill>
+                  <a:srgbClr val="000000"/>
+                </a:solidFill>
+                <a:highlight>
+                  <a:srgbClr val="FFFFFF"/>
+                </a:highlight>
+              </a:rPr>
+              <a:t>array</a:t>
+            </a:r>
+            <a:r>
+              <a:rPr lang="en-US" b="1" dirty="0">
+                <a:solidFill>
+                  <a:srgbClr val="000080"/>
+                </a:solidFill>
+                <a:highlight>
+                  <a:srgbClr val="FFFFFF"/>
+                </a:highlight>
+              </a:rPr>
+              <a:t>([-</a:t>
+            </a:r>
+            <a:r>
+              <a:rPr lang="en-US" b="0" dirty="0">
+                <a:solidFill>
+                  <a:srgbClr val="FF0000"/>
+                </a:solidFill>
+                <a:highlight>
+                  <a:srgbClr val="FFFFFF"/>
+                </a:highlight>
+              </a:rPr>
+              <a:t>1.0</a:t>
+            </a:r>
+            <a:r>
+              <a:rPr lang="en-US" b="1" dirty="0">
+                <a:solidFill>
+                  <a:srgbClr val="000080"/>
+                </a:solidFill>
+                <a:highlight>
+                  <a:srgbClr val="FFFFFF"/>
+                </a:highlight>
+              </a:rPr>
+              <a:t>,</a:t>
+            </a:r>
+            <a:r>
+              <a:rPr lang="en-US" b="0" dirty="0">
+                <a:solidFill>
+                  <a:srgbClr val="000000"/>
+                </a:solidFill>
+                <a:highlight>
+                  <a:srgbClr val="FFFFFF"/>
+                </a:highlight>
+              </a:rPr>
+              <a:t>  </a:t>
+            </a:r>
+            <a:r>
+              <a:rPr lang="en-US" b="0" dirty="0">
+                <a:solidFill>
+                  <a:srgbClr val="FF0000"/>
+                </a:solidFill>
+                <a:highlight>
+                  <a:srgbClr val="FFFFFF"/>
+                </a:highlight>
+              </a:rPr>
+              <a:t>0.0</a:t>
+            </a:r>
+            <a:r>
+              <a:rPr lang="en-US" b="1" dirty="0">
+                <a:solidFill>
+                  <a:srgbClr val="000080"/>
+                </a:solidFill>
+                <a:highlight>
+                  <a:srgbClr val="FFFFFF"/>
+                </a:highlight>
+              </a:rPr>
+              <a:t>,</a:t>
+            </a:r>
+            <a:r>
+              <a:rPr lang="en-US" b="0" dirty="0">
+                <a:solidFill>
+                  <a:srgbClr val="000000"/>
+                </a:solidFill>
+                <a:highlight>
+                  <a:srgbClr val="FFFFFF"/>
+                </a:highlight>
+              </a:rPr>
+              <a:t> </a:t>
+            </a:r>
+            <a:r>
+              <a:rPr lang="en-US" b="0" dirty="0">
+                <a:solidFill>
+                  <a:srgbClr val="FF0000"/>
+                </a:solidFill>
+                <a:highlight>
+                  <a:srgbClr val="FFFFFF"/>
+                </a:highlight>
+              </a:rPr>
+              <a:t>1.0</a:t>
+            </a:r>
+            <a:r>
+              <a:rPr lang="en-US" b="1" dirty="0">
+                <a:solidFill>
+                  <a:srgbClr val="000080"/>
+                </a:solidFill>
+                <a:highlight>
+                  <a:srgbClr val="FFFFFF"/>
+                </a:highlight>
+              </a:rPr>
+              <a:t>,</a:t>
+            </a:r>
+            <a:r>
+              <a:rPr lang="en-US" b="0" dirty="0">
+                <a:solidFill>
+                  <a:srgbClr val="000000"/>
+                </a:solidFill>
+                <a:highlight>
+                  <a:srgbClr val="FFFFFF"/>
+                </a:highlight>
+              </a:rPr>
+              <a:t> </a:t>
+            </a:r>
+            <a:r>
+              <a:rPr lang="en-US" b="0" dirty="0">
+                <a:solidFill>
+                  <a:srgbClr val="FF0000"/>
+                </a:solidFill>
+                <a:highlight>
+                  <a:srgbClr val="FFFFFF"/>
+                </a:highlight>
+              </a:rPr>
+              <a:t>2.0</a:t>
+            </a:r>
+            <a:r>
+              <a:rPr lang="en-US" b="1" dirty="0">
+                <a:solidFill>
+                  <a:srgbClr val="000080"/>
+                </a:solidFill>
+                <a:highlight>
+                  <a:srgbClr val="FFFFFF"/>
+                </a:highlight>
+              </a:rPr>
+              <a:t>,</a:t>
+            </a:r>
+            <a:r>
+              <a:rPr lang="en-US" b="0" dirty="0">
+                <a:solidFill>
+                  <a:srgbClr val="000000"/>
+                </a:solidFill>
+                <a:highlight>
+                  <a:srgbClr val="FFFFFF"/>
+                </a:highlight>
+              </a:rPr>
+              <a:t> </a:t>
+            </a:r>
+            <a:r>
+              <a:rPr lang="en-US" b="0" dirty="0">
+                <a:solidFill>
+                  <a:srgbClr val="FF0000"/>
+                </a:solidFill>
+                <a:highlight>
+                  <a:srgbClr val="FFFFFF"/>
+                </a:highlight>
+              </a:rPr>
+              <a:t>3.0</a:t>
+            </a:r>
+            <a:r>
+              <a:rPr lang="en-US" b="1" dirty="0">
+                <a:solidFill>
+                  <a:srgbClr val="000080"/>
+                </a:solidFill>
+                <a:highlight>
+                  <a:srgbClr val="FFFFFF"/>
+                </a:highlight>
+              </a:rPr>
+              <a:t>,</a:t>
+            </a:r>
+            <a:r>
+              <a:rPr lang="en-US" b="0" dirty="0">
+                <a:solidFill>
+                  <a:srgbClr val="000000"/>
+                </a:solidFill>
+                <a:highlight>
+                  <a:srgbClr val="FFFFFF"/>
+                </a:highlight>
+              </a:rPr>
+              <a:t> </a:t>
+            </a:r>
+            <a:r>
+              <a:rPr lang="en-US" b="0" dirty="0">
+                <a:solidFill>
+                  <a:srgbClr val="FF0000"/>
+                </a:solidFill>
+                <a:highlight>
+                  <a:srgbClr val="FFFFFF"/>
+                </a:highlight>
+              </a:rPr>
+              <a:t>4.0</a:t>
+            </a:r>
+            <a:r>
+              <a:rPr lang="en-US" b="1" dirty="0">
+                <a:solidFill>
+                  <a:srgbClr val="000080"/>
+                </a:solidFill>
+                <a:highlight>
+                  <a:srgbClr val="FFFFFF"/>
+                </a:highlight>
+              </a:rPr>
+              <a:t>])</a:t>
+            </a:r>
+            <a:r>
+              <a:rPr lang="en-US" b="0" dirty="0">
+                <a:solidFill>
+                  <a:srgbClr val="000000"/>
+                </a:solidFill>
+                <a:highlight>
+                  <a:srgbClr val="FFFFFF"/>
+                </a:highlight>
+              </a:rPr>
+              <a:t> </a:t>
+            </a:r>
+          </a:p>
+          <a:p>
+            <a:r>
+              <a:rPr lang="es-ES" b="0" dirty="0">
+                <a:solidFill>
+                  <a:srgbClr val="000000"/>
+                </a:solidFill>
+                <a:highlight>
+                  <a:srgbClr val="FFFFFF"/>
+                </a:highlight>
+              </a:rPr>
+              <a:t>y </a:t>
+            </a:r>
+            <a:r>
+              <a:rPr lang="es-ES" b="1" dirty="0">
+                <a:solidFill>
+                  <a:srgbClr val="000080"/>
+                </a:solidFill>
+                <a:highlight>
+                  <a:srgbClr val="FFFFFF"/>
+                </a:highlight>
+              </a:rPr>
+              <a:t>=</a:t>
+            </a:r>
+            <a:r>
+              <a:rPr lang="es-ES" b="0" dirty="0">
+                <a:solidFill>
+                  <a:srgbClr val="000000"/>
+                </a:solidFill>
+                <a:highlight>
+                  <a:srgbClr val="FFFFFF"/>
+                </a:highlight>
+              </a:rPr>
+              <a:t> </a:t>
+            </a:r>
+            <a:r>
+              <a:rPr lang="es-ES" b="0" dirty="0" err="1">
+                <a:solidFill>
+                  <a:srgbClr val="000000"/>
+                </a:solidFill>
+                <a:highlight>
+                  <a:srgbClr val="FFFFFF"/>
+                </a:highlight>
+              </a:rPr>
+              <a:t>np</a:t>
+            </a:r>
+            <a:r>
+              <a:rPr lang="es-ES" b="1" dirty="0" err="1">
+                <a:solidFill>
+                  <a:srgbClr val="000080"/>
+                </a:solidFill>
+                <a:highlight>
+                  <a:srgbClr val="FFFFFF"/>
+                </a:highlight>
+              </a:rPr>
+              <a:t>.</a:t>
+            </a:r>
+            <a:r>
+              <a:rPr lang="es-ES" b="0" dirty="0" err="1">
+                <a:solidFill>
+                  <a:srgbClr val="000000"/>
+                </a:solidFill>
+                <a:highlight>
+                  <a:srgbClr val="FFFFFF"/>
+                </a:highlight>
+              </a:rPr>
+              <a:t>array</a:t>
+            </a:r>
+            <a:r>
+              <a:rPr lang="es-ES" b="1" dirty="0">
+                <a:solidFill>
+                  <a:srgbClr val="000080"/>
+                </a:solidFill>
+                <a:highlight>
+                  <a:srgbClr val="FFFFFF"/>
+                </a:highlight>
+              </a:rPr>
+              <a:t>([-</a:t>
+            </a:r>
+            <a:r>
+              <a:rPr lang="es-ES" b="0" dirty="0">
+                <a:solidFill>
+                  <a:srgbClr val="FF0000"/>
+                </a:solidFill>
+                <a:highlight>
+                  <a:srgbClr val="FFFFFF"/>
+                </a:highlight>
+              </a:rPr>
+              <a:t>3.0</a:t>
+            </a:r>
+            <a:r>
+              <a:rPr lang="es-ES" b="1" dirty="0">
+                <a:solidFill>
+                  <a:srgbClr val="000080"/>
+                </a:solidFill>
+                <a:highlight>
+                  <a:srgbClr val="FFFFFF"/>
+                </a:highlight>
+              </a:rPr>
+              <a:t>,</a:t>
+            </a:r>
+            <a:r>
+              <a:rPr lang="es-ES" b="0" dirty="0">
+                <a:solidFill>
+                  <a:srgbClr val="000000"/>
+                </a:solidFill>
+                <a:highlight>
+                  <a:srgbClr val="FFFFFF"/>
+                </a:highlight>
+              </a:rPr>
+              <a:t> </a:t>
+            </a:r>
+            <a:r>
+              <a:rPr lang="es-ES" b="1" dirty="0">
+                <a:solidFill>
+                  <a:srgbClr val="000080"/>
+                </a:solidFill>
+                <a:highlight>
+                  <a:srgbClr val="FFFFFF"/>
+                </a:highlight>
+              </a:rPr>
+              <a:t>-</a:t>
+            </a:r>
+            <a:r>
+              <a:rPr lang="es-ES" b="0" dirty="0">
+                <a:solidFill>
+                  <a:srgbClr val="FF0000"/>
+                </a:solidFill>
+                <a:highlight>
+                  <a:srgbClr val="FFFFFF"/>
+                </a:highlight>
+              </a:rPr>
+              <a:t>1.0</a:t>
+            </a:r>
+            <a:r>
+              <a:rPr lang="es-ES" b="1" dirty="0">
+                <a:solidFill>
+                  <a:srgbClr val="000080"/>
+                </a:solidFill>
+                <a:highlight>
+                  <a:srgbClr val="FFFFFF"/>
+                </a:highlight>
+              </a:rPr>
+              <a:t>,</a:t>
+            </a:r>
+            <a:r>
+              <a:rPr lang="es-ES" b="0" dirty="0">
+                <a:solidFill>
+                  <a:srgbClr val="000000"/>
+                </a:solidFill>
+                <a:highlight>
+                  <a:srgbClr val="FFFFFF"/>
+                </a:highlight>
+              </a:rPr>
+              <a:t> </a:t>
+            </a:r>
+            <a:r>
+              <a:rPr lang="es-ES" b="0" dirty="0">
+                <a:solidFill>
+                  <a:srgbClr val="FF0000"/>
+                </a:solidFill>
+                <a:highlight>
+                  <a:srgbClr val="FFFFFF"/>
+                </a:highlight>
+              </a:rPr>
+              <a:t>1.0</a:t>
+            </a:r>
+            <a:r>
+              <a:rPr lang="es-ES" b="1" dirty="0">
+                <a:solidFill>
+                  <a:srgbClr val="000080"/>
+                </a:solidFill>
+                <a:highlight>
+                  <a:srgbClr val="FFFFFF"/>
+                </a:highlight>
+              </a:rPr>
+              <a:t>,</a:t>
+            </a:r>
+            <a:r>
+              <a:rPr lang="es-ES" b="0" dirty="0">
+                <a:solidFill>
+                  <a:srgbClr val="000000"/>
+                </a:solidFill>
+                <a:highlight>
+                  <a:srgbClr val="FFFFFF"/>
+                </a:highlight>
+              </a:rPr>
+              <a:t> </a:t>
+            </a:r>
+            <a:r>
+              <a:rPr lang="es-ES" b="0" dirty="0">
+                <a:solidFill>
+                  <a:srgbClr val="FF0000"/>
+                </a:solidFill>
+                <a:highlight>
+                  <a:srgbClr val="FFFFFF"/>
+                </a:highlight>
+              </a:rPr>
+              <a:t>3.0</a:t>
+            </a:r>
+            <a:r>
+              <a:rPr lang="es-ES" b="1" dirty="0">
+                <a:solidFill>
+                  <a:srgbClr val="000080"/>
+                </a:solidFill>
+                <a:highlight>
+                  <a:srgbClr val="FFFFFF"/>
+                </a:highlight>
+              </a:rPr>
+              <a:t>,</a:t>
+            </a:r>
+            <a:r>
+              <a:rPr lang="es-ES" b="0" dirty="0">
+                <a:solidFill>
+                  <a:srgbClr val="000000"/>
+                </a:solidFill>
+                <a:highlight>
+                  <a:srgbClr val="FFFFFF"/>
+                </a:highlight>
+              </a:rPr>
+              <a:t> </a:t>
+            </a:r>
+            <a:r>
+              <a:rPr lang="es-ES" b="0" dirty="0">
+                <a:solidFill>
+                  <a:srgbClr val="FF0000"/>
+                </a:solidFill>
+                <a:highlight>
+                  <a:srgbClr val="FFFFFF"/>
+                </a:highlight>
+              </a:rPr>
+              <a:t>5.0</a:t>
+            </a:r>
+            <a:r>
+              <a:rPr lang="es-ES" b="1" dirty="0">
+                <a:solidFill>
+                  <a:srgbClr val="000080"/>
+                </a:solidFill>
+                <a:highlight>
+                  <a:srgbClr val="FFFFFF"/>
+                </a:highlight>
+              </a:rPr>
+              <a:t>,</a:t>
+            </a:r>
+            <a:r>
+              <a:rPr lang="es-ES" b="0" dirty="0">
+                <a:solidFill>
+                  <a:srgbClr val="000000"/>
+                </a:solidFill>
+                <a:highlight>
+                  <a:srgbClr val="FFFFFF"/>
+                </a:highlight>
+              </a:rPr>
+              <a:t> </a:t>
+            </a:r>
+            <a:r>
+              <a:rPr lang="es-ES" b="0" dirty="0">
+                <a:solidFill>
+                  <a:srgbClr val="FF0000"/>
+                </a:solidFill>
+                <a:highlight>
+                  <a:srgbClr val="FFFFFF"/>
+                </a:highlight>
+              </a:rPr>
+              <a:t>7.0</a:t>
+            </a:r>
+            <a:r>
+              <a:rPr lang="es-ES" b="1" dirty="0">
+                <a:solidFill>
+                  <a:srgbClr val="000080"/>
+                </a:solidFill>
+                <a:highlight>
+                  <a:srgbClr val="FFFFFF"/>
+                </a:highlight>
+              </a:rPr>
+              <a:t>])</a:t>
+            </a:r>
+            <a:endParaRPr lang="es-ES" b="0" dirty="0">
+              <a:solidFill>
+                <a:srgbClr val="000000"/>
+              </a:solidFill>
+              <a:highlight>
+                <a:srgbClr val="FFFFFF"/>
+              </a:highlight>
+            </a:endParaRPr>
+          </a:p>
+          <a:p>
+            <a:endParaRPr lang="pt-BR" b="0" dirty="0">
+              <a:solidFill>
+                <a:srgbClr val="000000"/>
+              </a:solidFill>
+              <a:highlight>
+                <a:srgbClr val="FFFFFF"/>
+              </a:highlight>
+            </a:endParaRPr>
+          </a:p>
+          <a:p>
+            <a:r>
+              <a:rPr lang="pt-BR" b="0" dirty="0">
+                <a:solidFill>
+                  <a:srgbClr val="000000"/>
+                </a:solidFill>
+                <a:highlight>
+                  <a:srgbClr val="FFFFFF"/>
+                </a:highlight>
+              </a:rPr>
+              <a:t>model </a:t>
+            </a:r>
+            <a:r>
+              <a:rPr lang="pt-BR" b="1" dirty="0">
+                <a:solidFill>
+                  <a:srgbClr val="000080"/>
+                </a:solidFill>
+                <a:highlight>
+                  <a:srgbClr val="FFFFFF"/>
+                </a:highlight>
+              </a:rPr>
+              <a:t>=</a:t>
+            </a:r>
+            <a:r>
+              <a:rPr lang="pt-BR" b="0" dirty="0">
+                <a:solidFill>
+                  <a:srgbClr val="000000"/>
+                </a:solidFill>
+                <a:highlight>
+                  <a:srgbClr val="FFFFFF"/>
+                </a:highlight>
+              </a:rPr>
+              <a:t> </a:t>
+            </a:r>
+            <a:r>
+              <a:rPr lang="pt-BR" b="0" dirty="0" err="1">
+                <a:solidFill>
+                  <a:srgbClr val="000000"/>
+                </a:solidFill>
+                <a:highlight>
+                  <a:srgbClr val="FFFFFF"/>
+                </a:highlight>
+              </a:rPr>
+              <a:t>tf</a:t>
+            </a:r>
+            <a:r>
+              <a:rPr lang="pt-BR" b="1" dirty="0" err="1">
+                <a:solidFill>
+                  <a:srgbClr val="000080"/>
+                </a:solidFill>
+                <a:highlight>
+                  <a:srgbClr val="FFFFFF"/>
+                </a:highlight>
+              </a:rPr>
+              <a:t>.</a:t>
+            </a:r>
+            <a:r>
+              <a:rPr lang="pt-BR" b="0" dirty="0" err="1">
+                <a:solidFill>
+                  <a:srgbClr val="000000"/>
+                </a:solidFill>
+                <a:highlight>
+                  <a:srgbClr val="FFFFFF"/>
+                </a:highlight>
+              </a:rPr>
+              <a:t>keras</a:t>
+            </a:r>
+            <a:r>
+              <a:rPr lang="pt-BR" b="1" dirty="0" err="1">
+                <a:solidFill>
+                  <a:srgbClr val="000080"/>
+                </a:solidFill>
+                <a:highlight>
+                  <a:srgbClr val="FFFFFF"/>
+                </a:highlight>
+              </a:rPr>
+              <a:t>.</a:t>
+            </a:r>
+            <a:r>
+              <a:rPr lang="pt-BR" b="0" dirty="0" err="1">
+                <a:solidFill>
+                  <a:srgbClr val="000000"/>
+                </a:solidFill>
+                <a:highlight>
+                  <a:srgbClr val="FFFFFF"/>
+                </a:highlight>
+              </a:rPr>
+              <a:t>Sequential</a:t>
+            </a:r>
+            <a:r>
+              <a:rPr lang="pt-BR" b="1" dirty="0">
+                <a:solidFill>
+                  <a:srgbClr val="000080"/>
+                </a:solidFill>
+                <a:highlight>
+                  <a:srgbClr val="FFFFFF"/>
+                </a:highlight>
+              </a:rPr>
+              <a:t>([</a:t>
+            </a:r>
+            <a:r>
+              <a:rPr lang="pt-BR" b="0" dirty="0" err="1">
+                <a:solidFill>
+                  <a:srgbClr val="000000"/>
+                </a:solidFill>
+                <a:highlight>
+                  <a:srgbClr val="FFFFFF"/>
+                </a:highlight>
+              </a:rPr>
+              <a:t>tf</a:t>
+            </a:r>
+            <a:r>
+              <a:rPr lang="pt-BR" b="1" dirty="0" err="1">
+                <a:solidFill>
+                  <a:srgbClr val="000080"/>
+                </a:solidFill>
+                <a:highlight>
+                  <a:srgbClr val="FFFFFF"/>
+                </a:highlight>
+              </a:rPr>
+              <a:t>.</a:t>
+            </a:r>
+            <a:r>
+              <a:rPr lang="pt-BR" b="0" dirty="0" err="1">
+                <a:solidFill>
+                  <a:srgbClr val="000000"/>
+                </a:solidFill>
+                <a:highlight>
+                  <a:srgbClr val="FFFFFF"/>
+                </a:highlight>
+              </a:rPr>
+              <a:t>keras</a:t>
+            </a:r>
+            <a:r>
+              <a:rPr lang="pt-BR" b="1" dirty="0" err="1">
+                <a:solidFill>
+                  <a:srgbClr val="000080"/>
+                </a:solidFill>
+                <a:highlight>
+                  <a:srgbClr val="FFFFFF"/>
+                </a:highlight>
+              </a:rPr>
+              <a:t>.</a:t>
+            </a:r>
+            <a:r>
+              <a:rPr lang="pt-BR" b="0" dirty="0" err="1">
+                <a:solidFill>
+                  <a:srgbClr val="000000"/>
+                </a:solidFill>
+                <a:highlight>
+                  <a:srgbClr val="FFFFFF"/>
+                </a:highlight>
+              </a:rPr>
+              <a:t>layers</a:t>
+            </a:r>
+            <a:r>
+              <a:rPr lang="pt-BR" b="1" dirty="0" err="1">
+                <a:solidFill>
+                  <a:srgbClr val="000080"/>
+                </a:solidFill>
+                <a:highlight>
+                  <a:srgbClr val="FFFFFF"/>
+                </a:highlight>
+              </a:rPr>
+              <a:t>.</a:t>
+            </a:r>
+            <a:r>
+              <a:rPr lang="pt-BR" b="0" dirty="0" err="1">
+                <a:solidFill>
+                  <a:srgbClr val="000000"/>
+                </a:solidFill>
+                <a:highlight>
+                  <a:srgbClr val="FFFFFF"/>
+                </a:highlight>
+              </a:rPr>
+              <a:t>Dense</a:t>
+            </a:r>
+            <a:r>
+              <a:rPr lang="pt-BR" b="1" dirty="0">
+                <a:solidFill>
+                  <a:srgbClr val="000080"/>
+                </a:solidFill>
+                <a:highlight>
+                  <a:srgbClr val="FFFFFF"/>
+                </a:highlight>
+              </a:rPr>
+              <a:t>(</a:t>
+            </a:r>
+            <a:r>
+              <a:rPr lang="pt-BR" b="0" dirty="0" err="1">
+                <a:solidFill>
+                  <a:srgbClr val="000000"/>
+                </a:solidFill>
+                <a:highlight>
+                  <a:srgbClr val="FFFFFF"/>
+                </a:highlight>
+              </a:rPr>
+              <a:t>units</a:t>
+            </a:r>
+            <a:r>
+              <a:rPr lang="pt-BR" b="1" dirty="0">
+                <a:solidFill>
+                  <a:srgbClr val="000080"/>
+                </a:solidFill>
+                <a:highlight>
+                  <a:srgbClr val="FFFFFF"/>
+                </a:highlight>
+              </a:rPr>
+              <a:t>=</a:t>
+            </a:r>
+            <a:r>
+              <a:rPr lang="pt-BR" b="0" dirty="0">
+                <a:solidFill>
+                  <a:srgbClr val="FF0000"/>
+                </a:solidFill>
+                <a:highlight>
+                  <a:srgbClr val="FFFFFF"/>
+                </a:highlight>
+              </a:rPr>
+              <a:t>1</a:t>
+            </a:r>
+            <a:r>
+              <a:rPr lang="pt-BR" b="1" dirty="0">
+                <a:solidFill>
+                  <a:srgbClr val="000080"/>
+                </a:solidFill>
+                <a:highlight>
+                  <a:srgbClr val="FFFFFF"/>
+                </a:highlight>
+              </a:rPr>
+              <a:t>,</a:t>
+            </a:r>
+            <a:r>
+              <a:rPr lang="pt-BR" b="0" dirty="0">
+                <a:solidFill>
+                  <a:srgbClr val="000000"/>
+                </a:solidFill>
+                <a:highlight>
+                  <a:srgbClr val="FFFFFF"/>
+                </a:highlight>
+              </a:rPr>
+              <a:t> </a:t>
+            </a:r>
+            <a:r>
+              <a:rPr lang="pt-BR" b="0" dirty="0" err="1">
+                <a:solidFill>
+                  <a:srgbClr val="000000"/>
+                </a:solidFill>
+                <a:highlight>
+                  <a:srgbClr val="FFFFFF"/>
+                </a:highlight>
+              </a:rPr>
+              <a:t>input_shape</a:t>
+            </a:r>
+            <a:r>
+              <a:rPr lang="pt-BR" b="1" dirty="0">
+                <a:solidFill>
+                  <a:srgbClr val="000080"/>
+                </a:solidFill>
+                <a:highlight>
+                  <a:srgbClr val="FFFFFF"/>
+                </a:highlight>
+              </a:rPr>
+              <a:t>=[</a:t>
+            </a:r>
+            <a:r>
+              <a:rPr lang="pt-BR" b="0" dirty="0">
+                <a:solidFill>
+                  <a:srgbClr val="FF0000"/>
+                </a:solidFill>
+                <a:highlight>
+                  <a:srgbClr val="FFFFFF"/>
+                </a:highlight>
+              </a:rPr>
+              <a:t>1</a:t>
+            </a:r>
+            <a:r>
+              <a:rPr lang="pt-BR" b="1" dirty="0">
+                <a:solidFill>
+                  <a:srgbClr val="000080"/>
+                </a:solidFill>
+                <a:highlight>
+                  <a:srgbClr val="FFFFFF"/>
+                </a:highlight>
+              </a:rPr>
+              <a:t>])])</a:t>
+            </a:r>
+            <a:endParaRPr lang="pt-BR" b="0" dirty="0">
+              <a:solidFill>
+                <a:srgbClr val="000000"/>
+              </a:solidFill>
+              <a:highlight>
+                <a:srgbClr val="FFFFFF"/>
+              </a:highlight>
+            </a:endParaRPr>
+          </a:p>
+          <a:p>
+            <a:r>
+              <a:rPr lang="en-US" b="0" dirty="0" err="1">
+                <a:solidFill>
+                  <a:srgbClr val="000000"/>
+                </a:solidFill>
+                <a:highlight>
+                  <a:srgbClr val="FFFFFF"/>
+                </a:highlight>
+              </a:rPr>
+              <a:t>model</a:t>
+            </a:r>
+            <a:r>
+              <a:rPr lang="en-US" b="1" dirty="0" err="1">
+                <a:solidFill>
+                  <a:srgbClr val="000080"/>
+                </a:solidFill>
+                <a:highlight>
+                  <a:srgbClr val="FFFFFF"/>
+                </a:highlight>
+              </a:rPr>
+              <a:t>.</a:t>
+            </a:r>
+            <a:r>
+              <a:rPr lang="en-US" b="1" dirty="0" err="1">
+                <a:solidFill>
+                  <a:srgbClr val="880088"/>
+                </a:solidFill>
+                <a:highlight>
+                  <a:srgbClr val="FFFFFF"/>
+                </a:highlight>
+              </a:rPr>
+              <a:t>compile</a:t>
+            </a:r>
+            <a:r>
+              <a:rPr lang="en-US" b="1" dirty="0">
+                <a:solidFill>
+                  <a:srgbClr val="000080"/>
+                </a:solidFill>
+                <a:highlight>
+                  <a:srgbClr val="FFFFFF"/>
+                </a:highlight>
+              </a:rPr>
+              <a:t>(</a:t>
+            </a:r>
+            <a:r>
+              <a:rPr lang="en-US" b="0" dirty="0">
+                <a:solidFill>
+                  <a:srgbClr val="000000"/>
+                </a:solidFill>
+                <a:highlight>
+                  <a:srgbClr val="FFFFFF"/>
+                </a:highlight>
+              </a:rPr>
+              <a:t>optimizer</a:t>
+            </a:r>
+            <a:r>
+              <a:rPr lang="en-US" b="1" dirty="0">
+                <a:solidFill>
+                  <a:srgbClr val="000080"/>
+                </a:solidFill>
+                <a:highlight>
+                  <a:srgbClr val="FFFFFF"/>
+                </a:highlight>
+              </a:rPr>
+              <a:t>=</a:t>
+            </a:r>
+            <a:r>
+              <a:rPr lang="en-US" b="0" dirty="0">
+                <a:solidFill>
+                  <a:srgbClr val="808080"/>
+                </a:solidFill>
+                <a:highlight>
+                  <a:srgbClr val="FFFFFF"/>
+                </a:highlight>
+              </a:rPr>
+              <a:t>'</a:t>
+            </a:r>
+            <a:r>
+              <a:rPr lang="en-US" b="0" dirty="0" err="1">
+                <a:solidFill>
+                  <a:srgbClr val="808080"/>
+                </a:solidFill>
+                <a:highlight>
+                  <a:srgbClr val="FFFFFF"/>
+                </a:highlight>
+              </a:rPr>
+              <a:t>sgd</a:t>
+            </a:r>
+            <a:r>
+              <a:rPr lang="en-US" b="0" dirty="0">
+                <a:solidFill>
+                  <a:srgbClr val="808080"/>
+                </a:solidFill>
+                <a:highlight>
+                  <a:srgbClr val="FFFFFF"/>
+                </a:highlight>
+              </a:rPr>
+              <a:t>'</a:t>
+            </a:r>
+            <a:r>
+              <a:rPr lang="en-US" b="1" dirty="0">
+                <a:solidFill>
+                  <a:srgbClr val="000080"/>
+                </a:solidFill>
+                <a:highlight>
+                  <a:srgbClr val="FFFFFF"/>
+                </a:highlight>
+              </a:rPr>
+              <a:t>,</a:t>
+            </a:r>
+            <a:r>
+              <a:rPr lang="en-US" b="0" dirty="0">
+                <a:solidFill>
+                  <a:srgbClr val="000000"/>
+                </a:solidFill>
+                <a:highlight>
+                  <a:srgbClr val="FFFFFF"/>
+                </a:highlight>
+              </a:rPr>
+              <a:t> loss</a:t>
+            </a:r>
+            <a:r>
+              <a:rPr lang="en-US" b="1" dirty="0">
+                <a:solidFill>
+                  <a:srgbClr val="000080"/>
+                </a:solidFill>
+                <a:highlight>
+                  <a:srgbClr val="FFFFFF"/>
+                </a:highlight>
+              </a:rPr>
+              <a:t>=</a:t>
+            </a:r>
+            <a:r>
+              <a:rPr lang="en-US" b="0" dirty="0">
+                <a:solidFill>
+                  <a:srgbClr val="808080"/>
+                </a:solidFill>
+                <a:highlight>
+                  <a:srgbClr val="FFFFFF"/>
+                </a:highlight>
+              </a:rPr>
+              <a:t>'</a:t>
+            </a:r>
+            <a:r>
+              <a:rPr lang="en-US" b="0" dirty="0" err="1">
+                <a:solidFill>
+                  <a:srgbClr val="808080"/>
+                </a:solidFill>
+                <a:highlight>
+                  <a:srgbClr val="FFFFFF"/>
+                </a:highlight>
+              </a:rPr>
+              <a:t>mean_squared_error</a:t>
+            </a:r>
+            <a:r>
+              <a:rPr lang="en-US" b="0" dirty="0">
+                <a:solidFill>
+                  <a:srgbClr val="808080"/>
+                </a:solidFill>
+                <a:highlight>
+                  <a:srgbClr val="FFFFFF"/>
+                </a:highlight>
+              </a:rPr>
+              <a:t>’</a:t>
+            </a:r>
+            <a:r>
+              <a:rPr lang="en-US" b="1" dirty="0">
+                <a:solidFill>
+                  <a:srgbClr val="000080"/>
+                </a:solidFill>
+                <a:highlight>
+                  <a:srgbClr val="FFFFFF"/>
+                </a:highlight>
+              </a:rPr>
+              <a:t>)</a:t>
+            </a:r>
+            <a:endParaRPr lang="en-US" b="0" dirty="0">
+              <a:solidFill>
+                <a:srgbClr val="000000"/>
+              </a:solidFill>
+              <a:highlight>
+                <a:srgbClr val="FFFFFF"/>
+              </a:highlight>
+            </a:endParaRPr>
+          </a:p>
+          <a:p>
+            <a:endParaRPr lang="pt-BR" b="0" dirty="0">
+              <a:solidFill>
+                <a:srgbClr val="000000"/>
+              </a:solidFill>
+              <a:highlight>
+                <a:srgbClr val="FFFFFF"/>
+              </a:highlight>
+            </a:endParaRPr>
+          </a:p>
+          <a:p>
+            <a:r>
+              <a:rPr lang="es-ES" b="0" dirty="0" err="1">
+                <a:solidFill>
+                  <a:srgbClr val="000000"/>
+                </a:solidFill>
+                <a:highlight>
+                  <a:srgbClr val="FFFFFF"/>
+                </a:highlight>
+              </a:rPr>
+              <a:t>history</a:t>
+            </a:r>
+            <a:r>
+              <a:rPr lang="es-ES" b="0" dirty="0">
+                <a:solidFill>
+                  <a:srgbClr val="000000"/>
+                </a:solidFill>
+                <a:highlight>
+                  <a:srgbClr val="FFFFFF"/>
+                </a:highlight>
+              </a:rPr>
+              <a:t> = </a:t>
+            </a:r>
+            <a:r>
+              <a:rPr lang="es-ES" b="0" dirty="0" err="1">
+                <a:solidFill>
+                  <a:srgbClr val="000000"/>
+                </a:solidFill>
+                <a:highlight>
+                  <a:srgbClr val="FFFFFF"/>
+                </a:highlight>
+              </a:rPr>
+              <a:t>model</a:t>
+            </a:r>
+            <a:r>
+              <a:rPr lang="es-ES" b="1" dirty="0" err="1">
+                <a:solidFill>
+                  <a:srgbClr val="000080"/>
+                </a:solidFill>
+                <a:highlight>
+                  <a:srgbClr val="FFFFFF"/>
+                </a:highlight>
+              </a:rPr>
+              <a:t>.</a:t>
+            </a:r>
+            <a:r>
+              <a:rPr lang="es-ES" b="0" dirty="0" err="1">
+                <a:solidFill>
+                  <a:srgbClr val="000000"/>
+                </a:solidFill>
+                <a:highlight>
+                  <a:srgbClr val="FFFFFF"/>
+                </a:highlight>
+              </a:rPr>
+              <a:t>fit</a:t>
+            </a:r>
+            <a:r>
+              <a:rPr lang="es-ES" b="1" dirty="0">
+                <a:solidFill>
+                  <a:srgbClr val="000080"/>
+                </a:solidFill>
+                <a:highlight>
+                  <a:srgbClr val="FFFFFF"/>
+                </a:highlight>
+              </a:rPr>
+              <a:t>(</a:t>
+            </a:r>
+            <a:r>
+              <a:rPr lang="es-ES" b="0" dirty="0">
+                <a:solidFill>
+                  <a:srgbClr val="000000"/>
+                </a:solidFill>
+                <a:highlight>
+                  <a:srgbClr val="FFFFFF"/>
+                </a:highlight>
+              </a:rPr>
+              <a:t>x</a:t>
+            </a:r>
+            <a:r>
+              <a:rPr lang="es-ES" b="1" dirty="0">
+                <a:solidFill>
+                  <a:srgbClr val="000080"/>
+                </a:solidFill>
+                <a:highlight>
+                  <a:srgbClr val="FFFFFF"/>
+                </a:highlight>
+              </a:rPr>
+              <a:t>,</a:t>
+            </a:r>
+            <a:r>
+              <a:rPr lang="es-ES" b="0" dirty="0">
+                <a:solidFill>
+                  <a:srgbClr val="000000"/>
+                </a:solidFill>
+                <a:highlight>
+                  <a:srgbClr val="FFFFFF"/>
+                </a:highlight>
+              </a:rPr>
+              <a:t> y</a:t>
+            </a:r>
+            <a:r>
+              <a:rPr lang="es-ES" b="1" dirty="0">
+                <a:solidFill>
+                  <a:srgbClr val="000080"/>
+                </a:solidFill>
+                <a:highlight>
+                  <a:srgbClr val="FFFFFF"/>
+                </a:highlight>
+              </a:rPr>
+              <a:t>,</a:t>
+            </a:r>
+            <a:r>
+              <a:rPr lang="es-ES" b="0" dirty="0">
+                <a:solidFill>
+                  <a:srgbClr val="000000"/>
+                </a:solidFill>
+                <a:highlight>
+                  <a:srgbClr val="FFFFFF"/>
+                </a:highlight>
+              </a:rPr>
+              <a:t> </a:t>
+            </a:r>
+            <a:r>
+              <a:rPr lang="es-ES" b="0" dirty="0" err="1">
+                <a:solidFill>
+                  <a:srgbClr val="000000"/>
+                </a:solidFill>
+                <a:highlight>
+                  <a:srgbClr val="FFFFFF"/>
+                </a:highlight>
+              </a:rPr>
+              <a:t>epochs</a:t>
+            </a:r>
+            <a:r>
+              <a:rPr lang="es-ES" b="1" dirty="0">
+                <a:solidFill>
+                  <a:srgbClr val="000080"/>
+                </a:solidFill>
+                <a:highlight>
+                  <a:srgbClr val="FFFFFF"/>
+                </a:highlight>
+              </a:rPr>
+              <a:t>=</a:t>
+            </a:r>
+            <a:r>
+              <a:rPr lang="es-ES" b="0" dirty="0">
+                <a:solidFill>
+                  <a:srgbClr val="FF0000"/>
+                </a:solidFill>
+                <a:highlight>
+                  <a:srgbClr val="FFFFFF"/>
+                </a:highlight>
+              </a:rPr>
+              <a:t>500</a:t>
+            </a:r>
+            <a:r>
+              <a:rPr lang="es-ES" b="1" dirty="0">
+                <a:solidFill>
+                  <a:srgbClr val="000080"/>
+                </a:solidFill>
+                <a:highlight>
+                  <a:srgbClr val="FFFFFF"/>
+                </a:highlight>
+              </a:rPr>
+              <a:t>)</a:t>
+            </a:r>
+            <a:endParaRPr lang="es-ES" b="0" dirty="0">
+              <a:solidFill>
+                <a:srgbClr val="000000"/>
+              </a:solidFill>
+              <a:highlight>
+                <a:srgbClr val="FFFFFF"/>
+              </a:highlight>
+            </a:endParaRPr>
+          </a:p>
+          <a:p>
+            <a:endParaRPr lang="pt-BR" b="0" dirty="0">
+              <a:solidFill>
+                <a:srgbClr val="000000"/>
+              </a:solidFill>
+              <a:highlight>
+                <a:srgbClr val="FFFFFF"/>
+              </a:highlight>
+            </a:endParaRPr>
+          </a:p>
+          <a:p>
+            <a:r>
+              <a:rPr lang="pt-BR" b="1" dirty="0">
+                <a:solidFill>
+                  <a:srgbClr val="880088"/>
+                </a:solidFill>
+                <a:highlight>
+                  <a:srgbClr val="FFFFFF"/>
+                </a:highlight>
+              </a:rPr>
+              <a:t>print</a:t>
+            </a:r>
+            <a:r>
+              <a:rPr lang="pt-BR" b="1" dirty="0">
+                <a:solidFill>
+                  <a:srgbClr val="000080"/>
+                </a:solidFill>
+                <a:highlight>
+                  <a:srgbClr val="FFFFFF"/>
+                </a:highlight>
+              </a:rPr>
+              <a:t>(</a:t>
+            </a:r>
+            <a:r>
+              <a:rPr lang="pt-BR" b="0" dirty="0" err="1">
+                <a:solidFill>
+                  <a:srgbClr val="000000"/>
+                </a:solidFill>
+                <a:highlight>
+                  <a:srgbClr val="FFFFFF"/>
+                </a:highlight>
+              </a:rPr>
+              <a:t>model</a:t>
+            </a:r>
+            <a:r>
+              <a:rPr lang="pt-BR" b="1" dirty="0" err="1">
+                <a:solidFill>
+                  <a:srgbClr val="000080"/>
+                </a:solidFill>
+                <a:highlight>
+                  <a:srgbClr val="FFFFFF"/>
+                </a:highlight>
+              </a:rPr>
+              <a:t>.</a:t>
+            </a:r>
+            <a:r>
+              <a:rPr lang="pt-BR" b="0" dirty="0" err="1">
+                <a:solidFill>
+                  <a:srgbClr val="000000"/>
+                </a:solidFill>
+                <a:highlight>
+                  <a:srgbClr val="FFFFFF"/>
+                </a:highlight>
+              </a:rPr>
+              <a:t>predict</a:t>
+            </a:r>
+            <a:r>
+              <a:rPr lang="pt-BR" b="1" dirty="0">
+                <a:solidFill>
+                  <a:srgbClr val="000080"/>
+                </a:solidFill>
+                <a:highlight>
+                  <a:srgbClr val="FFFFFF"/>
+                </a:highlight>
+              </a:rPr>
+              <a:t>([</a:t>
+            </a:r>
+            <a:r>
+              <a:rPr lang="pt-BR" b="0" dirty="0">
+                <a:solidFill>
+                  <a:srgbClr val="FF0000"/>
+                </a:solidFill>
+                <a:highlight>
+                  <a:srgbClr val="FFFFFF"/>
+                </a:highlight>
+              </a:rPr>
+              <a:t>10.0</a:t>
+            </a:r>
+            <a:r>
+              <a:rPr lang="pt-BR" b="1" dirty="0">
+                <a:solidFill>
+                  <a:srgbClr val="000080"/>
+                </a:solidFill>
+                <a:highlight>
+                  <a:srgbClr val="FFFFFF"/>
+                </a:highlight>
+              </a:rPr>
+              <a:t>]))</a:t>
+            </a:r>
+            <a:endParaRPr lang="pt-BR" dirty="0"/>
+          </a:p>
+        </p:txBody>
+      </p:sp>
+      <p:sp>
+        <p:nvSpPr>
+          <p:cNvPr id="5" name="Retângulo 4">
+            <a:extLst>
+              <a:ext uri="{FF2B5EF4-FFF2-40B4-BE49-F238E27FC236}">
+                <a16:creationId xmlns:a16="http://schemas.microsoft.com/office/drawing/2014/main" id="{CFCDC870-11DD-7CC0-39D2-F418F4A8AD28}"/>
+              </a:ext>
+            </a:extLst>
+          </p:cNvPr>
+          <p:cNvSpPr/>
+          <p:nvPr/>
+        </p:nvSpPr>
+        <p:spPr>
+          <a:xfrm>
+            <a:off x="2370363" y="2510349"/>
+            <a:ext cx="7451271" cy="392225"/>
+          </a:xfrm>
+          <a:prstGeom prst="rect">
+            <a:avLst/>
+          </a:prstGeom>
+          <a:noFill/>
+          <a:ln w="28575">
+            <a:solidFill>
+              <a:srgbClr val="FF0000"/>
+            </a:solidFill>
+          </a:ln>
+        </p:spPr>
+        <p:style>
+          <a:lnRef idx="2">
+            <a:schemeClr val="accent1">
+              <a:shade val="15000"/>
+            </a:schemeClr>
+          </a:lnRef>
+          <a:fillRef idx="1">
+            <a:schemeClr val="accent1"/>
+          </a:fillRef>
+          <a:effectRef idx="0">
+            <a:schemeClr val="accent1"/>
+          </a:effectRef>
+          <a:fontRef idx="minor">
+            <a:schemeClr val="lt1"/>
+          </a:fontRef>
+        </p:style>
+        <p:txBody>
+          <a:bodyPr rtlCol="0" anchor="ctr"/>
+          <a:lstStyle/>
+          <a:p>
+            <a:pPr algn="ctr"/>
+            <a:endParaRPr lang="pt-BR"/>
+          </a:p>
+        </p:txBody>
+      </p:sp>
+    </p:spTree>
+    <p:extLst>
+      <p:ext uri="{BB962C8B-B14F-4D97-AF65-F5344CB8AC3E}">
+        <p14:creationId xmlns:p14="http://schemas.microsoft.com/office/powerpoint/2010/main" val="3613022035"/>
+      </p:ext>
+    </p:extLst>
+  </p:cSld>
+  <p:clrMapOvr>
+    <a:masterClrMapping/>
+  </p:clrMapOvr>
+</p:sld>
+</file>
+
+<file path=ppt/slides/slide12.xml><?xml version="1.0" encoding="utf-8"?>
+<p:sld xmlns:a="http://schemas.openxmlformats.org/drawingml/2006/main" xmlns:r="http://schemas.openxmlformats.org/officeDocument/2006/relationships" xmlns:p="http://schemas.openxmlformats.org/presentationml/2006/main">
+  <p:cSld>
+    <p:spTree>
+      <p:nvGrpSpPr>
+        <p:cNvPr id="1" name=""/>
+        <p:cNvGrpSpPr/>
+        <p:nvPr/>
+      </p:nvGrpSpPr>
+      <p:grpSpPr>
+        <a:xfrm>
+          <a:off x="0" y="0"/>
+          <a:ext cx="0" cy="0"/>
+          <a:chOff x="0" y="0"/>
+          <a:chExt cx="0" cy="0"/>
+        </a:xfrm>
+      </p:grpSpPr>
+      <p:sp>
+        <p:nvSpPr>
+          <p:cNvPr id="2" name="Título 1">
+            <a:extLst>
+              <a:ext uri="{FF2B5EF4-FFF2-40B4-BE49-F238E27FC236}">
+                <a16:creationId xmlns:a16="http://schemas.microsoft.com/office/drawing/2014/main" id="{86449F96-8B9C-8642-EE66-30B04CC16318}"/>
+              </a:ext>
+            </a:extLst>
+          </p:cNvPr>
+          <p:cNvSpPr>
+            <a:spLocks noGrp="1"/>
+          </p:cNvSpPr>
+          <p:nvPr>
+            <p:ph type="title"/>
+          </p:nvPr>
+        </p:nvSpPr>
+        <p:spPr/>
+        <p:txBody>
+          <a:bodyPr/>
+          <a:lstStyle/>
+          <a:p>
+            <a:r>
+              <a:rPr lang="pt-BR" dirty="0"/>
+              <a:t>Definindo uma rede neural</a:t>
+            </a:r>
+          </a:p>
+        </p:txBody>
+      </p:sp>
+      <mc:AlternateContent xmlns:mc="http://schemas.openxmlformats.org/markup-compatibility/2006">
+        <mc:Choice xmlns:a14="http://schemas.microsoft.com/office/drawing/2010/main" Requires="a14">
+          <p:sp>
+            <p:nvSpPr>
+              <p:cNvPr id="3" name="Espaço Reservado para Conteúdo 2">
+                <a:extLst>
+                  <a:ext uri="{FF2B5EF4-FFF2-40B4-BE49-F238E27FC236}">
+                    <a16:creationId xmlns:a16="http://schemas.microsoft.com/office/drawing/2014/main" id="{5271C2DB-CB2D-7DA6-19D3-EA05C00F9996}"/>
+                  </a:ext>
+                </a:extLst>
+              </p:cNvPr>
+              <p:cNvSpPr>
+                <a:spLocks noGrp="1"/>
+              </p:cNvSpPr>
+              <p:nvPr>
+                <p:ph idx="1"/>
+              </p:nvPr>
+            </p:nvSpPr>
+            <p:spPr>
+              <a:xfrm>
+                <a:off x="413658" y="4506686"/>
+                <a:ext cx="11658600" cy="2351313"/>
+              </a:xfrm>
+            </p:spPr>
+            <p:txBody>
+              <a:bodyPr>
+                <a:normAutofit/>
+              </a:bodyPr>
+              <a:lstStyle/>
+              <a:p>
+                <a:r>
+                  <a:rPr lang="pt-BR" dirty="0"/>
+                  <a:t>Um parâmetro que precisamos definir apenas para a primeira (neste caso única) camada de uma rede neural é o formato (i.e., dimensões) das entradas.</a:t>
+                </a:r>
+              </a:p>
+              <a:p>
+                <a:r>
+                  <a:rPr lang="pt-BR" dirty="0"/>
+                  <a:t>No nosso exemplo, o parâmetro </a:t>
+                </a:r>
+                <a:r>
+                  <a:rPr lang="pt-BR" b="1" i="1" dirty="0" err="1">
+                    <a:solidFill>
+                      <a:srgbClr val="00B050"/>
+                    </a:solidFill>
+                    <a:highlight>
+                      <a:srgbClr val="FFFFFF"/>
+                    </a:highlight>
+                  </a:rPr>
+                  <a:t>input_shape</a:t>
+                </a:r>
+                <a:r>
+                  <a:rPr lang="pt-BR" b="0" dirty="0">
+                    <a:solidFill>
+                      <a:srgbClr val="000000"/>
+                    </a:solidFill>
+                    <a:highlight>
+                      <a:srgbClr val="FFFFFF"/>
+                    </a:highlight>
+                  </a:rPr>
+                  <a:t> tem apenas um valor, indicando que os dados de entrada tem apenas uma dimensão.</a:t>
+                </a:r>
+              </a:p>
+              <a:p>
+                <a:r>
+                  <a:rPr lang="pt-BR" dirty="0">
+                    <a:solidFill>
+                      <a:srgbClr val="000000"/>
+                    </a:solidFill>
+                    <a:highlight>
+                      <a:srgbClr val="FFFFFF"/>
+                    </a:highlight>
+                  </a:rPr>
+                  <a:t>Isso é verdade, pois nosso vetor </a:t>
+                </a:r>
+                <a14:m>
+                  <m:oMath xmlns:m="http://schemas.openxmlformats.org/officeDocument/2006/math">
+                    <m:r>
+                      <a:rPr lang="pt-BR" b="1" i="1" smtClean="0">
+                        <a:solidFill>
+                          <a:srgbClr val="000000"/>
+                        </a:solidFill>
+                        <a:highlight>
+                          <a:srgbClr val="FFFFFF"/>
+                        </a:highlight>
+                        <a:latin typeface="Cambria Math" panose="02040503050406030204" pitchFamily="18" charset="0"/>
+                      </a:rPr>
+                      <m:t>𝒙</m:t>
+                    </m:r>
+                  </m:oMath>
+                </a14:m>
+                <a:r>
+                  <a:rPr lang="pt-BR" dirty="0">
+                    <a:solidFill>
+                      <a:srgbClr val="000000"/>
+                    </a:solidFill>
+                    <a:highlight>
+                      <a:srgbClr val="FFFFFF"/>
+                    </a:highlight>
+                  </a:rPr>
+                  <a:t> tem apenas uma dimensão.</a:t>
+                </a:r>
+                <a:r>
+                  <a:rPr lang="pt-BR" b="0" dirty="0">
+                    <a:solidFill>
+                      <a:srgbClr val="000000"/>
+                    </a:solidFill>
+                    <a:highlight>
+                      <a:srgbClr val="FFFFFF"/>
+                    </a:highlight>
+                  </a:rPr>
+                  <a:t> </a:t>
+                </a:r>
+                <a:endParaRPr lang="pt-BR" dirty="0"/>
+              </a:p>
+            </p:txBody>
+          </p:sp>
+        </mc:Choice>
+        <mc:Fallback>
+          <p:sp>
+            <p:nvSpPr>
+              <p:cNvPr id="3" name="Espaço Reservado para Conteúdo 2">
+                <a:extLst>
+                  <a:ext uri="{FF2B5EF4-FFF2-40B4-BE49-F238E27FC236}">
+                    <a16:creationId xmlns:a16="http://schemas.microsoft.com/office/drawing/2014/main" id="{5271C2DB-CB2D-7DA6-19D3-EA05C00F9996}"/>
+                  </a:ext>
+                </a:extLst>
+              </p:cNvPr>
+              <p:cNvSpPr>
+                <a:spLocks noGrp="1" noRot="1" noChangeAspect="1" noMove="1" noResize="1" noEditPoints="1" noAdjustHandles="1" noChangeArrowheads="1" noChangeShapeType="1" noTextEdit="1"/>
+              </p:cNvSpPr>
+              <p:nvPr>
+                <p:ph idx="1"/>
+              </p:nvPr>
+            </p:nvSpPr>
+            <p:spPr>
+              <a:xfrm>
+                <a:off x="413658" y="4506686"/>
+                <a:ext cx="11658600" cy="2351313"/>
+              </a:xfrm>
+              <a:blipFill>
+                <a:blip r:embed="rId3"/>
+                <a:stretch>
+                  <a:fillRect l="-941" t="-4145" r="-1308" b="-3627"/>
+                </a:stretch>
+              </a:blipFill>
+            </p:spPr>
+            <p:txBody>
+              <a:bodyPr/>
+              <a:lstStyle/>
+              <a:p>
+                <a:r>
+                  <a:rPr lang="pt-BR">
+                    <a:noFill/>
+                  </a:rPr>
+                  <a:t> </a:t>
+                </a:r>
+              </a:p>
+            </p:txBody>
+          </p:sp>
+        </mc:Fallback>
+      </mc:AlternateContent>
+      <p:sp>
+        <p:nvSpPr>
+          <p:cNvPr id="4" name="CaixaDeTexto 3">
+            <a:extLst>
+              <a:ext uri="{FF2B5EF4-FFF2-40B4-BE49-F238E27FC236}">
+                <a16:creationId xmlns:a16="http://schemas.microsoft.com/office/drawing/2014/main" id="{08E0EBAF-B825-EC26-6D53-38BD78023702}"/>
+              </a:ext>
+            </a:extLst>
+          </p:cNvPr>
+          <p:cNvSpPr txBox="1"/>
+          <p:nvPr/>
+        </p:nvSpPr>
+        <p:spPr>
+          <a:xfrm>
+            <a:off x="2370364" y="1690688"/>
+            <a:ext cx="7451271" cy="2585323"/>
+          </a:xfrm>
+          <a:prstGeom prst="rect">
+            <a:avLst/>
+          </a:prstGeom>
+          <a:noFill/>
+        </p:spPr>
+        <p:txBody>
+          <a:bodyPr wrap="square">
+            <a:spAutoFit/>
+          </a:bodyPr>
+          <a:lstStyle/>
+          <a:p>
+            <a:r>
+              <a:rPr lang="en-US" dirty="0">
+                <a:solidFill>
+                  <a:srgbClr val="000000"/>
+                </a:solidFill>
+                <a:highlight>
+                  <a:srgbClr val="FFFFFF"/>
+                </a:highlight>
+              </a:rPr>
+              <a:t>x </a:t>
+            </a:r>
+            <a:r>
+              <a:rPr lang="en-US" b="1" dirty="0">
+                <a:solidFill>
+                  <a:srgbClr val="000080"/>
+                </a:solidFill>
+                <a:highlight>
+                  <a:srgbClr val="FFFFFF"/>
+                </a:highlight>
+              </a:rPr>
+              <a:t>=</a:t>
+            </a:r>
+            <a:r>
+              <a:rPr lang="en-US" b="0" dirty="0">
+                <a:solidFill>
+                  <a:srgbClr val="000000"/>
+                </a:solidFill>
+                <a:highlight>
+                  <a:srgbClr val="FFFFFF"/>
+                </a:highlight>
+              </a:rPr>
+              <a:t> </a:t>
+            </a:r>
+            <a:r>
+              <a:rPr lang="en-US" b="0" dirty="0" err="1">
+                <a:solidFill>
+                  <a:srgbClr val="000000"/>
+                </a:solidFill>
+                <a:highlight>
+                  <a:srgbClr val="FFFFFF"/>
+                </a:highlight>
+              </a:rPr>
+              <a:t>np</a:t>
+            </a:r>
+            <a:r>
+              <a:rPr lang="en-US" b="1" dirty="0" err="1">
+                <a:solidFill>
+                  <a:srgbClr val="000080"/>
+                </a:solidFill>
+                <a:highlight>
+                  <a:srgbClr val="FFFFFF"/>
+                </a:highlight>
+              </a:rPr>
+              <a:t>.</a:t>
+            </a:r>
+            <a:r>
+              <a:rPr lang="en-US" b="0" dirty="0" err="1">
+                <a:solidFill>
+                  <a:srgbClr val="000000"/>
+                </a:solidFill>
+                <a:highlight>
+                  <a:srgbClr val="FFFFFF"/>
+                </a:highlight>
+              </a:rPr>
+              <a:t>array</a:t>
+            </a:r>
+            <a:r>
+              <a:rPr lang="en-US" b="1" dirty="0">
+                <a:solidFill>
+                  <a:srgbClr val="000080"/>
+                </a:solidFill>
+                <a:highlight>
+                  <a:srgbClr val="FFFFFF"/>
+                </a:highlight>
+              </a:rPr>
+              <a:t>([-</a:t>
+            </a:r>
+            <a:r>
+              <a:rPr lang="en-US" b="0" dirty="0">
+                <a:solidFill>
+                  <a:srgbClr val="FF0000"/>
+                </a:solidFill>
+                <a:highlight>
+                  <a:srgbClr val="FFFFFF"/>
+                </a:highlight>
+              </a:rPr>
+              <a:t>1.0</a:t>
+            </a:r>
+            <a:r>
+              <a:rPr lang="en-US" b="1" dirty="0">
+                <a:solidFill>
+                  <a:srgbClr val="000080"/>
+                </a:solidFill>
+                <a:highlight>
+                  <a:srgbClr val="FFFFFF"/>
+                </a:highlight>
+              </a:rPr>
+              <a:t>,</a:t>
+            </a:r>
+            <a:r>
+              <a:rPr lang="en-US" b="0" dirty="0">
+                <a:solidFill>
+                  <a:srgbClr val="000000"/>
+                </a:solidFill>
+                <a:highlight>
+                  <a:srgbClr val="FFFFFF"/>
+                </a:highlight>
+              </a:rPr>
+              <a:t>  </a:t>
+            </a:r>
+            <a:r>
+              <a:rPr lang="en-US" b="0" dirty="0">
+                <a:solidFill>
+                  <a:srgbClr val="FF0000"/>
+                </a:solidFill>
+                <a:highlight>
+                  <a:srgbClr val="FFFFFF"/>
+                </a:highlight>
+              </a:rPr>
+              <a:t>0.0</a:t>
+            </a:r>
+            <a:r>
+              <a:rPr lang="en-US" b="1" dirty="0">
+                <a:solidFill>
+                  <a:srgbClr val="000080"/>
+                </a:solidFill>
+                <a:highlight>
+                  <a:srgbClr val="FFFFFF"/>
+                </a:highlight>
+              </a:rPr>
+              <a:t>,</a:t>
+            </a:r>
+            <a:r>
+              <a:rPr lang="en-US" b="0" dirty="0">
+                <a:solidFill>
+                  <a:srgbClr val="000000"/>
+                </a:solidFill>
+                <a:highlight>
+                  <a:srgbClr val="FFFFFF"/>
+                </a:highlight>
+              </a:rPr>
+              <a:t> </a:t>
+            </a:r>
+            <a:r>
+              <a:rPr lang="en-US" b="0" dirty="0">
+                <a:solidFill>
+                  <a:srgbClr val="FF0000"/>
+                </a:solidFill>
+                <a:highlight>
+                  <a:srgbClr val="FFFFFF"/>
+                </a:highlight>
+              </a:rPr>
+              <a:t>1.0</a:t>
+            </a:r>
+            <a:r>
+              <a:rPr lang="en-US" b="1" dirty="0">
+                <a:solidFill>
+                  <a:srgbClr val="000080"/>
+                </a:solidFill>
+                <a:highlight>
+                  <a:srgbClr val="FFFFFF"/>
+                </a:highlight>
+              </a:rPr>
+              <a:t>,</a:t>
+            </a:r>
+            <a:r>
+              <a:rPr lang="en-US" b="0" dirty="0">
+                <a:solidFill>
+                  <a:srgbClr val="000000"/>
+                </a:solidFill>
+                <a:highlight>
+                  <a:srgbClr val="FFFFFF"/>
+                </a:highlight>
+              </a:rPr>
+              <a:t> </a:t>
+            </a:r>
+            <a:r>
+              <a:rPr lang="en-US" b="0" dirty="0">
+                <a:solidFill>
+                  <a:srgbClr val="FF0000"/>
+                </a:solidFill>
+                <a:highlight>
+                  <a:srgbClr val="FFFFFF"/>
+                </a:highlight>
+              </a:rPr>
+              <a:t>2.0</a:t>
+            </a:r>
+            <a:r>
+              <a:rPr lang="en-US" b="1" dirty="0">
+                <a:solidFill>
+                  <a:srgbClr val="000080"/>
+                </a:solidFill>
+                <a:highlight>
+                  <a:srgbClr val="FFFFFF"/>
+                </a:highlight>
+              </a:rPr>
+              <a:t>,</a:t>
+            </a:r>
+            <a:r>
+              <a:rPr lang="en-US" b="0" dirty="0">
+                <a:solidFill>
+                  <a:srgbClr val="000000"/>
+                </a:solidFill>
+                <a:highlight>
+                  <a:srgbClr val="FFFFFF"/>
+                </a:highlight>
+              </a:rPr>
+              <a:t> </a:t>
+            </a:r>
+            <a:r>
+              <a:rPr lang="en-US" b="0" dirty="0">
+                <a:solidFill>
+                  <a:srgbClr val="FF0000"/>
+                </a:solidFill>
+                <a:highlight>
+                  <a:srgbClr val="FFFFFF"/>
+                </a:highlight>
+              </a:rPr>
+              <a:t>3.0</a:t>
+            </a:r>
+            <a:r>
+              <a:rPr lang="en-US" b="1" dirty="0">
+                <a:solidFill>
+                  <a:srgbClr val="000080"/>
+                </a:solidFill>
+                <a:highlight>
+                  <a:srgbClr val="FFFFFF"/>
+                </a:highlight>
+              </a:rPr>
+              <a:t>,</a:t>
+            </a:r>
+            <a:r>
+              <a:rPr lang="en-US" b="0" dirty="0">
+                <a:solidFill>
+                  <a:srgbClr val="000000"/>
+                </a:solidFill>
+                <a:highlight>
+                  <a:srgbClr val="FFFFFF"/>
+                </a:highlight>
+              </a:rPr>
+              <a:t> </a:t>
+            </a:r>
+            <a:r>
+              <a:rPr lang="en-US" b="0" dirty="0">
+                <a:solidFill>
+                  <a:srgbClr val="FF0000"/>
+                </a:solidFill>
+                <a:highlight>
+                  <a:srgbClr val="FFFFFF"/>
+                </a:highlight>
+              </a:rPr>
+              <a:t>4.0</a:t>
+            </a:r>
+            <a:r>
+              <a:rPr lang="en-US" b="1" dirty="0">
+                <a:solidFill>
+                  <a:srgbClr val="000080"/>
+                </a:solidFill>
+                <a:highlight>
+                  <a:srgbClr val="FFFFFF"/>
+                </a:highlight>
+              </a:rPr>
+              <a:t>])</a:t>
+            </a:r>
+            <a:r>
+              <a:rPr lang="en-US" b="0" dirty="0">
+                <a:solidFill>
+                  <a:srgbClr val="000000"/>
+                </a:solidFill>
+                <a:highlight>
+                  <a:srgbClr val="FFFFFF"/>
+                </a:highlight>
+              </a:rPr>
+              <a:t> </a:t>
+            </a:r>
+          </a:p>
+          <a:p>
+            <a:r>
+              <a:rPr lang="es-ES" b="0" dirty="0">
+                <a:solidFill>
+                  <a:srgbClr val="000000"/>
+                </a:solidFill>
+                <a:highlight>
+                  <a:srgbClr val="FFFFFF"/>
+                </a:highlight>
+              </a:rPr>
+              <a:t>y </a:t>
+            </a:r>
+            <a:r>
+              <a:rPr lang="es-ES" b="1" dirty="0">
+                <a:solidFill>
+                  <a:srgbClr val="000080"/>
+                </a:solidFill>
+                <a:highlight>
+                  <a:srgbClr val="FFFFFF"/>
+                </a:highlight>
+              </a:rPr>
+              <a:t>=</a:t>
+            </a:r>
+            <a:r>
+              <a:rPr lang="es-ES" b="0" dirty="0">
+                <a:solidFill>
+                  <a:srgbClr val="000000"/>
+                </a:solidFill>
+                <a:highlight>
+                  <a:srgbClr val="FFFFFF"/>
+                </a:highlight>
+              </a:rPr>
+              <a:t> </a:t>
+            </a:r>
+            <a:r>
+              <a:rPr lang="es-ES" b="0" dirty="0" err="1">
+                <a:solidFill>
+                  <a:srgbClr val="000000"/>
+                </a:solidFill>
+                <a:highlight>
+                  <a:srgbClr val="FFFFFF"/>
+                </a:highlight>
+              </a:rPr>
+              <a:t>np</a:t>
+            </a:r>
+            <a:r>
+              <a:rPr lang="es-ES" b="1" dirty="0" err="1">
+                <a:solidFill>
+                  <a:srgbClr val="000080"/>
+                </a:solidFill>
+                <a:highlight>
+                  <a:srgbClr val="FFFFFF"/>
+                </a:highlight>
+              </a:rPr>
+              <a:t>.</a:t>
+            </a:r>
+            <a:r>
+              <a:rPr lang="es-ES" b="0" dirty="0" err="1">
+                <a:solidFill>
+                  <a:srgbClr val="000000"/>
+                </a:solidFill>
+                <a:highlight>
+                  <a:srgbClr val="FFFFFF"/>
+                </a:highlight>
+              </a:rPr>
+              <a:t>array</a:t>
+            </a:r>
+            <a:r>
+              <a:rPr lang="es-ES" b="1" dirty="0">
+                <a:solidFill>
+                  <a:srgbClr val="000080"/>
+                </a:solidFill>
+                <a:highlight>
+                  <a:srgbClr val="FFFFFF"/>
+                </a:highlight>
+              </a:rPr>
+              <a:t>([-</a:t>
+            </a:r>
+            <a:r>
+              <a:rPr lang="es-ES" b="0" dirty="0">
+                <a:solidFill>
+                  <a:srgbClr val="FF0000"/>
+                </a:solidFill>
+                <a:highlight>
+                  <a:srgbClr val="FFFFFF"/>
+                </a:highlight>
+              </a:rPr>
+              <a:t>3.0</a:t>
+            </a:r>
+            <a:r>
+              <a:rPr lang="es-ES" b="1" dirty="0">
+                <a:solidFill>
+                  <a:srgbClr val="000080"/>
+                </a:solidFill>
+                <a:highlight>
+                  <a:srgbClr val="FFFFFF"/>
+                </a:highlight>
+              </a:rPr>
+              <a:t>,</a:t>
+            </a:r>
+            <a:r>
+              <a:rPr lang="es-ES" b="0" dirty="0">
+                <a:solidFill>
+                  <a:srgbClr val="000000"/>
+                </a:solidFill>
+                <a:highlight>
+                  <a:srgbClr val="FFFFFF"/>
+                </a:highlight>
+              </a:rPr>
+              <a:t> </a:t>
+            </a:r>
+            <a:r>
+              <a:rPr lang="es-ES" b="1" dirty="0">
+                <a:solidFill>
+                  <a:srgbClr val="000080"/>
+                </a:solidFill>
+                <a:highlight>
+                  <a:srgbClr val="FFFFFF"/>
+                </a:highlight>
+              </a:rPr>
+              <a:t>-</a:t>
+            </a:r>
+            <a:r>
+              <a:rPr lang="es-ES" b="0" dirty="0">
+                <a:solidFill>
+                  <a:srgbClr val="FF0000"/>
+                </a:solidFill>
+                <a:highlight>
+                  <a:srgbClr val="FFFFFF"/>
+                </a:highlight>
+              </a:rPr>
+              <a:t>1.0</a:t>
+            </a:r>
+            <a:r>
+              <a:rPr lang="es-ES" b="1" dirty="0">
+                <a:solidFill>
+                  <a:srgbClr val="000080"/>
+                </a:solidFill>
+                <a:highlight>
+                  <a:srgbClr val="FFFFFF"/>
+                </a:highlight>
+              </a:rPr>
+              <a:t>,</a:t>
+            </a:r>
+            <a:r>
+              <a:rPr lang="es-ES" b="0" dirty="0">
+                <a:solidFill>
+                  <a:srgbClr val="000000"/>
+                </a:solidFill>
+                <a:highlight>
+                  <a:srgbClr val="FFFFFF"/>
+                </a:highlight>
+              </a:rPr>
+              <a:t> </a:t>
+            </a:r>
+            <a:r>
+              <a:rPr lang="es-ES" b="0" dirty="0">
+                <a:solidFill>
+                  <a:srgbClr val="FF0000"/>
+                </a:solidFill>
+                <a:highlight>
+                  <a:srgbClr val="FFFFFF"/>
+                </a:highlight>
+              </a:rPr>
+              <a:t>1.0</a:t>
+            </a:r>
+            <a:r>
+              <a:rPr lang="es-ES" b="1" dirty="0">
+                <a:solidFill>
+                  <a:srgbClr val="000080"/>
+                </a:solidFill>
+                <a:highlight>
+                  <a:srgbClr val="FFFFFF"/>
+                </a:highlight>
+              </a:rPr>
+              <a:t>,</a:t>
+            </a:r>
+            <a:r>
+              <a:rPr lang="es-ES" b="0" dirty="0">
+                <a:solidFill>
+                  <a:srgbClr val="000000"/>
+                </a:solidFill>
+                <a:highlight>
+                  <a:srgbClr val="FFFFFF"/>
+                </a:highlight>
+              </a:rPr>
+              <a:t> </a:t>
+            </a:r>
+            <a:r>
+              <a:rPr lang="es-ES" b="0" dirty="0">
+                <a:solidFill>
+                  <a:srgbClr val="FF0000"/>
+                </a:solidFill>
+                <a:highlight>
+                  <a:srgbClr val="FFFFFF"/>
+                </a:highlight>
+              </a:rPr>
+              <a:t>3.0</a:t>
+            </a:r>
+            <a:r>
+              <a:rPr lang="es-ES" b="1" dirty="0">
+                <a:solidFill>
+                  <a:srgbClr val="000080"/>
+                </a:solidFill>
+                <a:highlight>
+                  <a:srgbClr val="FFFFFF"/>
+                </a:highlight>
+              </a:rPr>
+              <a:t>,</a:t>
+            </a:r>
+            <a:r>
+              <a:rPr lang="es-ES" b="0" dirty="0">
+                <a:solidFill>
+                  <a:srgbClr val="000000"/>
+                </a:solidFill>
+                <a:highlight>
+                  <a:srgbClr val="FFFFFF"/>
+                </a:highlight>
+              </a:rPr>
+              <a:t> </a:t>
+            </a:r>
+            <a:r>
+              <a:rPr lang="es-ES" b="0" dirty="0">
+                <a:solidFill>
+                  <a:srgbClr val="FF0000"/>
+                </a:solidFill>
+                <a:highlight>
+                  <a:srgbClr val="FFFFFF"/>
+                </a:highlight>
+              </a:rPr>
+              <a:t>5.0</a:t>
+            </a:r>
+            <a:r>
+              <a:rPr lang="es-ES" b="1" dirty="0">
+                <a:solidFill>
+                  <a:srgbClr val="000080"/>
+                </a:solidFill>
+                <a:highlight>
+                  <a:srgbClr val="FFFFFF"/>
+                </a:highlight>
+              </a:rPr>
+              <a:t>,</a:t>
+            </a:r>
+            <a:r>
+              <a:rPr lang="es-ES" b="0" dirty="0">
+                <a:solidFill>
+                  <a:srgbClr val="000000"/>
+                </a:solidFill>
+                <a:highlight>
+                  <a:srgbClr val="FFFFFF"/>
+                </a:highlight>
+              </a:rPr>
+              <a:t> </a:t>
+            </a:r>
+            <a:r>
+              <a:rPr lang="es-ES" b="0" dirty="0">
+                <a:solidFill>
+                  <a:srgbClr val="FF0000"/>
+                </a:solidFill>
+                <a:highlight>
+                  <a:srgbClr val="FFFFFF"/>
+                </a:highlight>
+              </a:rPr>
+              <a:t>7.0</a:t>
+            </a:r>
+            <a:r>
+              <a:rPr lang="es-ES" b="1" dirty="0">
+                <a:solidFill>
+                  <a:srgbClr val="000080"/>
+                </a:solidFill>
+                <a:highlight>
+                  <a:srgbClr val="FFFFFF"/>
+                </a:highlight>
+              </a:rPr>
+              <a:t>])</a:t>
+            </a:r>
+            <a:endParaRPr lang="es-ES" b="0" dirty="0">
+              <a:solidFill>
+                <a:srgbClr val="000000"/>
+              </a:solidFill>
+              <a:highlight>
+                <a:srgbClr val="FFFFFF"/>
+              </a:highlight>
+            </a:endParaRPr>
+          </a:p>
+          <a:p>
+            <a:endParaRPr lang="pt-BR" b="0" dirty="0">
+              <a:solidFill>
+                <a:srgbClr val="000000"/>
+              </a:solidFill>
+              <a:highlight>
+                <a:srgbClr val="FFFFFF"/>
+              </a:highlight>
+            </a:endParaRPr>
+          </a:p>
+          <a:p>
+            <a:r>
+              <a:rPr lang="pt-BR" b="0" dirty="0">
+                <a:solidFill>
+                  <a:srgbClr val="000000"/>
+                </a:solidFill>
+                <a:highlight>
+                  <a:srgbClr val="FFFFFF"/>
+                </a:highlight>
+              </a:rPr>
+              <a:t>model </a:t>
+            </a:r>
+            <a:r>
+              <a:rPr lang="pt-BR" b="1" dirty="0">
+                <a:solidFill>
+                  <a:srgbClr val="000080"/>
+                </a:solidFill>
+                <a:highlight>
+                  <a:srgbClr val="FFFFFF"/>
+                </a:highlight>
+              </a:rPr>
+              <a:t>=</a:t>
+            </a:r>
+            <a:r>
+              <a:rPr lang="pt-BR" b="0" dirty="0">
+                <a:solidFill>
+                  <a:srgbClr val="000000"/>
+                </a:solidFill>
+                <a:highlight>
+                  <a:srgbClr val="FFFFFF"/>
+                </a:highlight>
+              </a:rPr>
+              <a:t> </a:t>
+            </a:r>
+            <a:r>
+              <a:rPr lang="pt-BR" b="0" dirty="0" err="1">
+                <a:solidFill>
+                  <a:srgbClr val="000000"/>
+                </a:solidFill>
+                <a:highlight>
+                  <a:srgbClr val="FFFFFF"/>
+                </a:highlight>
+              </a:rPr>
+              <a:t>tf</a:t>
+            </a:r>
+            <a:r>
+              <a:rPr lang="pt-BR" b="1" dirty="0" err="1">
+                <a:solidFill>
+                  <a:srgbClr val="000080"/>
+                </a:solidFill>
+                <a:highlight>
+                  <a:srgbClr val="FFFFFF"/>
+                </a:highlight>
+              </a:rPr>
+              <a:t>.</a:t>
+            </a:r>
+            <a:r>
+              <a:rPr lang="pt-BR" b="0" dirty="0" err="1">
+                <a:solidFill>
+                  <a:srgbClr val="000000"/>
+                </a:solidFill>
+                <a:highlight>
+                  <a:srgbClr val="FFFFFF"/>
+                </a:highlight>
+              </a:rPr>
+              <a:t>keras</a:t>
+            </a:r>
+            <a:r>
+              <a:rPr lang="pt-BR" b="1" dirty="0" err="1">
+                <a:solidFill>
+                  <a:srgbClr val="000080"/>
+                </a:solidFill>
+                <a:highlight>
+                  <a:srgbClr val="FFFFFF"/>
+                </a:highlight>
+              </a:rPr>
+              <a:t>.</a:t>
+            </a:r>
+            <a:r>
+              <a:rPr lang="pt-BR" b="0" dirty="0" err="1">
+                <a:solidFill>
+                  <a:srgbClr val="000000"/>
+                </a:solidFill>
+                <a:highlight>
+                  <a:srgbClr val="FFFFFF"/>
+                </a:highlight>
+              </a:rPr>
+              <a:t>Sequential</a:t>
+            </a:r>
+            <a:r>
+              <a:rPr lang="pt-BR" b="1" dirty="0">
+                <a:solidFill>
+                  <a:srgbClr val="000080"/>
+                </a:solidFill>
+                <a:highlight>
+                  <a:srgbClr val="FFFFFF"/>
+                </a:highlight>
+              </a:rPr>
+              <a:t>([</a:t>
+            </a:r>
+            <a:r>
+              <a:rPr lang="pt-BR" b="0" dirty="0" err="1">
+                <a:solidFill>
+                  <a:srgbClr val="000000"/>
+                </a:solidFill>
+                <a:highlight>
+                  <a:srgbClr val="FFFFFF"/>
+                </a:highlight>
+              </a:rPr>
+              <a:t>tf</a:t>
+            </a:r>
+            <a:r>
+              <a:rPr lang="pt-BR" b="1" dirty="0" err="1">
+                <a:solidFill>
+                  <a:srgbClr val="000080"/>
+                </a:solidFill>
+                <a:highlight>
+                  <a:srgbClr val="FFFFFF"/>
+                </a:highlight>
+              </a:rPr>
+              <a:t>.</a:t>
+            </a:r>
+            <a:r>
+              <a:rPr lang="pt-BR" b="0" dirty="0" err="1">
+                <a:solidFill>
+                  <a:srgbClr val="000000"/>
+                </a:solidFill>
+                <a:highlight>
+                  <a:srgbClr val="FFFFFF"/>
+                </a:highlight>
+              </a:rPr>
+              <a:t>keras</a:t>
+            </a:r>
+            <a:r>
+              <a:rPr lang="pt-BR" b="1" dirty="0" err="1">
+                <a:solidFill>
+                  <a:srgbClr val="000080"/>
+                </a:solidFill>
+                <a:highlight>
+                  <a:srgbClr val="FFFFFF"/>
+                </a:highlight>
+              </a:rPr>
+              <a:t>.</a:t>
+            </a:r>
+            <a:r>
+              <a:rPr lang="pt-BR" b="0" dirty="0" err="1">
+                <a:solidFill>
+                  <a:srgbClr val="000000"/>
+                </a:solidFill>
+                <a:highlight>
+                  <a:srgbClr val="FFFFFF"/>
+                </a:highlight>
+              </a:rPr>
+              <a:t>layers</a:t>
+            </a:r>
+            <a:r>
+              <a:rPr lang="pt-BR" b="1" dirty="0" err="1">
+                <a:solidFill>
+                  <a:srgbClr val="000080"/>
+                </a:solidFill>
+                <a:highlight>
+                  <a:srgbClr val="FFFFFF"/>
+                </a:highlight>
+              </a:rPr>
+              <a:t>.</a:t>
+            </a:r>
+            <a:r>
+              <a:rPr lang="pt-BR" b="0" dirty="0" err="1">
+                <a:solidFill>
+                  <a:srgbClr val="000000"/>
+                </a:solidFill>
+                <a:highlight>
+                  <a:srgbClr val="FFFFFF"/>
+                </a:highlight>
+              </a:rPr>
+              <a:t>Dense</a:t>
+            </a:r>
+            <a:r>
+              <a:rPr lang="pt-BR" b="1" dirty="0">
+                <a:solidFill>
+                  <a:srgbClr val="000080"/>
+                </a:solidFill>
+                <a:highlight>
+                  <a:srgbClr val="FFFFFF"/>
+                </a:highlight>
+              </a:rPr>
+              <a:t>(</a:t>
+            </a:r>
+            <a:r>
+              <a:rPr lang="pt-BR" b="0" dirty="0" err="1">
+                <a:solidFill>
+                  <a:srgbClr val="000000"/>
+                </a:solidFill>
+                <a:highlight>
+                  <a:srgbClr val="FFFFFF"/>
+                </a:highlight>
+              </a:rPr>
+              <a:t>units</a:t>
+            </a:r>
+            <a:r>
+              <a:rPr lang="pt-BR" b="1" dirty="0">
+                <a:solidFill>
+                  <a:srgbClr val="000080"/>
+                </a:solidFill>
+                <a:highlight>
+                  <a:srgbClr val="FFFFFF"/>
+                </a:highlight>
+              </a:rPr>
+              <a:t>=</a:t>
+            </a:r>
+            <a:r>
+              <a:rPr lang="pt-BR" b="0" dirty="0">
+                <a:solidFill>
+                  <a:srgbClr val="FF0000"/>
+                </a:solidFill>
+                <a:highlight>
+                  <a:srgbClr val="FFFFFF"/>
+                </a:highlight>
+              </a:rPr>
+              <a:t>1</a:t>
+            </a:r>
+            <a:r>
+              <a:rPr lang="pt-BR" b="1" dirty="0">
+                <a:solidFill>
+                  <a:srgbClr val="000080"/>
+                </a:solidFill>
+                <a:highlight>
+                  <a:srgbClr val="FFFFFF"/>
+                </a:highlight>
+              </a:rPr>
+              <a:t>,</a:t>
+            </a:r>
+            <a:r>
+              <a:rPr lang="pt-BR" b="0" dirty="0">
+                <a:solidFill>
+                  <a:srgbClr val="000000"/>
+                </a:solidFill>
+                <a:highlight>
+                  <a:srgbClr val="FFFFFF"/>
+                </a:highlight>
+              </a:rPr>
+              <a:t> </a:t>
+            </a:r>
+            <a:r>
+              <a:rPr lang="pt-BR" b="0" dirty="0" err="1">
+                <a:solidFill>
+                  <a:srgbClr val="000000"/>
+                </a:solidFill>
+                <a:highlight>
+                  <a:srgbClr val="FFFFFF"/>
+                </a:highlight>
+              </a:rPr>
+              <a:t>input_shape</a:t>
+            </a:r>
+            <a:r>
+              <a:rPr lang="pt-BR" b="1" dirty="0">
+                <a:solidFill>
+                  <a:srgbClr val="000080"/>
+                </a:solidFill>
+                <a:highlight>
+                  <a:srgbClr val="FFFFFF"/>
+                </a:highlight>
+              </a:rPr>
+              <a:t>=[</a:t>
+            </a:r>
+            <a:r>
+              <a:rPr lang="pt-BR" b="0" dirty="0">
+                <a:solidFill>
+                  <a:srgbClr val="FF0000"/>
+                </a:solidFill>
+                <a:highlight>
+                  <a:srgbClr val="FFFFFF"/>
+                </a:highlight>
+              </a:rPr>
+              <a:t>1</a:t>
+            </a:r>
+            <a:r>
+              <a:rPr lang="pt-BR" b="1" dirty="0">
+                <a:solidFill>
+                  <a:srgbClr val="000080"/>
+                </a:solidFill>
+                <a:highlight>
+                  <a:srgbClr val="FFFFFF"/>
+                </a:highlight>
+              </a:rPr>
+              <a:t>])])</a:t>
+            </a:r>
+            <a:endParaRPr lang="pt-BR" b="0" dirty="0">
+              <a:solidFill>
+                <a:srgbClr val="000000"/>
+              </a:solidFill>
+              <a:highlight>
+                <a:srgbClr val="FFFFFF"/>
+              </a:highlight>
+            </a:endParaRPr>
+          </a:p>
+          <a:p>
+            <a:r>
+              <a:rPr lang="en-US" b="0" dirty="0" err="1">
+                <a:solidFill>
+                  <a:srgbClr val="000000"/>
+                </a:solidFill>
+                <a:highlight>
+                  <a:srgbClr val="FFFFFF"/>
+                </a:highlight>
+              </a:rPr>
+              <a:t>model</a:t>
+            </a:r>
+            <a:r>
+              <a:rPr lang="en-US" b="1" dirty="0" err="1">
+                <a:solidFill>
+                  <a:srgbClr val="000080"/>
+                </a:solidFill>
+                <a:highlight>
+                  <a:srgbClr val="FFFFFF"/>
+                </a:highlight>
+              </a:rPr>
+              <a:t>.</a:t>
+            </a:r>
+            <a:r>
+              <a:rPr lang="en-US" b="1" dirty="0" err="1">
+                <a:solidFill>
+                  <a:srgbClr val="880088"/>
+                </a:solidFill>
+                <a:highlight>
+                  <a:srgbClr val="FFFFFF"/>
+                </a:highlight>
+              </a:rPr>
+              <a:t>compile</a:t>
+            </a:r>
+            <a:r>
+              <a:rPr lang="en-US" b="1" dirty="0">
+                <a:solidFill>
+                  <a:srgbClr val="000080"/>
+                </a:solidFill>
+                <a:highlight>
+                  <a:srgbClr val="FFFFFF"/>
+                </a:highlight>
+              </a:rPr>
+              <a:t>(</a:t>
+            </a:r>
+            <a:r>
+              <a:rPr lang="en-US" b="0" dirty="0">
+                <a:solidFill>
+                  <a:srgbClr val="000000"/>
+                </a:solidFill>
+                <a:highlight>
+                  <a:srgbClr val="FFFFFF"/>
+                </a:highlight>
+              </a:rPr>
+              <a:t>optimizer</a:t>
+            </a:r>
+            <a:r>
+              <a:rPr lang="en-US" b="1" dirty="0">
+                <a:solidFill>
+                  <a:srgbClr val="000080"/>
+                </a:solidFill>
+                <a:highlight>
+                  <a:srgbClr val="FFFFFF"/>
+                </a:highlight>
+              </a:rPr>
+              <a:t>=</a:t>
+            </a:r>
+            <a:r>
+              <a:rPr lang="en-US" b="0" dirty="0">
+                <a:solidFill>
+                  <a:srgbClr val="808080"/>
+                </a:solidFill>
+                <a:highlight>
+                  <a:srgbClr val="FFFFFF"/>
+                </a:highlight>
+              </a:rPr>
+              <a:t>'</a:t>
+            </a:r>
+            <a:r>
+              <a:rPr lang="en-US" b="0" dirty="0" err="1">
+                <a:solidFill>
+                  <a:srgbClr val="808080"/>
+                </a:solidFill>
+                <a:highlight>
+                  <a:srgbClr val="FFFFFF"/>
+                </a:highlight>
+              </a:rPr>
+              <a:t>sgd</a:t>
+            </a:r>
+            <a:r>
+              <a:rPr lang="en-US" b="0" dirty="0">
+                <a:solidFill>
+                  <a:srgbClr val="808080"/>
+                </a:solidFill>
+                <a:highlight>
+                  <a:srgbClr val="FFFFFF"/>
+                </a:highlight>
+              </a:rPr>
+              <a:t>'</a:t>
+            </a:r>
+            <a:r>
+              <a:rPr lang="en-US" b="1" dirty="0">
+                <a:solidFill>
+                  <a:srgbClr val="000080"/>
+                </a:solidFill>
+                <a:highlight>
+                  <a:srgbClr val="FFFFFF"/>
+                </a:highlight>
+              </a:rPr>
+              <a:t>,</a:t>
+            </a:r>
+            <a:r>
+              <a:rPr lang="en-US" b="0" dirty="0">
+                <a:solidFill>
+                  <a:srgbClr val="000000"/>
+                </a:solidFill>
+                <a:highlight>
+                  <a:srgbClr val="FFFFFF"/>
+                </a:highlight>
+              </a:rPr>
+              <a:t> loss</a:t>
+            </a:r>
+            <a:r>
+              <a:rPr lang="en-US" b="1" dirty="0">
+                <a:solidFill>
+                  <a:srgbClr val="000080"/>
+                </a:solidFill>
+                <a:highlight>
+                  <a:srgbClr val="FFFFFF"/>
+                </a:highlight>
+              </a:rPr>
+              <a:t>=</a:t>
+            </a:r>
+            <a:r>
+              <a:rPr lang="en-US" b="0" dirty="0">
+                <a:solidFill>
+                  <a:srgbClr val="808080"/>
+                </a:solidFill>
+                <a:highlight>
+                  <a:srgbClr val="FFFFFF"/>
+                </a:highlight>
+              </a:rPr>
+              <a:t>'</a:t>
+            </a:r>
+            <a:r>
+              <a:rPr lang="en-US" b="0" dirty="0" err="1">
+                <a:solidFill>
+                  <a:srgbClr val="808080"/>
+                </a:solidFill>
+                <a:highlight>
+                  <a:srgbClr val="FFFFFF"/>
+                </a:highlight>
+              </a:rPr>
+              <a:t>mean_squared_error</a:t>
+            </a:r>
+            <a:r>
+              <a:rPr lang="en-US" b="0" dirty="0">
+                <a:solidFill>
+                  <a:srgbClr val="808080"/>
+                </a:solidFill>
+                <a:highlight>
+                  <a:srgbClr val="FFFFFF"/>
+                </a:highlight>
+              </a:rPr>
+              <a:t>’</a:t>
+            </a:r>
+            <a:r>
+              <a:rPr lang="en-US" b="1" dirty="0">
+                <a:solidFill>
+                  <a:srgbClr val="000080"/>
+                </a:solidFill>
+                <a:highlight>
+                  <a:srgbClr val="FFFFFF"/>
+                </a:highlight>
+              </a:rPr>
+              <a:t>)</a:t>
+            </a:r>
+            <a:endParaRPr lang="en-US" b="0" dirty="0">
+              <a:solidFill>
+                <a:srgbClr val="000000"/>
+              </a:solidFill>
+              <a:highlight>
+                <a:srgbClr val="FFFFFF"/>
+              </a:highlight>
+            </a:endParaRPr>
+          </a:p>
+          <a:p>
+            <a:endParaRPr lang="pt-BR" b="0" dirty="0">
+              <a:solidFill>
+                <a:srgbClr val="000000"/>
+              </a:solidFill>
+              <a:highlight>
+                <a:srgbClr val="FFFFFF"/>
+              </a:highlight>
+            </a:endParaRPr>
+          </a:p>
+          <a:p>
+            <a:r>
+              <a:rPr lang="es-ES" b="0" dirty="0" err="1">
+                <a:solidFill>
+                  <a:srgbClr val="000000"/>
+                </a:solidFill>
+                <a:highlight>
+                  <a:srgbClr val="FFFFFF"/>
+                </a:highlight>
+              </a:rPr>
+              <a:t>history</a:t>
+            </a:r>
+            <a:r>
+              <a:rPr lang="es-ES" b="0" dirty="0">
+                <a:solidFill>
+                  <a:srgbClr val="000000"/>
+                </a:solidFill>
+                <a:highlight>
+                  <a:srgbClr val="FFFFFF"/>
+                </a:highlight>
+              </a:rPr>
+              <a:t> = </a:t>
+            </a:r>
+            <a:r>
+              <a:rPr lang="es-ES" b="0" dirty="0" err="1">
+                <a:solidFill>
+                  <a:srgbClr val="000000"/>
+                </a:solidFill>
+                <a:highlight>
+                  <a:srgbClr val="FFFFFF"/>
+                </a:highlight>
+              </a:rPr>
+              <a:t>model</a:t>
+            </a:r>
+            <a:r>
+              <a:rPr lang="es-ES" b="1" dirty="0" err="1">
+                <a:solidFill>
+                  <a:srgbClr val="000080"/>
+                </a:solidFill>
+                <a:highlight>
+                  <a:srgbClr val="FFFFFF"/>
+                </a:highlight>
+              </a:rPr>
+              <a:t>.</a:t>
+            </a:r>
+            <a:r>
+              <a:rPr lang="es-ES" b="0" dirty="0" err="1">
+                <a:solidFill>
+                  <a:srgbClr val="000000"/>
+                </a:solidFill>
+                <a:highlight>
+                  <a:srgbClr val="FFFFFF"/>
+                </a:highlight>
+              </a:rPr>
+              <a:t>fit</a:t>
+            </a:r>
+            <a:r>
+              <a:rPr lang="es-ES" b="1" dirty="0">
+                <a:solidFill>
+                  <a:srgbClr val="000080"/>
+                </a:solidFill>
+                <a:highlight>
+                  <a:srgbClr val="FFFFFF"/>
+                </a:highlight>
+              </a:rPr>
+              <a:t>(</a:t>
+            </a:r>
+            <a:r>
+              <a:rPr lang="es-ES" b="0" dirty="0">
+                <a:solidFill>
+                  <a:srgbClr val="000000"/>
+                </a:solidFill>
+                <a:highlight>
+                  <a:srgbClr val="FFFFFF"/>
+                </a:highlight>
+              </a:rPr>
+              <a:t>x</a:t>
+            </a:r>
+            <a:r>
+              <a:rPr lang="es-ES" b="1" dirty="0">
+                <a:solidFill>
+                  <a:srgbClr val="000080"/>
+                </a:solidFill>
+                <a:highlight>
+                  <a:srgbClr val="FFFFFF"/>
+                </a:highlight>
+              </a:rPr>
+              <a:t>,</a:t>
+            </a:r>
+            <a:r>
+              <a:rPr lang="es-ES" b="0" dirty="0">
+                <a:solidFill>
+                  <a:srgbClr val="000000"/>
+                </a:solidFill>
+                <a:highlight>
+                  <a:srgbClr val="FFFFFF"/>
+                </a:highlight>
+              </a:rPr>
+              <a:t> y</a:t>
+            </a:r>
+            <a:r>
+              <a:rPr lang="es-ES" b="1" dirty="0">
+                <a:solidFill>
+                  <a:srgbClr val="000080"/>
+                </a:solidFill>
+                <a:highlight>
+                  <a:srgbClr val="FFFFFF"/>
+                </a:highlight>
+              </a:rPr>
+              <a:t>,</a:t>
+            </a:r>
+            <a:r>
+              <a:rPr lang="es-ES" b="0" dirty="0">
+                <a:solidFill>
+                  <a:srgbClr val="000000"/>
+                </a:solidFill>
+                <a:highlight>
+                  <a:srgbClr val="FFFFFF"/>
+                </a:highlight>
+              </a:rPr>
+              <a:t> </a:t>
+            </a:r>
+            <a:r>
+              <a:rPr lang="es-ES" b="0" dirty="0" err="1">
+                <a:solidFill>
+                  <a:srgbClr val="000000"/>
+                </a:solidFill>
+                <a:highlight>
+                  <a:srgbClr val="FFFFFF"/>
+                </a:highlight>
+              </a:rPr>
+              <a:t>epochs</a:t>
+            </a:r>
+            <a:r>
+              <a:rPr lang="es-ES" b="1" dirty="0">
+                <a:solidFill>
+                  <a:srgbClr val="000080"/>
+                </a:solidFill>
+                <a:highlight>
+                  <a:srgbClr val="FFFFFF"/>
+                </a:highlight>
+              </a:rPr>
+              <a:t>=</a:t>
+            </a:r>
+            <a:r>
+              <a:rPr lang="es-ES" b="0" dirty="0">
+                <a:solidFill>
+                  <a:srgbClr val="FF0000"/>
+                </a:solidFill>
+                <a:highlight>
+                  <a:srgbClr val="FFFFFF"/>
+                </a:highlight>
+              </a:rPr>
+              <a:t>500</a:t>
+            </a:r>
+            <a:r>
+              <a:rPr lang="es-ES" b="1" dirty="0">
+                <a:solidFill>
+                  <a:srgbClr val="000080"/>
+                </a:solidFill>
+                <a:highlight>
+                  <a:srgbClr val="FFFFFF"/>
+                </a:highlight>
+              </a:rPr>
+              <a:t>)</a:t>
+            </a:r>
+            <a:endParaRPr lang="es-ES" b="0" dirty="0">
+              <a:solidFill>
+                <a:srgbClr val="000000"/>
+              </a:solidFill>
+              <a:highlight>
+                <a:srgbClr val="FFFFFF"/>
+              </a:highlight>
+            </a:endParaRPr>
+          </a:p>
+          <a:p>
+            <a:endParaRPr lang="pt-BR" b="0" dirty="0">
+              <a:solidFill>
+                <a:srgbClr val="000000"/>
+              </a:solidFill>
+              <a:highlight>
+                <a:srgbClr val="FFFFFF"/>
+              </a:highlight>
+            </a:endParaRPr>
+          </a:p>
+          <a:p>
+            <a:r>
+              <a:rPr lang="pt-BR" b="1" dirty="0">
+                <a:solidFill>
+                  <a:srgbClr val="880088"/>
+                </a:solidFill>
+                <a:highlight>
+                  <a:srgbClr val="FFFFFF"/>
+                </a:highlight>
+              </a:rPr>
+              <a:t>print</a:t>
+            </a:r>
+            <a:r>
+              <a:rPr lang="pt-BR" b="1" dirty="0">
+                <a:solidFill>
+                  <a:srgbClr val="000080"/>
+                </a:solidFill>
+                <a:highlight>
+                  <a:srgbClr val="FFFFFF"/>
+                </a:highlight>
+              </a:rPr>
+              <a:t>(</a:t>
+            </a:r>
+            <a:r>
+              <a:rPr lang="pt-BR" b="0" dirty="0" err="1">
+                <a:solidFill>
+                  <a:srgbClr val="000000"/>
+                </a:solidFill>
+                <a:highlight>
+                  <a:srgbClr val="FFFFFF"/>
+                </a:highlight>
+              </a:rPr>
+              <a:t>model</a:t>
+            </a:r>
+            <a:r>
+              <a:rPr lang="pt-BR" b="1" dirty="0" err="1">
+                <a:solidFill>
+                  <a:srgbClr val="000080"/>
+                </a:solidFill>
+                <a:highlight>
+                  <a:srgbClr val="FFFFFF"/>
+                </a:highlight>
+              </a:rPr>
+              <a:t>.</a:t>
+            </a:r>
+            <a:r>
+              <a:rPr lang="pt-BR" b="0" dirty="0" err="1">
+                <a:solidFill>
+                  <a:srgbClr val="000000"/>
+                </a:solidFill>
+                <a:highlight>
+                  <a:srgbClr val="FFFFFF"/>
+                </a:highlight>
+              </a:rPr>
+              <a:t>predict</a:t>
+            </a:r>
+            <a:r>
+              <a:rPr lang="pt-BR" b="1" dirty="0">
+                <a:solidFill>
+                  <a:srgbClr val="000080"/>
+                </a:solidFill>
+                <a:highlight>
+                  <a:srgbClr val="FFFFFF"/>
+                </a:highlight>
+              </a:rPr>
+              <a:t>([</a:t>
+            </a:r>
+            <a:r>
+              <a:rPr lang="pt-BR" b="0" dirty="0">
+                <a:solidFill>
+                  <a:srgbClr val="FF0000"/>
+                </a:solidFill>
+                <a:highlight>
+                  <a:srgbClr val="FFFFFF"/>
+                </a:highlight>
+              </a:rPr>
+              <a:t>10.0</a:t>
+            </a:r>
+            <a:r>
+              <a:rPr lang="pt-BR" b="1" dirty="0">
+                <a:solidFill>
+                  <a:srgbClr val="000080"/>
+                </a:solidFill>
+                <a:highlight>
+                  <a:srgbClr val="FFFFFF"/>
+                </a:highlight>
+              </a:rPr>
+              <a:t>]))</a:t>
+            </a:r>
+            <a:endParaRPr lang="pt-BR" dirty="0"/>
+          </a:p>
+        </p:txBody>
+      </p:sp>
+      <p:sp>
+        <p:nvSpPr>
+          <p:cNvPr id="5" name="Retângulo 4">
+            <a:extLst>
+              <a:ext uri="{FF2B5EF4-FFF2-40B4-BE49-F238E27FC236}">
+                <a16:creationId xmlns:a16="http://schemas.microsoft.com/office/drawing/2014/main" id="{CFCDC870-11DD-7CC0-39D2-F418F4A8AD28}"/>
+              </a:ext>
+            </a:extLst>
+          </p:cNvPr>
+          <p:cNvSpPr/>
+          <p:nvPr/>
+        </p:nvSpPr>
+        <p:spPr>
+          <a:xfrm>
+            <a:off x="2370363" y="2510349"/>
+            <a:ext cx="7451271" cy="392225"/>
+          </a:xfrm>
+          <a:prstGeom prst="rect">
+            <a:avLst/>
+          </a:prstGeom>
+          <a:noFill/>
+          <a:ln w="28575">
+            <a:solidFill>
+              <a:srgbClr val="FF0000"/>
+            </a:solidFill>
+          </a:ln>
+        </p:spPr>
+        <p:style>
+          <a:lnRef idx="2">
+            <a:schemeClr val="accent1">
+              <a:shade val="15000"/>
+            </a:schemeClr>
+          </a:lnRef>
+          <a:fillRef idx="1">
+            <a:schemeClr val="accent1"/>
+          </a:fillRef>
+          <a:effectRef idx="0">
+            <a:schemeClr val="accent1"/>
+          </a:effectRef>
+          <a:fontRef idx="minor">
+            <a:schemeClr val="lt1"/>
+          </a:fontRef>
+        </p:style>
+        <p:txBody>
+          <a:bodyPr rtlCol="0" anchor="ctr"/>
+          <a:lstStyle/>
+          <a:p>
+            <a:pPr algn="ctr"/>
+            <a:endParaRPr lang="pt-BR"/>
+          </a:p>
+        </p:txBody>
+      </p:sp>
+    </p:spTree>
+    <p:extLst>
+      <p:ext uri="{BB962C8B-B14F-4D97-AF65-F5344CB8AC3E}">
+        <p14:creationId xmlns:p14="http://schemas.microsoft.com/office/powerpoint/2010/main" val="418619895"/>
+      </p:ext>
+    </p:extLst>
+  </p:cSld>
+  <p:clrMapOvr>
+    <a:masterClrMapping/>
+  </p:clrMapOvr>
+</p:sld>
+</file>
+
+<file path=ppt/slides/slide13.xml><?xml version="1.0" encoding="utf-8"?>
+<p:sld xmlns:a="http://schemas.openxmlformats.org/drawingml/2006/main" xmlns:r="http://schemas.openxmlformats.org/officeDocument/2006/relationships" xmlns:p="http://schemas.openxmlformats.org/presentationml/2006/main">
+  <p:cSld>
+    <p:spTree>
+      <p:nvGrpSpPr>
+        <p:cNvPr id="1" name=""/>
+        <p:cNvGrpSpPr/>
+        <p:nvPr/>
+      </p:nvGrpSpPr>
+      <p:grpSpPr>
+        <a:xfrm>
+          <a:off x="0" y="0"/>
+          <a:ext cx="0" cy="0"/>
+          <a:chOff x="0" y="0"/>
+          <a:chExt cx="0" cy="0"/>
+        </a:xfrm>
+      </p:grpSpPr>
+      <p:sp>
+        <p:nvSpPr>
+          <p:cNvPr id="2" name="Título 1">
+            <a:extLst>
+              <a:ext uri="{FF2B5EF4-FFF2-40B4-BE49-F238E27FC236}">
+                <a16:creationId xmlns:a16="http://schemas.microsoft.com/office/drawing/2014/main" id="{0BCD34E8-BAC5-294C-C41E-E683193EDCB8}"/>
+              </a:ext>
+            </a:extLst>
+          </p:cNvPr>
+          <p:cNvSpPr>
+            <a:spLocks noGrp="1"/>
+          </p:cNvSpPr>
+          <p:nvPr>
+            <p:ph type="title"/>
+          </p:nvPr>
+        </p:nvSpPr>
+        <p:spPr/>
+        <p:txBody>
+          <a:bodyPr/>
+          <a:lstStyle/>
+          <a:p>
+            <a:r>
+              <a:rPr lang="pt-BR" dirty="0"/>
+              <a:t>Nossa rede neural</a:t>
+            </a:r>
+          </a:p>
+        </p:txBody>
+      </p:sp>
+      <mc:AlternateContent xmlns:mc="http://schemas.openxmlformats.org/markup-compatibility/2006">
+        <mc:Choice xmlns:a14="http://schemas.microsoft.com/office/drawing/2010/main" Requires="a14">
+          <p:sp>
+            <p:nvSpPr>
+              <p:cNvPr id="3" name="Espaço Reservado para Conteúdo 2">
+                <a:extLst>
+                  <a:ext uri="{FF2B5EF4-FFF2-40B4-BE49-F238E27FC236}">
+                    <a16:creationId xmlns:a16="http://schemas.microsoft.com/office/drawing/2014/main" id="{74A900A4-14A9-5BA1-757B-0429FF942502}"/>
+                  </a:ext>
+                </a:extLst>
+              </p:cNvPr>
+              <p:cNvSpPr>
+                <a:spLocks noGrp="1"/>
+              </p:cNvSpPr>
+              <p:nvPr>
+                <p:ph idx="1"/>
+              </p:nvPr>
+            </p:nvSpPr>
+            <p:spPr>
+              <a:xfrm>
+                <a:off x="5050972" y="1825624"/>
+                <a:ext cx="6934200" cy="5032376"/>
+              </a:xfrm>
+            </p:spPr>
+            <p:txBody>
+              <a:bodyPr>
+                <a:normAutofit/>
+              </a:bodyPr>
+              <a:lstStyle/>
+              <a:p>
+                <a:r>
+                  <a:rPr lang="pt-BR" dirty="0"/>
+                  <a:t>Visualmente, nossa rede neural se parece com a figura ao lado.</a:t>
+                </a:r>
+              </a:p>
+              <a:p>
+                <a:r>
+                  <a:rPr lang="pt-BR" dirty="0"/>
+                  <a:t>Nós temos apenas uma camada e um único neurônio nela.</a:t>
+                </a:r>
+              </a:p>
+              <a:p>
+                <a:r>
+                  <a:rPr lang="pt-BR" dirty="0"/>
+                  <a:t>Ele tem como entrada um único valor, que chamamos de </a:t>
+                </a:r>
+                <a14:m>
+                  <m:oMath xmlns:m="http://schemas.openxmlformats.org/officeDocument/2006/math">
+                    <m:r>
+                      <a:rPr lang="pt-BR" b="0" i="1" smtClean="0">
+                        <a:latin typeface="Cambria Math" panose="02040503050406030204" pitchFamily="18" charset="0"/>
+                      </a:rPr>
+                      <m:t>𝑥</m:t>
+                    </m:r>
+                  </m:oMath>
+                </a14:m>
+                <a:r>
+                  <a:rPr lang="pt-BR" dirty="0"/>
+                  <a:t>.</a:t>
+                </a:r>
+              </a:p>
+              <a:p>
+                <a:r>
+                  <a:rPr lang="pt-BR" dirty="0"/>
+                  <a:t>Ele irá aprender os pesos que mapeiam </a:t>
+                </a:r>
+                <a14:m>
+                  <m:oMath xmlns:m="http://schemas.openxmlformats.org/officeDocument/2006/math">
+                    <m:r>
+                      <a:rPr lang="pt-BR" b="0" i="1" smtClean="0">
+                        <a:latin typeface="Cambria Math" panose="02040503050406030204" pitchFamily="18" charset="0"/>
+                      </a:rPr>
+                      <m:t>𝑥</m:t>
+                    </m:r>
+                  </m:oMath>
+                </a14:m>
+                <a:r>
+                  <a:rPr lang="pt-BR" dirty="0"/>
+                  <a:t> em </a:t>
+                </a:r>
+                <a14:m>
+                  <m:oMath xmlns:m="http://schemas.openxmlformats.org/officeDocument/2006/math">
+                    <m:r>
+                      <a:rPr lang="pt-BR" b="0" i="1" smtClean="0">
+                        <a:latin typeface="Cambria Math" panose="02040503050406030204" pitchFamily="18" charset="0"/>
+                      </a:rPr>
+                      <m:t>𝑦</m:t>
+                    </m:r>
+                  </m:oMath>
+                </a14:m>
+                <a:r>
+                  <a:rPr lang="pt-BR" dirty="0"/>
+                  <a:t> da melhor forma possível, baseado no conjunto de treinamento.</a:t>
+                </a:r>
+              </a:p>
+              <a:p>
+                <a:r>
+                  <a:rPr lang="pt-BR" dirty="0"/>
+                  <a:t>Esse modelo é conhecido na literatura como </a:t>
+                </a:r>
+                <a:r>
+                  <a:rPr lang="pt-BR" b="1" i="1" dirty="0" err="1"/>
+                  <a:t>Perceptron</a:t>
+                </a:r>
+                <a:r>
+                  <a:rPr lang="pt-BR" dirty="0"/>
+                  <a:t>.</a:t>
+                </a:r>
+              </a:p>
+            </p:txBody>
+          </p:sp>
+        </mc:Choice>
+        <mc:Fallback>
+          <p:sp>
+            <p:nvSpPr>
+              <p:cNvPr id="3" name="Espaço Reservado para Conteúdo 2">
+                <a:extLst>
+                  <a:ext uri="{FF2B5EF4-FFF2-40B4-BE49-F238E27FC236}">
+                    <a16:creationId xmlns:a16="http://schemas.microsoft.com/office/drawing/2014/main" id="{74A900A4-14A9-5BA1-757B-0429FF942502}"/>
+                  </a:ext>
+                </a:extLst>
+              </p:cNvPr>
+              <p:cNvSpPr>
+                <a:spLocks noGrp="1" noRot="1" noChangeAspect="1" noMove="1" noResize="1" noEditPoints="1" noAdjustHandles="1" noChangeArrowheads="1" noChangeShapeType="1" noTextEdit="1"/>
+              </p:cNvSpPr>
+              <p:nvPr>
+                <p:ph idx="1"/>
+              </p:nvPr>
+            </p:nvSpPr>
+            <p:spPr>
+              <a:xfrm>
+                <a:off x="5050972" y="1825624"/>
+                <a:ext cx="6934200" cy="5032376"/>
+              </a:xfrm>
+              <a:blipFill>
+                <a:blip r:embed="rId2"/>
+                <a:stretch>
+                  <a:fillRect l="-1583" t="-1937" r="-2639"/>
+                </a:stretch>
+              </a:blipFill>
+            </p:spPr>
+            <p:txBody>
+              <a:bodyPr/>
+              <a:lstStyle/>
+              <a:p>
+                <a:r>
+                  <a:rPr lang="pt-BR">
+                    <a:noFill/>
+                  </a:rPr>
+                  <a:t> </a:t>
+                </a:r>
+              </a:p>
+            </p:txBody>
+          </p:sp>
+        </mc:Fallback>
+      </mc:AlternateContent>
+      <p:grpSp>
+        <p:nvGrpSpPr>
+          <p:cNvPr id="11" name="Agrupar 10">
+            <a:extLst>
+              <a:ext uri="{FF2B5EF4-FFF2-40B4-BE49-F238E27FC236}">
+                <a16:creationId xmlns:a16="http://schemas.microsoft.com/office/drawing/2014/main" id="{F81F8E92-5E4D-380C-2C1E-42DD6285D5EB}"/>
+              </a:ext>
+            </a:extLst>
+          </p:cNvPr>
+          <p:cNvGrpSpPr/>
+          <p:nvPr/>
+        </p:nvGrpSpPr>
+        <p:grpSpPr>
+          <a:xfrm>
+            <a:off x="1623060" y="3429000"/>
+            <a:ext cx="1848393" cy="566057"/>
+            <a:chOff x="1851660" y="2612572"/>
+            <a:chExt cx="1848393" cy="566057"/>
+          </a:xfrm>
+        </p:grpSpPr>
+        <p:sp>
+          <p:nvSpPr>
+            <p:cNvPr id="4" name="Elipse 3">
+              <a:extLst>
+                <a:ext uri="{FF2B5EF4-FFF2-40B4-BE49-F238E27FC236}">
+                  <a16:creationId xmlns:a16="http://schemas.microsoft.com/office/drawing/2014/main" id="{B14B27F3-1C94-2ECC-30C0-E54C55E7D8A9}"/>
+                </a:ext>
+              </a:extLst>
+            </p:cNvPr>
+            <p:cNvSpPr/>
+            <p:nvPr/>
+          </p:nvSpPr>
+          <p:spPr>
+            <a:xfrm>
+              <a:off x="2492828" y="2612572"/>
+              <a:ext cx="566057" cy="566057"/>
+            </a:xfrm>
+            <a:prstGeom prst="ellipse">
+              <a:avLst/>
+            </a:prstGeom>
+            <a:solidFill>
+              <a:schemeClr val="accent1"/>
+            </a:solidFill>
+            <a:ln>
+              <a:noFill/>
+            </a:ln>
+          </p:spPr>
+          <p:style>
+            <a:lnRef idx="2">
+              <a:schemeClr val="accent1">
+                <a:shade val="15000"/>
+              </a:schemeClr>
+            </a:lnRef>
+            <a:fillRef idx="1">
+              <a:schemeClr val="accent1"/>
+            </a:fillRef>
+            <a:effectRef idx="0">
+              <a:schemeClr val="accent1"/>
+            </a:effectRef>
+            <a:fontRef idx="minor">
+              <a:schemeClr val="lt1"/>
+            </a:fontRef>
+          </p:style>
+          <p:txBody>
+            <a:bodyPr rtlCol="0" anchor="ctr"/>
+            <a:lstStyle/>
+            <a:p>
+              <a:pPr algn="ctr"/>
+              <a:endParaRPr lang="pt-BR" dirty="0"/>
+            </a:p>
+          </p:txBody>
+        </p:sp>
+        <p:cxnSp>
+          <p:nvCxnSpPr>
+            <p:cNvPr id="6" name="Conector de Seta Reta 5">
+              <a:extLst>
+                <a:ext uri="{FF2B5EF4-FFF2-40B4-BE49-F238E27FC236}">
+                  <a16:creationId xmlns:a16="http://schemas.microsoft.com/office/drawing/2014/main" id="{2830856A-6DDF-054C-047C-3639E9D7DC31}"/>
+                </a:ext>
+              </a:extLst>
+            </p:cNvPr>
+            <p:cNvCxnSpPr>
+              <a:cxnSpLocks/>
+              <a:endCxn id="4" idx="2"/>
+            </p:cNvCxnSpPr>
+            <p:nvPr/>
+          </p:nvCxnSpPr>
+          <p:spPr>
+            <a:xfrm>
+              <a:off x="2198914" y="2895601"/>
+              <a:ext cx="293914" cy="0"/>
+            </a:xfrm>
+            <a:prstGeom prst="straightConnector1">
+              <a:avLst/>
+            </a:prstGeom>
+            <a:ln>
+              <a:tailEnd type="triangle"/>
+            </a:ln>
+          </p:spPr>
+          <p:style>
+            <a:lnRef idx="1">
+              <a:schemeClr val="accent1"/>
+            </a:lnRef>
+            <a:fillRef idx="0">
+              <a:schemeClr val="accent1"/>
+            </a:fillRef>
+            <a:effectRef idx="0">
+              <a:schemeClr val="accent1"/>
+            </a:effectRef>
+            <a:fontRef idx="minor">
+              <a:schemeClr val="tx1"/>
+            </a:fontRef>
+          </p:style>
+        </p:cxnSp>
+        <p:cxnSp>
+          <p:nvCxnSpPr>
+            <p:cNvPr id="8" name="Conector de Seta Reta 7">
+              <a:extLst>
+                <a:ext uri="{FF2B5EF4-FFF2-40B4-BE49-F238E27FC236}">
+                  <a16:creationId xmlns:a16="http://schemas.microsoft.com/office/drawing/2014/main" id="{D7BD0E92-0842-BCA5-B7B8-4D940F7B3F1D}"/>
+                </a:ext>
+              </a:extLst>
+            </p:cNvPr>
+            <p:cNvCxnSpPr>
+              <a:cxnSpLocks/>
+            </p:cNvCxnSpPr>
+            <p:nvPr/>
+          </p:nvCxnSpPr>
+          <p:spPr>
+            <a:xfrm>
+              <a:off x="3058885" y="2895601"/>
+              <a:ext cx="293914" cy="0"/>
+            </a:xfrm>
+            <a:prstGeom prst="straightConnector1">
+              <a:avLst/>
+            </a:prstGeom>
+            <a:ln>
+              <a:tailEnd type="triangle"/>
+            </a:ln>
+          </p:spPr>
+          <p:style>
+            <a:lnRef idx="1">
+              <a:schemeClr val="accent1"/>
+            </a:lnRef>
+            <a:fillRef idx="0">
+              <a:schemeClr val="accent1"/>
+            </a:fillRef>
+            <a:effectRef idx="0">
+              <a:schemeClr val="accent1"/>
+            </a:effectRef>
+            <a:fontRef idx="minor">
+              <a:schemeClr val="tx1"/>
+            </a:fontRef>
+          </p:style>
+        </p:cxnSp>
+        <mc:AlternateContent xmlns:mc="http://schemas.openxmlformats.org/markup-compatibility/2006">
+          <mc:Choice xmlns:a14="http://schemas.microsoft.com/office/drawing/2010/main" Requires="a14">
+            <p:sp>
+              <p:nvSpPr>
+                <p:cNvPr id="9" name="CaixaDeTexto 8">
+                  <a:extLst>
+                    <a:ext uri="{FF2B5EF4-FFF2-40B4-BE49-F238E27FC236}">
+                      <a16:creationId xmlns:a16="http://schemas.microsoft.com/office/drawing/2014/main" id="{D805B5F8-411B-B899-8485-51C6B19AAF98}"/>
+                    </a:ext>
+                  </a:extLst>
+                </p:cNvPr>
+                <p:cNvSpPr txBox="1"/>
+                <p:nvPr/>
+              </p:nvSpPr>
+              <p:spPr>
+                <a:xfrm>
+                  <a:off x="1851660" y="2708672"/>
+                  <a:ext cx="415834" cy="369332"/>
+                </a:xfrm>
+                <a:prstGeom prst="rect">
+                  <a:avLst/>
+                </a:prstGeom>
+                <a:noFill/>
+              </p:spPr>
+              <p:txBody>
+                <a:bodyPr wrap="square" rtlCol="0">
+                  <a:spAutoFit/>
+                </a:bodyPr>
+                <a:lstStyle/>
+                <a:p>
+                  <a14:m>
+                    <m:oMathPara xmlns:m="http://schemas.openxmlformats.org/officeDocument/2006/math">
+                      <m:oMathParaPr>
+                        <m:jc m:val="centerGroup"/>
+                      </m:oMathParaPr>
+                      <m:oMath xmlns:m="http://schemas.openxmlformats.org/officeDocument/2006/math">
+                        <m:r>
+                          <a:rPr lang="pt-BR" b="0" i="1" smtClean="0">
+                            <a:latin typeface="Cambria Math" panose="02040503050406030204" pitchFamily="18" charset="0"/>
+                          </a:rPr>
+                          <m:t>𝑥</m:t>
+                        </m:r>
+                      </m:oMath>
+                    </m:oMathPara>
+                  </a14:m>
+                  <a:endParaRPr lang="pt-BR" dirty="0"/>
+                </a:p>
+              </p:txBody>
+            </p:sp>
+          </mc:Choice>
+          <mc:Fallback>
+            <p:sp>
+              <p:nvSpPr>
+                <p:cNvPr id="9" name="CaixaDeTexto 8">
+                  <a:extLst>
+                    <a:ext uri="{FF2B5EF4-FFF2-40B4-BE49-F238E27FC236}">
+                      <a16:creationId xmlns:a16="http://schemas.microsoft.com/office/drawing/2014/main" id="{D805B5F8-411B-B899-8485-51C6B19AAF98}"/>
+                    </a:ext>
+                  </a:extLst>
+                </p:cNvPr>
+                <p:cNvSpPr txBox="1">
+                  <a:spLocks noRot="1" noChangeAspect="1" noMove="1" noResize="1" noEditPoints="1" noAdjustHandles="1" noChangeArrowheads="1" noChangeShapeType="1" noTextEdit="1"/>
+                </p:cNvSpPr>
+                <p:nvPr/>
+              </p:nvSpPr>
+              <p:spPr>
+                <a:xfrm>
+                  <a:off x="1851660" y="2708672"/>
+                  <a:ext cx="415834" cy="369332"/>
+                </a:xfrm>
+                <a:prstGeom prst="rect">
+                  <a:avLst/>
+                </a:prstGeom>
+                <a:blipFill>
+                  <a:blip r:embed="rId3"/>
+                  <a:stretch>
+                    <a:fillRect/>
+                  </a:stretch>
+                </a:blipFill>
+              </p:spPr>
+              <p:txBody>
+                <a:bodyPr/>
+                <a:lstStyle/>
+                <a:p>
+                  <a:r>
+                    <a:rPr lang="pt-BR">
+                      <a:noFill/>
+                    </a:rPr>
+                    <a:t> </a:t>
+                  </a:r>
+                </a:p>
+              </p:txBody>
+            </p:sp>
+          </mc:Fallback>
+        </mc:AlternateContent>
+        <mc:AlternateContent xmlns:mc="http://schemas.openxmlformats.org/markup-compatibility/2006">
+          <mc:Choice xmlns:a14="http://schemas.microsoft.com/office/drawing/2010/main" Requires="a14">
+            <p:sp>
+              <p:nvSpPr>
+                <p:cNvPr id="10" name="CaixaDeTexto 9">
+                  <a:extLst>
+                    <a:ext uri="{FF2B5EF4-FFF2-40B4-BE49-F238E27FC236}">
+                      <a16:creationId xmlns:a16="http://schemas.microsoft.com/office/drawing/2014/main" id="{E910E806-C224-45D8-5C61-DC367619B6E2}"/>
+                    </a:ext>
+                  </a:extLst>
+                </p:cNvPr>
+                <p:cNvSpPr txBox="1"/>
+                <p:nvPr/>
+              </p:nvSpPr>
+              <p:spPr>
+                <a:xfrm>
+                  <a:off x="3284219" y="2712720"/>
+                  <a:ext cx="415834" cy="369332"/>
+                </a:xfrm>
+                <a:prstGeom prst="rect">
+                  <a:avLst/>
+                </a:prstGeom>
+                <a:noFill/>
+              </p:spPr>
+              <p:txBody>
+                <a:bodyPr wrap="square" rtlCol="0">
+                  <a:spAutoFit/>
+                </a:bodyPr>
+                <a:lstStyle/>
+                <a:p>
+                  <a14:m>
+                    <m:oMathPara xmlns:m="http://schemas.openxmlformats.org/officeDocument/2006/math">
+                      <m:oMathParaPr>
+                        <m:jc m:val="centerGroup"/>
+                      </m:oMathParaPr>
+                      <m:oMath xmlns:m="http://schemas.openxmlformats.org/officeDocument/2006/math">
+                        <m:r>
+                          <a:rPr lang="pt-BR" b="0" i="1" smtClean="0">
+                            <a:latin typeface="Cambria Math" panose="02040503050406030204" pitchFamily="18" charset="0"/>
+                          </a:rPr>
+                          <m:t>𝑦</m:t>
+                        </m:r>
+                      </m:oMath>
+                    </m:oMathPara>
+                  </a14:m>
+                  <a:endParaRPr lang="pt-BR" dirty="0"/>
+                </a:p>
+              </p:txBody>
+            </p:sp>
+          </mc:Choice>
+          <mc:Fallback>
+            <p:sp>
+              <p:nvSpPr>
+                <p:cNvPr id="10" name="CaixaDeTexto 9">
+                  <a:extLst>
+                    <a:ext uri="{FF2B5EF4-FFF2-40B4-BE49-F238E27FC236}">
+                      <a16:creationId xmlns:a16="http://schemas.microsoft.com/office/drawing/2014/main" id="{E910E806-C224-45D8-5C61-DC367619B6E2}"/>
+                    </a:ext>
+                  </a:extLst>
+                </p:cNvPr>
+                <p:cNvSpPr txBox="1">
+                  <a:spLocks noRot="1" noChangeAspect="1" noMove="1" noResize="1" noEditPoints="1" noAdjustHandles="1" noChangeArrowheads="1" noChangeShapeType="1" noTextEdit="1"/>
+                </p:cNvSpPr>
+                <p:nvPr/>
+              </p:nvSpPr>
+              <p:spPr>
+                <a:xfrm>
+                  <a:off x="3284219" y="2712720"/>
+                  <a:ext cx="415834" cy="369332"/>
+                </a:xfrm>
+                <a:prstGeom prst="rect">
+                  <a:avLst/>
+                </a:prstGeom>
+                <a:blipFill>
+                  <a:blip r:embed="rId4"/>
+                  <a:stretch>
+                    <a:fillRect b="-4918"/>
+                  </a:stretch>
+                </a:blipFill>
+              </p:spPr>
+              <p:txBody>
+                <a:bodyPr/>
+                <a:lstStyle/>
+                <a:p>
+                  <a:r>
+                    <a:rPr lang="pt-BR">
+                      <a:noFill/>
+                    </a:rPr>
+                    <a:t> </a:t>
+                  </a:r>
+                </a:p>
+              </p:txBody>
+            </p:sp>
+          </mc:Fallback>
+        </mc:AlternateContent>
+      </p:grpSp>
+    </p:spTree>
+    <p:extLst>
+      <p:ext uri="{BB962C8B-B14F-4D97-AF65-F5344CB8AC3E}">
+        <p14:creationId xmlns:p14="http://schemas.microsoft.com/office/powerpoint/2010/main" val="2986072489"/>
+      </p:ext>
+    </p:extLst>
+  </p:cSld>
+  <p:clrMapOvr>
+    <a:masterClrMapping/>
+  </p:clrMapOvr>
+</p:sld>
+</file>
+
+<file path=ppt/slides/slide14.xml><?xml version="1.0" encoding="utf-8"?>
+<p:sld xmlns:a="http://schemas.openxmlformats.org/drawingml/2006/main" xmlns:r="http://schemas.openxmlformats.org/officeDocument/2006/relationships" xmlns:p="http://schemas.openxmlformats.org/presentationml/2006/main">
+  <p:cSld>
+    <p:spTree>
+      <p:nvGrpSpPr>
+        <p:cNvPr id="1" name=""/>
+        <p:cNvGrpSpPr/>
+        <p:nvPr/>
+      </p:nvGrpSpPr>
+      <p:grpSpPr>
+        <a:xfrm>
+          <a:off x="0" y="0"/>
+          <a:ext cx="0" cy="0"/>
+          <a:chOff x="0" y="0"/>
+          <a:chExt cx="0" cy="0"/>
+        </a:xfrm>
+      </p:grpSpPr>
+      <p:sp>
+        <p:nvSpPr>
+          <p:cNvPr id="2" name="Título 1">
+            <a:extLst>
+              <a:ext uri="{FF2B5EF4-FFF2-40B4-BE49-F238E27FC236}">
+                <a16:creationId xmlns:a16="http://schemas.microsoft.com/office/drawing/2014/main" id="{86449F96-8B9C-8642-EE66-30B04CC16318}"/>
+              </a:ext>
+            </a:extLst>
+          </p:cNvPr>
+          <p:cNvSpPr>
+            <a:spLocks noGrp="1"/>
+          </p:cNvSpPr>
+          <p:nvPr>
+            <p:ph type="title"/>
+          </p:nvPr>
+        </p:nvSpPr>
+        <p:spPr/>
+        <p:txBody>
+          <a:bodyPr/>
+          <a:lstStyle/>
+          <a:p>
+            <a:r>
+              <a:rPr lang="pt-BR" dirty="0"/>
+              <a:t>Compilando a rede neural</a:t>
+            </a:r>
+          </a:p>
+        </p:txBody>
+      </p:sp>
+      <p:sp>
+        <p:nvSpPr>
+          <p:cNvPr id="3" name="Espaço Reservado para Conteúdo 2">
+            <a:extLst>
+              <a:ext uri="{FF2B5EF4-FFF2-40B4-BE49-F238E27FC236}">
+                <a16:creationId xmlns:a16="http://schemas.microsoft.com/office/drawing/2014/main" id="{5271C2DB-CB2D-7DA6-19D3-EA05C00F9996}"/>
+              </a:ext>
+            </a:extLst>
+          </p:cNvPr>
+          <p:cNvSpPr>
+            <a:spLocks noGrp="1"/>
+          </p:cNvSpPr>
+          <p:nvPr>
+            <p:ph idx="1"/>
+          </p:nvPr>
+        </p:nvSpPr>
+        <p:spPr>
+          <a:xfrm>
+            <a:off x="838200" y="4506686"/>
+            <a:ext cx="11234058" cy="2351313"/>
+          </a:xfrm>
+        </p:spPr>
+        <p:txBody>
+          <a:bodyPr>
+            <a:normAutofit/>
+          </a:bodyPr>
+          <a:lstStyle/>
+          <a:p>
+            <a:r>
+              <a:rPr lang="pt-BR" dirty="0"/>
+              <a:t>Depois de definido a modelo, o compilamos.</a:t>
+            </a:r>
+          </a:p>
+          <a:p>
+            <a:r>
+              <a:rPr lang="pt-BR" dirty="0"/>
+              <a:t>Ao compilarmos o modelo, devemos definir a </a:t>
+            </a:r>
+            <a:r>
+              <a:rPr lang="pt-BR" b="1" i="1" dirty="0"/>
+              <a:t>função de erro</a:t>
+            </a:r>
+            <a:r>
+              <a:rPr lang="pt-BR" dirty="0"/>
+              <a:t> e um </a:t>
+            </a:r>
+            <a:r>
+              <a:rPr lang="pt-BR" b="1" i="1" dirty="0"/>
+              <a:t>otimizador</a:t>
+            </a:r>
+            <a:r>
+              <a:rPr lang="pt-BR" dirty="0"/>
+              <a:t>.</a:t>
+            </a:r>
+          </a:p>
+        </p:txBody>
+      </p:sp>
+      <p:sp>
+        <p:nvSpPr>
+          <p:cNvPr id="4" name="CaixaDeTexto 3">
+            <a:extLst>
+              <a:ext uri="{FF2B5EF4-FFF2-40B4-BE49-F238E27FC236}">
+                <a16:creationId xmlns:a16="http://schemas.microsoft.com/office/drawing/2014/main" id="{08E0EBAF-B825-EC26-6D53-38BD78023702}"/>
+              </a:ext>
+            </a:extLst>
+          </p:cNvPr>
+          <p:cNvSpPr txBox="1"/>
+          <p:nvPr/>
+        </p:nvSpPr>
+        <p:spPr>
+          <a:xfrm>
+            <a:off x="2370364" y="1690688"/>
+            <a:ext cx="7451271" cy="2585323"/>
+          </a:xfrm>
+          <a:prstGeom prst="rect">
+            <a:avLst/>
+          </a:prstGeom>
+          <a:noFill/>
+        </p:spPr>
+        <p:txBody>
+          <a:bodyPr wrap="square">
+            <a:spAutoFit/>
+          </a:bodyPr>
+          <a:lstStyle/>
+          <a:p>
+            <a:r>
+              <a:rPr lang="en-US" dirty="0">
+                <a:solidFill>
+                  <a:srgbClr val="000000"/>
+                </a:solidFill>
+                <a:highlight>
+                  <a:srgbClr val="FFFFFF"/>
+                </a:highlight>
+              </a:rPr>
+              <a:t>x </a:t>
+            </a:r>
+            <a:r>
+              <a:rPr lang="en-US" b="1" dirty="0">
+                <a:solidFill>
+                  <a:srgbClr val="000080"/>
+                </a:solidFill>
+                <a:highlight>
+                  <a:srgbClr val="FFFFFF"/>
+                </a:highlight>
+              </a:rPr>
+              <a:t>=</a:t>
+            </a:r>
+            <a:r>
+              <a:rPr lang="en-US" b="0" dirty="0">
+                <a:solidFill>
+                  <a:srgbClr val="000000"/>
+                </a:solidFill>
+                <a:highlight>
+                  <a:srgbClr val="FFFFFF"/>
+                </a:highlight>
+              </a:rPr>
+              <a:t> </a:t>
+            </a:r>
+            <a:r>
+              <a:rPr lang="en-US" b="0" dirty="0" err="1">
+                <a:solidFill>
+                  <a:srgbClr val="000000"/>
+                </a:solidFill>
+                <a:highlight>
+                  <a:srgbClr val="FFFFFF"/>
+                </a:highlight>
+              </a:rPr>
+              <a:t>np</a:t>
+            </a:r>
+            <a:r>
+              <a:rPr lang="en-US" b="1" dirty="0" err="1">
+                <a:solidFill>
+                  <a:srgbClr val="000080"/>
+                </a:solidFill>
+                <a:highlight>
+                  <a:srgbClr val="FFFFFF"/>
+                </a:highlight>
+              </a:rPr>
+              <a:t>.</a:t>
+            </a:r>
+            <a:r>
+              <a:rPr lang="en-US" b="0" dirty="0" err="1">
+                <a:solidFill>
+                  <a:srgbClr val="000000"/>
+                </a:solidFill>
+                <a:highlight>
+                  <a:srgbClr val="FFFFFF"/>
+                </a:highlight>
+              </a:rPr>
+              <a:t>array</a:t>
+            </a:r>
+            <a:r>
+              <a:rPr lang="en-US" b="1" dirty="0">
+                <a:solidFill>
+                  <a:srgbClr val="000080"/>
+                </a:solidFill>
+                <a:highlight>
+                  <a:srgbClr val="FFFFFF"/>
+                </a:highlight>
+              </a:rPr>
+              <a:t>([-</a:t>
+            </a:r>
+            <a:r>
+              <a:rPr lang="en-US" b="0" dirty="0">
+                <a:solidFill>
+                  <a:srgbClr val="FF0000"/>
+                </a:solidFill>
+                <a:highlight>
+                  <a:srgbClr val="FFFFFF"/>
+                </a:highlight>
+              </a:rPr>
+              <a:t>1.0</a:t>
+            </a:r>
+            <a:r>
+              <a:rPr lang="en-US" b="1" dirty="0">
+                <a:solidFill>
+                  <a:srgbClr val="000080"/>
+                </a:solidFill>
+                <a:highlight>
+                  <a:srgbClr val="FFFFFF"/>
+                </a:highlight>
+              </a:rPr>
+              <a:t>,</a:t>
+            </a:r>
+            <a:r>
+              <a:rPr lang="en-US" b="0" dirty="0">
+                <a:solidFill>
+                  <a:srgbClr val="000000"/>
+                </a:solidFill>
+                <a:highlight>
+                  <a:srgbClr val="FFFFFF"/>
+                </a:highlight>
+              </a:rPr>
+              <a:t>  </a:t>
+            </a:r>
+            <a:r>
+              <a:rPr lang="en-US" b="0" dirty="0">
+                <a:solidFill>
+                  <a:srgbClr val="FF0000"/>
+                </a:solidFill>
+                <a:highlight>
+                  <a:srgbClr val="FFFFFF"/>
+                </a:highlight>
+              </a:rPr>
+              <a:t>0.0</a:t>
+            </a:r>
+            <a:r>
+              <a:rPr lang="en-US" b="1" dirty="0">
+                <a:solidFill>
+                  <a:srgbClr val="000080"/>
+                </a:solidFill>
+                <a:highlight>
+                  <a:srgbClr val="FFFFFF"/>
+                </a:highlight>
+              </a:rPr>
+              <a:t>,</a:t>
+            </a:r>
+            <a:r>
+              <a:rPr lang="en-US" b="0" dirty="0">
+                <a:solidFill>
+                  <a:srgbClr val="000000"/>
+                </a:solidFill>
+                <a:highlight>
+                  <a:srgbClr val="FFFFFF"/>
+                </a:highlight>
+              </a:rPr>
+              <a:t> </a:t>
+            </a:r>
+            <a:r>
+              <a:rPr lang="en-US" b="0" dirty="0">
+                <a:solidFill>
+                  <a:srgbClr val="FF0000"/>
+                </a:solidFill>
+                <a:highlight>
+                  <a:srgbClr val="FFFFFF"/>
+                </a:highlight>
+              </a:rPr>
+              <a:t>1.0</a:t>
+            </a:r>
+            <a:r>
+              <a:rPr lang="en-US" b="1" dirty="0">
+                <a:solidFill>
+                  <a:srgbClr val="000080"/>
+                </a:solidFill>
+                <a:highlight>
+                  <a:srgbClr val="FFFFFF"/>
+                </a:highlight>
+              </a:rPr>
+              <a:t>,</a:t>
+            </a:r>
+            <a:r>
+              <a:rPr lang="en-US" b="0" dirty="0">
+                <a:solidFill>
+                  <a:srgbClr val="000000"/>
+                </a:solidFill>
+                <a:highlight>
+                  <a:srgbClr val="FFFFFF"/>
+                </a:highlight>
+              </a:rPr>
+              <a:t> </a:t>
+            </a:r>
+            <a:r>
+              <a:rPr lang="en-US" b="0" dirty="0">
+                <a:solidFill>
+                  <a:srgbClr val="FF0000"/>
+                </a:solidFill>
+                <a:highlight>
+                  <a:srgbClr val="FFFFFF"/>
+                </a:highlight>
+              </a:rPr>
+              <a:t>2.0</a:t>
+            </a:r>
+            <a:r>
+              <a:rPr lang="en-US" b="1" dirty="0">
+                <a:solidFill>
+                  <a:srgbClr val="000080"/>
+                </a:solidFill>
+                <a:highlight>
+                  <a:srgbClr val="FFFFFF"/>
+                </a:highlight>
+              </a:rPr>
+              <a:t>,</a:t>
+            </a:r>
+            <a:r>
+              <a:rPr lang="en-US" b="0" dirty="0">
+                <a:solidFill>
+                  <a:srgbClr val="000000"/>
+                </a:solidFill>
+                <a:highlight>
+                  <a:srgbClr val="FFFFFF"/>
+                </a:highlight>
+              </a:rPr>
+              <a:t> </a:t>
+            </a:r>
+            <a:r>
+              <a:rPr lang="en-US" b="0" dirty="0">
+                <a:solidFill>
+                  <a:srgbClr val="FF0000"/>
+                </a:solidFill>
+                <a:highlight>
+                  <a:srgbClr val="FFFFFF"/>
+                </a:highlight>
+              </a:rPr>
+              <a:t>3.0</a:t>
+            </a:r>
+            <a:r>
+              <a:rPr lang="en-US" b="1" dirty="0">
+                <a:solidFill>
+                  <a:srgbClr val="000080"/>
+                </a:solidFill>
+                <a:highlight>
+                  <a:srgbClr val="FFFFFF"/>
+                </a:highlight>
+              </a:rPr>
+              <a:t>,</a:t>
+            </a:r>
+            <a:r>
+              <a:rPr lang="en-US" b="0" dirty="0">
+                <a:solidFill>
+                  <a:srgbClr val="000000"/>
+                </a:solidFill>
+                <a:highlight>
+                  <a:srgbClr val="FFFFFF"/>
+                </a:highlight>
+              </a:rPr>
+              <a:t> </a:t>
+            </a:r>
+            <a:r>
+              <a:rPr lang="en-US" b="0" dirty="0">
+                <a:solidFill>
+                  <a:srgbClr val="FF0000"/>
+                </a:solidFill>
+                <a:highlight>
+                  <a:srgbClr val="FFFFFF"/>
+                </a:highlight>
+              </a:rPr>
+              <a:t>4.0</a:t>
+            </a:r>
+            <a:r>
+              <a:rPr lang="en-US" b="1" dirty="0">
+                <a:solidFill>
+                  <a:srgbClr val="000080"/>
+                </a:solidFill>
+                <a:highlight>
+                  <a:srgbClr val="FFFFFF"/>
+                </a:highlight>
+              </a:rPr>
+              <a:t>])</a:t>
+            </a:r>
+            <a:r>
+              <a:rPr lang="en-US" b="0" dirty="0">
+                <a:solidFill>
+                  <a:srgbClr val="000000"/>
+                </a:solidFill>
+                <a:highlight>
+                  <a:srgbClr val="FFFFFF"/>
+                </a:highlight>
+              </a:rPr>
+              <a:t> </a:t>
+            </a:r>
+          </a:p>
+          <a:p>
+            <a:r>
+              <a:rPr lang="es-ES" b="0" dirty="0">
+                <a:solidFill>
+                  <a:srgbClr val="000000"/>
+                </a:solidFill>
+                <a:highlight>
+                  <a:srgbClr val="FFFFFF"/>
+                </a:highlight>
+              </a:rPr>
+              <a:t>y </a:t>
+            </a:r>
+            <a:r>
+              <a:rPr lang="es-ES" b="1" dirty="0">
+                <a:solidFill>
+                  <a:srgbClr val="000080"/>
+                </a:solidFill>
+                <a:highlight>
+                  <a:srgbClr val="FFFFFF"/>
+                </a:highlight>
+              </a:rPr>
+              <a:t>=</a:t>
+            </a:r>
+            <a:r>
+              <a:rPr lang="es-ES" b="0" dirty="0">
+                <a:solidFill>
+                  <a:srgbClr val="000000"/>
+                </a:solidFill>
+                <a:highlight>
+                  <a:srgbClr val="FFFFFF"/>
+                </a:highlight>
+              </a:rPr>
+              <a:t> </a:t>
+            </a:r>
+            <a:r>
+              <a:rPr lang="es-ES" b="0" dirty="0" err="1">
+                <a:solidFill>
+                  <a:srgbClr val="000000"/>
+                </a:solidFill>
+                <a:highlight>
+                  <a:srgbClr val="FFFFFF"/>
+                </a:highlight>
+              </a:rPr>
+              <a:t>np</a:t>
+            </a:r>
+            <a:r>
+              <a:rPr lang="es-ES" b="1" dirty="0" err="1">
+                <a:solidFill>
+                  <a:srgbClr val="000080"/>
+                </a:solidFill>
+                <a:highlight>
+                  <a:srgbClr val="FFFFFF"/>
+                </a:highlight>
+              </a:rPr>
+              <a:t>.</a:t>
+            </a:r>
+            <a:r>
+              <a:rPr lang="es-ES" b="0" dirty="0" err="1">
+                <a:solidFill>
+                  <a:srgbClr val="000000"/>
+                </a:solidFill>
+                <a:highlight>
+                  <a:srgbClr val="FFFFFF"/>
+                </a:highlight>
+              </a:rPr>
+              <a:t>array</a:t>
+            </a:r>
+            <a:r>
+              <a:rPr lang="es-ES" b="1" dirty="0">
+                <a:solidFill>
+                  <a:srgbClr val="000080"/>
+                </a:solidFill>
+                <a:highlight>
+                  <a:srgbClr val="FFFFFF"/>
+                </a:highlight>
+              </a:rPr>
+              <a:t>([-</a:t>
+            </a:r>
+            <a:r>
+              <a:rPr lang="es-ES" b="0" dirty="0">
+                <a:solidFill>
+                  <a:srgbClr val="FF0000"/>
+                </a:solidFill>
+                <a:highlight>
+                  <a:srgbClr val="FFFFFF"/>
+                </a:highlight>
+              </a:rPr>
+              <a:t>3.0</a:t>
+            </a:r>
+            <a:r>
+              <a:rPr lang="es-ES" b="1" dirty="0">
+                <a:solidFill>
+                  <a:srgbClr val="000080"/>
+                </a:solidFill>
+                <a:highlight>
+                  <a:srgbClr val="FFFFFF"/>
+                </a:highlight>
+              </a:rPr>
+              <a:t>,</a:t>
+            </a:r>
+            <a:r>
+              <a:rPr lang="es-ES" b="0" dirty="0">
+                <a:solidFill>
+                  <a:srgbClr val="000000"/>
+                </a:solidFill>
+                <a:highlight>
+                  <a:srgbClr val="FFFFFF"/>
+                </a:highlight>
+              </a:rPr>
+              <a:t> </a:t>
+            </a:r>
+            <a:r>
+              <a:rPr lang="es-ES" b="1" dirty="0">
+                <a:solidFill>
+                  <a:srgbClr val="000080"/>
+                </a:solidFill>
+                <a:highlight>
+                  <a:srgbClr val="FFFFFF"/>
+                </a:highlight>
+              </a:rPr>
+              <a:t>-</a:t>
+            </a:r>
+            <a:r>
+              <a:rPr lang="es-ES" b="0" dirty="0">
+                <a:solidFill>
+                  <a:srgbClr val="FF0000"/>
+                </a:solidFill>
+                <a:highlight>
+                  <a:srgbClr val="FFFFFF"/>
+                </a:highlight>
+              </a:rPr>
+              <a:t>1.0</a:t>
+            </a:r>
+            <a:r>
+              <a:rPr lang="es-ES" b="1" dirty="0">
+                <a:solidFill>
+                  <a:srgbClr val="000080"/>
+                </a:solidFill>
+                <a:highlight>
+                  <a:srgbClr val="FFFFFF"/>
+                </a:highlight>
+              </a:rPr>
+              <a:t>,</a:t>
+            </a:r>
+            <a:r>
+              <a:rPr lang="es-ES" b="0" dirty="0">
+                <a:solidFill>
+                  <a:srgbClr val="000000"/>
+                </a:solidFill>
+                <a:highlight>
+                  <a:srgbClr val="FFFFFF"/>
+                </a:highlight>
+              </a:rPr>
+              <a:t> </a:t>
+            </a:r>
+            <a:r>
+              <a:rPr lang="es-ES" b="0" dirty="0">
+                <a:solidFill>
+                  <a:srgbClr val="FF0000"/>
+                </a:solidFill>
+                <a:highlight>
+                  <a:srgbClr val="FFFFFF"/>
+                </a:highlight>
+              </a:rPr>
+              <a:t>1.0</a:t>
+            </a:r>
+            <a:r>
+              <a:rPr lang="es-ES" b="1" dirty="0">
+                <a:solidFill>
+                  <a:srgbClr val="000080"/>
+                </a:solidFill>
+                <a:highlight>
+                  <a:srgbClr val="FFFFFF"/>
+                </a:highlight>
+              </a:rPr>
+              <a:t>,</a:t>
+            </a:r>
+            <a:r>
+              <a:rPr lang="es-ES" b="0" dirty="0">
+                <a:solidFill>
+                  <a:srgbClr val="000000"/>
+                </a:solidFill>
+                <a:highlight>
+                  <a:srgbClr val="FFFFFF"/>
+                </a:highlight>
+              </a:rPr>
+              <a:t> </a:t>
+            </a:r>
+            <a:r>
+              <a:rPr lang="es-ES" b="0" dirty="0">
+                <a:solidFill>
+                  <a:srgbClr val="FF0000"/>
+                </a:solidFill>
+                <a:highlight>
+                  <a:srgbClr val="FFFFFF"/>
+                </a:highlight>
+              </a:rPr>
+              <a:t>3.0</a:t>
+            </a:r>
+            <a:r>
+              <a:rPr lang="es-ES" b="1" dirty="0">
+                <a:solidFill>
+                  <a:srgbClr val="000080"/>
+                </a:solidFill>
+                <a:highlight>
+                  <a:srgbClr val="FFFFFF"/>
+                </a:highlight>
+              </a:rPr>
+              <a:t>,</a:t>
+            </a:r>
+            <a:r>
+              <a:rPr lang="es-ES" b="0" dirty="0">
+                <a:solidFill>
+                  <a:srgbClr val="000000"/>
+                </a:solidFill>
+                <a:highlight>
+                  <a:srgbClr val="FFFFFF"/>
+                </a:highlight>
+              </a:rPr>
+              <a:t> </a:t>
+            </a:r>
+            <a:r>
+              <a:rPr lang="es-ES" b="0" dirty="0">
+                <a:solidFill>
+                  <a:srgbClr val="FF0000"/>
+                </a:solidFill>
+                <a:highlight>
+                  <a:srgbClr val="FFFFFF"/>
+                </a:highlight>
+              </a:rPr>
+              <a:t>5.0</a:t>
+            </a:r>
+            <a:r>
+              <a:rPr lang="es-ES" b="1" dirty="0">
+                <a:solidFill>
+                  <a:srgbClr val="000080"/>
+                </a:solidFill>
+                <a:highlight>
+                  <a:srgbClr val="FFFFFF"/>
+                </a:highlight>
+              </a:rPr>
+              <a:t>,</a:t>
+            </a:r>
+            <a:r>
+              <a:rPr lang="es-ES" b="0" dirty="0">
+                <a:solidFill>
+                  <a:srgbClr val="000000"/>
+                </a:solidFill>
+                <a:highlight>
+                  <a:srgbClr val="FFFFFF"/>
+                </a:highlight>
+              </a:rPr>
+              <a:t> </a:t>
+            </a:r>
+            <a:r>
+              <a:rPr lang="es-ES" b="0" dirty="0">
+                <a:solidFill>
+                  <a:srgbClr val="FF0000"/>
+                </a:solidFill>
+                <a:highlight>
+                  <a:srgbClr val="FFFFFF"/>
+                </a:highlight>
+              </a:rPr>
+              <a:t>7.0</a:t>
+            </a:r>
+            <a:r>
+              <a:rPr lang="es-ES" b="1" dirty="0">
+                <a:solidFill>
+                  <a:srgbClr val="000080"/>
+                </a:solidFill>
+                <a:highlight>
+                  <a:srgbClr val="FFFFFF"/>
+                </a:highlight>
+              </a:rPr>
+              <a:t>])</a:t>
+            </a:r>
+            <a:endParaRPr lang="es-ES" b="0" dirty="0">
+              <a:solidFill>
+                <a:srgbClr val="000000"/>
+              </a:solidFill>
+              <a:highlight>
+                <a:srgbClr val="FFFFFF"/>
+              </a:highlight>
+            </a:endParaRPr>
+          </a:p>
+          <a:p>
+            <a:endParaRPr lang="pt-BR" b="0" dirty="0">
+              <a:solidFill>
+                <a:srgbClr val="000000"/>
+              </a:solidFill>
+              <a:highlight>
+                <a:srgbClr val="FFFFFF"/>
+              </a:highlight>
+            </a:endParaRPr>
+          </a:p>
+          <a:p>
+            <a:r>
+              <a:rPr lang="pt-BR" b="0" dirty="0">
+                <a:solidFill>
+                  <a:srgbClr val="000000"/>
+                </a:solidFill>
+                <a:highlight>
+                  <a:srgbClr val="FFFFFF"/>
+                </a:highlight>
+              </a:rPr>
+              <a:t>model </a:t>
+            </a:r>
+            <a:r>
+              <a:rPr lang="pt-BR" b="1" dirty="0">
+                <a:solidFill>
+                  <a:srgbClr val="000080"/>
+                </a:solidFill>
+                <a:highlight>
+                  <a:srgbClr val="FFFFFF"/>
+                </a:highlight>
+              </a:rPr>
+              <a:t>=</a:t>
+            </a:r>
+            <a:r>
+              <a:rPr lang="pt-BR" b="0" dirty="0">
+                <a:solidFill>
+                  <a:srgbClr val="000000"/>
+                </a:solidFill>
+                <a:highlight>
+                  <a:srgbClr val="FFFFFF"/>
+                </a:highlight>
+              </a:rPr>
+              <a:t> </a:t>
+            </a:r>
+            <a:r>
+              <a:rPr lang="pt-BR" b="0" dirty="0" err="1">
+                <a:solidFill>
+                  <a:srgbClr val="000000"/>
+                </a:solidFill>
+                <a:highlight>
+                  <a:srgbClr val="FFFFFF"/>
+                </a:highlight>
+              </a:rPr>
+              <a:t>tf</a:t>
+            </a:r>
+            <a:r>
+              <a:rPr lang="pt-BR" b="1" dirty="0" err="1">
+                <a:solidFill>
+                  <a:srgbClr val="000080"/>
+                </a:solidFill>
+                <a:highlight>
+                  <a:srgbClr val="FFFFFF"/>
+                </a:highlight>
+              </a:rPr>
+              <a:t>.</a:t>
+            </a:r>
+            <a:r>
+              <a:rPr lang="pt-BR" b="0" dirty="0" err="1">
+                <a:solidFill>
+                  <a:srgbClr val="000000"/>
+                </a:solidFill>
+                <a:highlight>
+                  <a:srgbClr val="FFFFFF"/>
+                </a:highlight>
+              </a:rPr>
+              <a:t>keras</a:t>
+            </a:r>
+            <a:r>
+              <a:rPr lang="pt-BR" b="1" dirty="0" err="1">
+                <a:solidFill>
+                  <a:srgbClr val="000080"/>
+                </a:solidFill>
+                <a:highlight>
+                  <a:srgbClr val="FFFFFF"/>
+                </a:highlight>
+              </a:rPr>
+              <a:t>.</a:t>
+            </a:r>
+            <a:r>
+              <a:rPr lang="pt-BR" b="0" dirty="0" err="1">
+                <a:solidFill>
+                  <a:srgbClr val="000000"/>
+                </a:solidFill>
+                <a:highlight>
+                  <a:srgbClr val="FFFFFF"/>
+                </a:highlight>
+              </a:rPr>
+              <a:t>Sequential</a:t>
+            </a:r>
+            <a:r>
+              <a:rPr lang="pt-BR" b="1" dirty="0">
+                <a:solidFill>
+                  <a:srgbClr val="000080"/>
+                </a:solidFill>
+                <a:highlight>
+                  <a:srgbClr val="FFFFFF"/>
+                </a:highlight>
+              </a:rPr>
+              <a:t>([</a:t>
+            </a:r>
+            <a:r>
+              <a:rPr lang="pt-BR" b="0" dirty="0" err="1">
+                <a:solidFill>
+                  <a:srgbClr val="000000"/>
+                </a:solidFill>
+                <a:highlight>
+                  <a:srgbClr val="FFFFFF"/>
+                </a:highlight>
+              </a:rPr>
+              <a:t>tf</a:t>
+            </a:r>
+            <a:r>
+              <a:rPr lang="pt-BR" b="1" dirty="0" err="1">
+                <a:solidFill>
+                  <a:srgbClr val="000080"/>
+                </a:solidFill>
+                <a:highlight>
+                  <a:srgbClr val="FFFFFF"/>
+                </a:highlight>
+              </a:rPr>
+              <a:t>.</a:t>
+            </a:r>
+            <a:r>
+              <a:rPr lang="pt-BR" b="0" dirty="0" err="1">
+                <a:solidFill>
+                  <a:srgbClr val="000000"/>
+                </a:solidFill>
+                <a:highlight>
+                  <a:srgbClr val="FFFFFF"/>
+                </a:highlight>
+              </a:rPr>
+              <a:t>keras</a:t>
+            </a:r>
+            <a:r>
+              <a:rPr lang="pt-BR" b="1" dirty="0" err="1">
+                <a:solidFill>
+                  <a:srgbClr val="000080"/>
+                </a:solidFill>
+                <a:highlight>
+                  <a:srgbClr val="FFFFFF"/>
+                </a:highlight>
+              </a:rPr>
+              <a:t>.</a:t>
+            </a:r>
+            <a:r>
+              <a:rPr lang="pt-BR" b="0" dirty="0" err="1">
+                <a:solidFill>
+                  <a:srgbClr val="000000"/>
+                </a:solidFill>
+                <a:highlight>
+                  <a:srgbClr val="FFFFFF"/>
+                </a:highlight>
+              </a:rPr>
+              <a:t>layers</a:t>
+            </a:r>
+            <a:r>
+              <a:rPr lang="pt-BR" b="1" dirty="0" err="1">
+                <a:solidFill>
+                  <a:srgbClr val="000080"/>
+                </a:solidFill>
+                <a:highlight>
+                  <a:srgbClr val="FFFFFF"/>
+                </a:highlight>
+              </a:rPr>
+              <a:t>.</a:t>
+            </a:r>
+            <a:r>
+              <a:rPr lang="pt-BR" b="0" dirty="0" err="1">
+                <a:solidFill>
+                  <a:srgbClr val="000000"/>
+                </a:solidFill>
+                <a:highlight>
+                  <a:srgbClr val="FFFFFF"/>
+                </a:highlight>
+              </a:rPr>
+              <a:t>Dense</a:t>
+            </a:r>
+            <a:r>
+              <a:rPr lang="pt-BR" b="1" dirty="0">
+                <a:solidFill>
+                  <a:srgbClr val="000080"/>
+                </a:solidFill>
+                <a:highlight>
+                  <a:srgbClr val="FFFFFF"/>
+                </a:highlight>
+              </a:rPr>
+              <a:t>(</a:t>
+            </a:r>
+            <a:r>
+              <a:rPr lang="pt-BR" b="0" dirty="0" err="1">
+                <a:solidFill>
+                  <a:srgbClr val="000000"/>
+                </a:solidFill>
+                <a:highlight>
+                  <a:srgbClr val="FFFFFF"/>
+                </a:highlight>
+              </a:rPr>
+              <a:t>units</a:t>
+            </a:r>
+            <a:r>
+              <a:rPr lang="pt-BR" b="1" dirty="0">
+                <a:solidFill>
+                  <a:srgbClr val="000080"/>
+                </a:solidFill>
+                <a:highlight>
+                  <a:srgbClr val="FFFFFF"/>
+                </a:highlight>
+              </a:rPr>
+              <a:t>=</a:t>
+            </a:r>
+            <a:r>
+              <a:rPr lang="pt-BR" b="0" dirty="0">
+                <a:solidFill>
+                  <a:srgbClr val="FF0000"/>
+                </a:solidFill>
+                <a:highlight>
+                  <a:srgbClr val="FFFFFF"/>
+                </a:highlight>
+              </a:rPr>
+              <a:t>1</a:t>
+            </a:r>
+            <a:r>
+              <a:rPr lang="pt-BR" b="1" dirty="0">
+                <a:solidFill>
+                  <a:srgbClr val="000080"/>
+                </a:solidFill>
+                <a:highlight>
+                  <a:srgbClr val="FFFFFF"/>
+                </a:highlight>
+              </a:rPr>
+              <a:t>,</a:t>
+            </a:r>
+            <a:r>
+              <a:rPr lang="pt-BR" b="0" dirty="0">
+                <a:solidFill>
+                  <a:srgbClr val="000000"/>
+                </a:solidFill>
+                <a:highlight>
+                  <a:srgbClr val="FFFFFF"/>
+                </a:highlight>
+              </a:rPr>
+              <a:t> </a:t>
+            </a:r>
+            <a:r>
+              <a:rPr lang="pt-BR" b="0" dirty="0" err="1">
+                <a:solidFill>
+                  <a:srgbClr val="000000"/>
+                </a:solidFill>
+                <a:highlight>
+                  <a:srgbClr val="FFFFFF"/>
+                </a:highlight>
+              </a:rPr>
+              <a:t>input_shape</a:t>
+            </a:r>
+            <a:r>
+              <a:rPr lang="pt-BR" b="1" dirty="0">
+                <a:solidFill>
+                  <a:srgbClr val="000080"/>
+                </a:solidFill>
+                <a:highlight>
+                  <a:srgbClr val="FFFFFF"/>
+                </a:highlight>
+              </a:rPr>
+              <a:t>=[</a:t>
+            </a:r>
+            <a:r>
+              <a:rPr lang="pt-BR" b="0" dirty="0">
+                <a:solidFill>
+                  <a:srgbClr val="FF0000"/>
+                </a:solidFill>
+                <a:highlight>
+                  <a:srgbClr val="FFFFFF"/>
+                </a:highlight>
+              </a:rPr>
+              <a:t>1</a:t>
+            </a:r>
+            <a:r>
+              <a:rPr lang="pt-BR" b="1" dirty="0">
+                <a:solidFill>
+                  <a:srgbClr val="000080"/>
+                </a:solidFill>
+                <a:highlight>
+                  <a:srgbClr val="FFFFFF"/>
+                </a:highlight>
+              </a:rPr>
+              <a:t>])])</a:t>
+            </a:r>
+            <a:endParaRPr lang="pt-BR" b="0" dirty="0">
+              <a:solidFill>
+                <a:srgbClr val="000000"/>
+              </a:solidFill>
+              <a:highlight>
+                <a:srgbClr val="FFFFFF"/>
+              </a:highlight>
+            </a:endParaRPr>
+          </a:p>
+          <a:p>
+            <a:r>
+              <a:rPr lang="en-US" b="0" dirty="0" err="1">
+                <a:solidFill>
+                  <a:srgbClr val="000000"/>
+                </a:solidFill>
+                <a:highlight>
+                  <a:srgbClr val="FFFFFF"/>
+                </a:highlight>
+              </a:rPr>
+              <a:t>model</a:t>
+            </a:r>
+            <a:r>
+              <a:rPr lang="en-US" b="1" dirty="0" err="1">
+                <a:solidFill>
+                  <a:srgbClr val="000080"/>
+                </a:solidFill>
+                <a:highlight>
+                  <a:srgbClr val="FFFFFF"/>
+                </a:highlight>
+              </a:rPr>
+              <a:t>.</a:t>
+            </a:r>
+            <a:r>
+              <a:rPr lang="en-US" b="1" dirty="0" err="1">
+                <a:solidFill>
+                  <a:srgbClr val="880088"/>
+                </a:solidFill>
+                <a:highlight>
+                  <a:srgbClr val="FFFFFF"/>
+                </a:highlight>
+              </a:rPr>
+              <a:t>compile</a:t>
+            </a:r>
+            <a:r>
+              <a:rPr lang="en-US" b="1" dirty="0">
+                <a:solidFill>
+                  <a:srgbClr val="000080"/>
+                </a:solidFill>
+                <a:highlight>
+                  <a:srgbClr val="FFFFFF"/>
+                </a:highlight>
+              </a:rPr>
+              <a:t>(</a:t>
+            </a:r>
+            <a:r>
+              <a:rPr lang="en-US" b="0" dirty="0">
+                <a:solidFill>
+                  <a:srgbClr val="000000"/>
+                </a:solidFill>
+                <a:highlight>
+                  <a:srgbClr val="FFFFFF"/>
+                </a:highlight>
+              </a:rPr>
+              <a:t>optimizer</a:t>
+            </a:r>
+            <a:r>
+              <a:rPr lang="en-US" b="1" dirty="0">
+                <a:solidFill>
+                  <a:srgbClr val="000080"/>
+                </a:solidFill>
+                <a:highlight>
+                  <a:srgbClr val="FFFFFF"/>
+                </a:highlight>
+              </a:rPr>
+              <a:t>=</a:t>
+            </a:r>
+            <a:r>
+              <a:rPr lang="en-US" b="0" dirty="0">
+                <a:solidFill>
+                  <a:srgbClr val="808080"/>
+                </a:solidFill>
+                <a:highlight>
+                  <a:srgbClr val="FFFFFF"/>
+                </a:highlight>
+              </a:rPr>
+              <a:t>'</a:t>
+            </a:r>
+            <a:r>
+              <a:rPr lang="en-US" b="0" dirty="0" err="1">
+                <a:solidFill>
+                  <a:srgbClr val="808080"/>
+                </a:solidFill>
+                <a:highlight>
+                  <a:srgbClr val="FFFFFF"/>
+                </a:highlight>
+              </a:rPr>
+              <a:t>sgd</a:t>
+            </a:r>
+            <a:r>
+              <a:rPr lang="en-US" b="0" dirty="0">
+                <a:solidFill>
+                  <a:srgbClr val="808080"/>
+                </a:solidFill>
+                <a:highlight>
+                  <a:srgbClr val="FFFFFF"/>
+                </a:highlight>
+              </a:rPr>
+              <a:t>'</a:t>
+            </a:r>
+            <a:r>
+              <a:rPr lang="en-US" b="1" dirty="0">
+                <a:solidFill>
+                  <a:srgbClr val="000080"/>
+                </a:solidFill>
+                <a:highlight>
+                  <a:srgbClr val="FFFFFF"/>
+                </a:highlight>
+              </a:rPr>
+              <a:t>,</a:t>
+            </a:r>
+            <a:r>
+              <a:rPr lang="en-US" b="0" dirty="0">
+                <a:solidFill>
+                  <a:srgbClr val="000000"/>
+                </a:solidFill>
+                <a:highlight>
+                  <a:srgbClr val="FFFFFF"/>
+                </a:highlight>
+              </a:rPr>
+              <a:t> loss</a:t>
+            </a:r>
+            <a:r>
+              <a:rPr lang="en-US" b="1" dirty="0">
+                <a:solidFill>
+                  <a:srgbClr val="000080"/>
+                </a:solidFill>
+                <a:highlight>
+                  <a:srgbClr val="FFFFFF"/>
+                </a:highlight>
+              </a:rPr>
+              <a:t>=</a:t>
+            </a:r>
+            <a:r>
+              <a:rPr lang="en-US" b="0" dirty="0">
+                <a:solidFill>
+                  <a:srgbClr val="808080"/>
+                </a:solidFill>
+                <a:highlight>
+                  <a:srgbClr val="FFFFFF"/>
+                </a:highlight>
+              </a:rPr>
+              <a:t>'</a:t>
+            </a:r>
+            <a:r>
+              <a:rPr lang="en-US" b="0" dirty="0" err="1">
+                <a:solidFill>
+                  <a:srgbClr val="808080"/>
+                </a:solidFill>
+                <a:highlight>
+                  <a:srgbClr val="FFFFFF"/>
+                </a:highlight>
+              </a:rPr>
+              <a:t>mean_squared_error</a:t>
+            </a:r>
+            <a:r>
+              <a:rPr lang="en-US" b="0" dirty="0">
+                <a:solidFill>
+                  <a:srgbClr val="808080"/>
+                </a:solidFill>
+                <a:highlight>
+                  <a:srgbClr val="FFFFFF"/>
+                </a:highlight>
+              </a:rPr>
+              <a:t>’</a:t>
+            </a:r>
+            <a:r>
+              <a:rPr lang="en-US" b="1" dirty="0">
+                <a:solidFill>
+                  <a:srgbClr val="000080"/>
+                </a:solidFill>
+                <a:highlight>
+                  <a:srgbClr val="FFFFFF"/>
+                </a:highlight>
+              </a:rPr>
+              <a:t>)</a:t>
+            </a:r>
+            <a:endParaRPr lang="en-US" b="0" dirty="0">
+              <a:solidFill>
+                <a:srgbClr val="000000"/>
+              </a:solidFill>
+              <a:highlight>
+                <a:srgbClr val="FFFFFF"/>
+              </a:highlight>
+            </a:endParaRPr>
+          </a:p>
+          <a:p>
+            <a:endParaRPr lang="pt-BR" b="0" dirty="0">
+              <a:solidFill>
+                <a:srgbClr val="000000"/>
+              </a:solidFill>
+              <a:highlight>
+                <a:srgbClr val="FFFFFF"/>
+              </a:highlight>
+            </a:endParaRPr>
+          </a:p>
+          <a:p>
+            <a:r>
+              <a:rPr lang="es-ES" b="0" dirty="0" err="1">
+                <a:solidFill>
+                  <a:srgbClr val="000000"/>
+                </a:solidFill>
+                <a:highlight>
+                  <a:srgbClr val="FFFFFF"/>
+                </a:highlight>
+              </a:rPr>
+              <a:t>history</a:t>
+            </a:r>
+            <a:r>
+              <a:rPr lang="es-ES" b="0" dirty="0">
+                <a:solidFill>
+                  <a:srgbClr val="000000"/>
+                </a:solidFill>
+                <a:highlight>
+                  <a:srgbClr val="FFFFFF"/>
+                </a:highlight>
+              </a:rPr>
+              <a:t> = </a:t>
+            </a:r>
+            <a:r>
+              <a:rPr lang="es-ES" b="0" dirty="0" err="1">
+                <a:solidFill>
+                  <a:srgbClr val="000000"/>
+                </a:solidFill>
+                <a:highlight>
+                  <a:srgbClr val="FFFFFF"/>
+                </a:highlight>
+              </a:rPr>
+              <a:t>model</a:t>
+            </a:r>
+            <a:r>
+              <a:rPr lang="es-ES" b="1" dirty="0" err="1">
+                <a:solidFill>
+                  <a:srgbClr val="000080"/>
+                </a:solidFill>
+                <a:highlight>
+                  <a:srgbClr val="FFFFFF"/>
+                </a:highlight>
+              </a:rPr>
+              <a:t>.</a:t>
+            </a:r>
+            <a:r>
+              <a:rPr lang="es-ES" b="0" dirty="0" err="1">
+                <a:solidFill>
+                  <a:srgbClr val="000000"/>
+                </a:solidFill>
+                <a:highlight>
+                  <a:srgbClr val="FFFFFF"/>
+                </a:highlight>
+              </a:rPr>
+              <a:t>fit</a:t>
+            </a:r>
+            <a:r>
+              <a:rPr lang="es-ES" b="1" dirty="0">
+                <a:solidFill>
+                  <a:srgbClr val="000080"/>
+                </a:solidFill>
+                <a:highlight>
+                  <a:srgbClr val="FFFFFF"/>
+                </a:highlight>
+              </a:rPr>
+              <a:t>(</a:t>
+            </a:r>
+            <a:r>
+              <a:rPr lang="es-ES" b="0" dirty="0">
+                <a:solidFill>
+                  <a:srgbClr val="000000"/>
+                </a:solidFill>
+                <a:highlight>
+                  <a:srgbClr val="FFFFFF"/>
+                </a:highlight>
+              </a:rPr>
+              <a:t>x</a:t>
+            </a:r>
+            <a:r>
+              <a:rPr lang="es-ES" b="1" dirty="0">
+                <a:solidFill>
+                  <a:srgbClr val="000080"/>
+                </a:solidFill>
+                <a:highlight>
+                  <a:srgbClr val="FFFFFF"/>
+                </a:highlight>
+              </a:rPr>
+              <a:t>,</a:t>
+            </a:r>
+            <a:r>
+              <a:rPr lang="es-ES" b="0" dirty="0">
+                <a:solidFill>
+                  <a:srgbClr val="000000"/>
+                </a:solidFill>
+                <a:highlight>
+                  <a:srgbClr val="FFFFFF"/>
+                </a:highlight>
+              </a:rPr>
+              <a:t> y</a:t>
+            </a:r>
+            <a:r>
+              <a:rPr lang="es-ES" b="1" dirty="0">
+                <a:solidFill>
+                  <a:srgbClr val="000080"/>
+                </a:solidFill>
+                <a:highlight>
+                  <a:srgbClr val="FFFFFF"/>
+                </a:highlight>
+              </a:rPr>
+              <a:t>,</a:t>
+            </a:r>
+            <a:r>
+              <a:rPr lang="es-ES" b="0" dirty="0">
+                <a:solidFill>
+                  <a:srgbClr val="000000"/>
+                </a:solidFill>
+                <a:highlight>
+                  <a:srgbClr val="FFFFFF"/>
+                </a:highlight>
+              </a:rPr>
+              <a:t> </a:t>
+            </a:r>
+            <a:r>
+              <a:rPr lang="es-ES" b="0" dirty="0" err="1">
+                <a:solidFill>
+                  <a:srgbClr val="000000"/>
+                </a:solidFill>
+                <a:highlight>
+                  <a:srgbClr val="FFFFFF"/>
+                </a:highlight>
+              </a:rPr>
+              <a:t>epochs</a:t>
+            </a:r>
+            <a:r>
+              <a:rPr lang="es-ES" b="1" dirty="0">
+                <a:solidFill>
+                  <a:srgbClr val="000080"/>
+                </a:solidFill>
+                <a:highlight>
+                  <a:srgbClr val="FFFFFF"/>
+                </a:highlight>
+              </a:rPr>
+              <a:t>=</a:t>
+            </a:r>
+            <a:r>
+              <a:rPr lang="es-ES" b="0" dirty="0">
+                <a:solidFill>
+                  <a:srgbClr val="FF0000"/>
+                </a:solidFill>
+                <a:highlight>
+                  <a:srgbClr val="FFFFFF"/>
+                </a:highlight>
+              </a:rPr>
+              <a:t>500</a:t>
+            </a:r>
+            <a:r>
+              <a:rPr lang="es-ES" b="1" dirty="0">
+                <a:solidFill>
+                  <a:srgbClr val="000080"/>
+                </a:solidFill>
+                <a:highlight>
+                  <a:srgbClr val="FFFFFF"/>
+                </a:highlight>
+              </a:rPr>
+              <a:t>)</a:t>
+            </a:r>
+            <a:endParaRPr lang="es-ES" b="0" dirty="0">
+              <a:solidFill>
+                <a:srgbClr val="000000"/>
+              </a:solidFill>
+              <a:highlight>
+                <a:srgbClr val="FFFFFF"/>
+              </a:highlight>
+            </a:endParaRPr>
+          </a:p>
+          <a:p>
+            <a:endParaRPr lang="pt-BR" b="0" dirty="0">
+              <a:solidFill>
+                <a:srgbClr val="000000"/>
+              </a:solidFill>
+              <a:highlight>
+                <a:srgbClr val="FFFFFF"/>
+              </a:highlight>
+            </a:endParaRPr>
+          </a:p>
+          <a:p>
+            <a:r>
+              <a:rPr lang="pt-BR" b="1" dirty="0">
+                <a:solidFill>
+                  <a:srgbClr val="880088"/>
+                </a:solidFill>
+                <a:highlight>
+                  <a:srgbClr val="FFFFFF"/>
+                </a:highlight>
+              </a:rPr>
+              <a:t>print</a:t>
+            </a:r>
+            <a:r>
+              <a:rPr lang="pt-BR" b="1" dirty="0">
+                <a:solidFill>
+                  <a:srgbClr val="000080"/>
+                </a:solidFill>
+                <a:highlight>
+                  <a:srgbClr val="FFFFFF"/>
+                </a:highlight>
+              </a:rPr>
+              <a:t>(</a:t>
+            </a:r>
+            <a:r>
+              <a:rPr lang="pt-BR" b="0" dirty="0" err="1">
+                <a:solidFill>
+                  <a:srgbClr val="000000"/>
+                </a:solidFill>
+                <a:highlight>
+                  <a:srgbClr val="FFFFFF"/>
+                </a:highlight>
+              </a:rPr>
+              <a:t>model</a:t>
+            </a:r>
+            <a:r>
+              <a:rPr lang="pt-BR" b="1" dirty="0" err="1">
+                <a:solidFill>
+                  <a:srgbClr val="000080"/>
+                </a:solidFill>
+                <a:highlight>
+                  <a:srgbClr val="FFFFFF"/>
+                </a:highlight>
+              </a:rPr>
+              <a:t>.</a:t>
+            </a:r>
+            <a:r>
+              <a:rPr lang="pt-BR" b="0" dirty="0" err="1">
+                <a:solidFill>
+                  <a:srgbClr val="000000"/>
+                </a:solidFill>
+                <a:highlight>
+                  <a:srgbClr val="FFFFFF"/>
+                </a:highlight>
+              </a:rPr>
+              <a:t>predict</a:t>
+            </a:r>
+            <a:r>
+              <a:rPr lang="pt-BR" b="1" dirty="0">
+                <a:solidFill>
+                  <a:srgbClr val="000080"/>
+                </a:solidFill>
+                <a:highlight>
+                  <a:srgbClr val="FFFFFF"/>
+                </a:highlight>
+              </a:rPr>
+              <a:t>([</a:t>
+            </a:r>
+            <a:r>
+              <a:rPr lang="pt-BR" b="0" dirty="0">
+                <a:solidFill>
+                  <a:srgbClr val="FF0000"/>
+                </a:solidFill>
+                <a:highlight>
+                  <a:srgbClr val="FFFFFF"/>
+                </a:highlight>
+              </a:rPr>
+              <a:t>10.0</a:t>
+            </a:r>
+            <a:r>
+              <a:rPr lang="pt-BR" b="1" dirty="0">
+                <a:solidFill>
+                  <a:srgbClr val="000080"/>
+                </a:solidFill>
+                <a:highlight>
+                  <a:srgbClr val="FFFFFF"/>
+                </a:highlight>
+              </a:rPr>
+              <a:t>]))</a:t>
+            </a:r>
+            <a:endParaRPr lang="pt-BR" dirty="0"/>
+          </a:p>
+        </p:txBody>
+      </p:sp>
+      <p:sp>
+        <p:nvSpPr>
+          <p:cNvPr id="5" name="Retângulo 4">
+            <a:extLst>
+              <a:ext uri="{FF2B5EF4-FFF2-40B4-BE49-F238E27FC236}">
+                <a16:creationId xmlns:a16="http://schemas.microsoft.com/office/drawing/2014/main" id="{CFCDC870-11DD-7CC0-39D2-F418F4A8AD28}"/>
+              </a:ext>
+            </a:extLst>
+          </p:cNvPr>
+          <p:cNvSpPr/>
+          <p:nvPr/>
+        </p:nvSpPr>
+        <p:spPr>
+          <a:xfrm>
+            <a:off x="2370365" y="2819398"/>
+            <a:ext cx="5859236" cy="323493"/>
+          </a:xfrm>
+          <a:prstGeom prst="rect">
+            <a:avLst/>
+          </a:prstGeom>
+          <a:noFill/>
+          <a:ln w="28575">
+            <a:solidFill>
+              <a:srgbClr val="FF0000"/>
+            </a:solidFill>
+          </a:ln>
+        </p:spPr>
+        <p:style>
+          <a:lnRef idx="2">
+            <a:schemeClr val="accent1">
+              <a:shade val="15000"/>
+            </a:schemeClr>
+          </a:lnRef>
+          <a:fillRef idx="1">
+            <a:schemeClr val="accent1"/>
+          </a:fillRef>
+          <a:effectRef idx="0">
+            <a:schemeClr val="accent1"/>
+          </a:effectRef>
+          <a:fontRef idx="minor">
+            <a:schemeClr val="lt1"/>
+          </a:fontRef>
+        </p:style>
+        <p:txBody>
+          <a:bodyPr rtlCol="0" anchor="ctr"/>
+          <a:lstStyle/>
+          <a:p>
+            <a:pPr algn="ctr"/>
+            <a:endParaRPr lang="pt-BR"/>
+          </a:p>
+        </p:txBody>
+      </p:sp>
+    </p:spTree>
+    <p:extLst>
+      <p:ext uri="{BB962C8B-B14F-4D97-AF65-F5344CB8AC3E}">
+        <p14:creationId xmlns:p14="http://schemas.microsoft.com/office/powerpoint/2010/main" val="4279372431"/>
+      </p:ext>
+    </p:extLst>
+  </p:cSld>
+  <p:clrMapOvr>
+    <a:masterClrMapping/>
+  </p:clrMapOvr>
+</p:sld>
+</file>
+
+<file path=ppt/slides/slide15.xml><?xml version="1.0" encoding="utf-8"?>
+<p:sld xmlns:a="http://schemas.openxmlformats.org/drawingml/2006/main" xmlns:r="http://schemas.openxmlformats.org/officeDocument/2006/relationships" xmlns:p="http://schemas.openxmlformats.org/presentationml/2006/main">
+  <p:cSld>
+    <p:spTree>
+      <p:nvGrpSpPr>
+        <p:cNvPr id="1" name=""/>
+        <p:cNvGrpSpPr/>
+        <p:nvPr/>
+      </p:nvGrpSpPr>
+      <p:grpSpPr>
+        <a:xfrm>
+          <a:off x="0" y="0"/>
+          <a:ext cx="0" cy="0"/>
+          <a:chOff x="0" y="0"/>
+          <a:chExt cx="0" cy="0"/>
+        </a:xfrm>
+      </p:grpSpPr>
+      <p:sp>
+        <p:nvSpPr>
+          <p:cNvPr id="2" name="Título 1">
+            <a:extLst>
+              <a:ext uri="{FF2B5EF4-FFF2-40B4-BE49-F238E27FC236}">
                 <a16:creationId xmlns:a16="http://schemas.microsoft.com/office/drawing/2014/main" id="{2755BD9F-A5F9-C006-2D60-3988AFB742AA}"/>
               </a:ext>
             </a:extLst>
@@ -4562,7 +11639,7 @@
 </p:sld>
 </file>
 
-<file path=ppt/slides/slide11.xml><?xml version="1.0" encoding="utf-8"?>
+<file path=ppt/slides/slide16.xml><?xml version="1.0" encoding="utf-8"?>
 <p:sld xmlns:a="http://schemas.openxmlformats.org/drawingml/2006/main" xmlns:r="http://schemas.openxmlformats.org/officeDocument/2006/relationships" xmlns:p="http://schemas.openxmlformats.org/presentationml/2006/main">
   <p:cSld>
     <p:spTree>
@@ -4648,7 +11725,7 @@
 </p:sld>
 </file>
 
-<file path=ppt/slides/slide12.xml><?xml version="1.0" encoding="utf-8"?>
+<file path=ppt/slides/slide17.xml><?xml version="1.0" encoding="utf-8"?>
 <p:sld xmlns:a="http://schemas.openxmlformats.org/drawingml/2006/main" xmlns:r="http://schemas.openxmlformats.org/officeDocument/2006/relationships" xmlns:p="http://schemas.openxmlformats.org/presentationml/2006/main">
   <p:cSld>
     <p:spTree>
@@ -4924,8 +12001,8 @@
           </a:p>
         </p:txBody>
       </p:sp>
-      <mc:AlternateContent xmlns:mc="http://schemas.openxmlformats.org/markup-compatibility/2006">
-        <mc:Choice xmlns:a14="http://schemas.microsoft.com/office/drawing/2010/main" Requires="a14">
+      <mc:AlternateContent xmlns:mc="http://schemas.openxmlformats.org/markup-compatibility/2006" xmlns:a14="http://schemas.microsoft.com/office/drawing/2010/main">
+        <mc:Choice Requires="a14">
           <p:sp>
             <p:nvSpPr>
               <p:cNvPr id="3" name="Espaço Reservado para Conteúdo 2">
@@ -5011,7 +12088,7 @@
             </p:txBody>
           </p:sp>
         </mc:Choice>
-        <mc:Fallback>
+        <mc:Fallback xmlns="">
           <p:sp>
             <p:nvSpPr>
               <p:cNvPr id="3" name="Espaço Reservado para Conteúdo 2">
@@ -5055,8 +12132,8 @@
           </p:sp>
         </mc:Fallback>
       </mc:AlternateContent>
-      <mc:AlternateContent xmlns:mc="http://schemas.openxmlformats.org/markup-compatibility/2006">
-        <mc:Choice xmlns:a14="http://schemas.microsoft.com/office/drawing/2010/main" Requires="a14">
+      <mc:AlternateContent xmlns:mc="http://schemas.openxmlformats.org/markup-compatibility/2006" xmlns:a14="http://schemas.microsoft.com/office/drawing/2010/main">
+        <mc:Choice Requires="a14">
           <p:sp>
             <p:nvSpPr>
               <p:cNvPr id="4" name="CaixaDeTexto 3">
@@ -5177,7 +12254,7 @@
             </p:txBody>
           </p:sp>
         </mc:Choice>
-        <mc:Fallback>
+        <mc:Fallback xmlns="">
           <p:sp>
             <p:nvSpPr>
               <p:cNvPr id="4" name="CaixaDeTexto 3">
@@ -6743,7 +13820,7 @@
           <a:p>
             <a:r>
               <a:rPr lang="pt-BR" dirty="0"/>
-              <a:t>O código da rede neural</a:t>
+              <a:t>Definindo o conjunto de treinamento</a:t>
             </a:r>
           </a:p>
         </p:txBody>
@@ -8261,7 +15338,7 @@
           <a:p>
             <a:r>
               <a:rPr lang="pt-BR" dirty="0"/>
-              <a:t>O código da rede neural</a:t>
+              <a:t>Definindo uma rede neural</a:t>
             </a:r>
           </a:p>
         </p:txBody>
@@ -8306,7 +15383,7 @@
           <a:p>
             <a:r>
               <a:rPr lang="pt-BR" dirty="0"/>
-              <a:t>Vamos relembrar algumas terminologias para que possamos entender o código.</a:t>
+              <a:t>Antes de discutirmos o código, vamos relembrar alguns termos para que possamos entendê-lo.</a:t>
             </a:r>
           </a:p>
         </p:txBody>
@@ -9785,7 +16862,7 @@
           <a:p>
             <a:r>
               <a:rPr lang="pt-BR" dirty="0"/>
-              <a:t>Relembrando o que é uma rede neural</a:t>
+              <a:t>Relembrando alguns termos</a:t>
             </a:r>
           </a:p>
         </p:txBody>
@@ -11572,8 +18649,8 @@
           </p:style>
         </p:cxnSp>
       </p:grpSp>
-      <mc:AlternateContent xmlns:mc="http://schemas.openxmlformats.org/markup-compatibility/2006">
-        <mc:Choice xmlns:a14="http://schemas.microsoft.com/office/drawing/2010/main" Requires="a14">
+      <mc:AlternateContent xmlns:mc="http://schemas.openxmlformats.org/markup-compatibility/2006" xmlns:a14="http://schemas.microsoft.com/office/drawing/2010/main">
+        <mc:Choice Requires="a14">
           <p:sp>
             <p:nvSpPr>
               <p:cNvPr id="116" name="CaixaDeTexto 115">
@@ -11602,6 +18679,7 @@
               </a:bodyPr>
               <a:lstStyle/>
               <a:p>
+                <a:pPr/>
                 <a14:m>
                   <m:oMathPara xmlns:m="http://schemas.openxmlformats.org/officeDocument/2006/math">
                     <m:oMathParaPr>
@@ -11641,7 +18719,7 @@
             </p:txBody>
           </p:sp>
         </mc:Choice>
-        <mc:Fallback>
+        <mc:Fallback xmlns="">
           <p:sp>
             <p:nvSpPr>
               <p:cNvPr id="116" name="CaixaDeTexto 115">
@@ -11686,8 +18764,8 @@
           </p:sp>
         </mc:Fallback>
       </mc:AlternateContent>
-      <mc:AlternateContent xmlns:mc="http://schemas.openxmlformats.org/markup-compatibility/2006">
-        <mc:Choice xmlns:a14="http://schemas.microsoft.com/office/drawing/2010/main" Requires="a14">
+      <mc:AlternateContent xmlns:mc="http://schemas.openxmlformats.org/markup-compatibility/2006" xmlns:a14="http://schemas.microsoft.com/office/drawing/2010/main">
+        <mc:Choice Requires="a14">
           <p:sp>
             <p:nvSpPr>
               <p:cNvPr id="117" name="CaixaDeTexto 116">
@@ -11716,6 +18794,7 @@
               </a:bodyPr>
               <a:lstStyle/>
               <a:p>
+                <a:pPr/>
                 <a14:m>
                   <m:oMathPara xmlns:m="http://schemas.openxmlformats.org/officeDocument/2006/math">
                     <m:oMathParaPr>
@@ -11755,7 +18834,7 @@
             </p:txBody>
           </p:sp>
         </mc:Choice>
-        <mc:Fallback>
+        <mc:Fallback xmlns="">
           <p:sp>
             <p:nvSpPr>
               <p:cNvPr id="117" name="CaixaDeTexto 116">
@@ -11853,7 +18932,7 @@
           <a:p>
             <a:r>
               <a:rPr lang="pt-BR" dirty="0"/>
-              <a:t>Relembrando o que é uma rede neural</a:t>
+              <a:t>Relembrando alguns termos</a:t>
             </a:r>
           </a:p>
         </p:txBody>
@@ -13769,8 +20848,8 @@
           </a:p>
         </p:txBody>
       </p:sp>
-      <mc:AlternateContent xmlns:mc="http://schemas.openxmlformats.org/markup-compatibility/2006">
-        <mc:Choice xmlns:a14="http://schemas.microsoft.com/office/drawing/2010/main" Requires="a14">
+      <mc:AlternateContent xmlns:mc="http://schemas.openxmlformats.org/markup-compatibility/2006" xmlns:a14="http://schemas.microsoft.com/office/drawing/2010/main">
+        <mc:Choice Requires="a14">
           <p:sp>
             <p:nvSpPr>
               <p:cNvPr id="21" name="CaixaDeTexto 20">
@@ -13799,6 +20878,7 @@
               </a:bodyPr>
               <a:lstStyle/>
               <a:p>
+                <a:pPr/>
                 <a14:m>
                   <m:oMathPara xmlns:m="http://schemas.openxmlformats.org/officeDocument/2006/math">
                     <m:oMathParaPr>
@@ -13838,7 +20918,7 @@
             </p:txBody>
           </p:sp>
         </mc:Choice>
-        <mc:Fallback>
+        <mc:Fallback xmlns="">
           <p:sp>
             <p:nvSpPr>
               <p:cNvPr id="21" name="CaixaDeTexto 20">
@@ -13883,8 +20963,8 @@
           </p:sp>
         </mc:Fallback>
       </mc:AlternateContent>
-      <mc:AlternateContent xmlns:mc="http://schemas.openxmlformats.org/markup-compatibility/2006">
-        <mc:Choice xmlns:a14="http://schemas.microsoft.com/office/drawing/2010/main" Requires="a14">
+      <mc:AlternateContent xmlns:mc="http://schemas.openxmlformats.org/markup-compatibility/2006" xmlns:a14="http://schemas.microsoft.com/office/drawing/2010/main">
+        <mc:Choice Requires="a14">
           <p:sp>
             <p:nvSpPr>
               <p:cNvPr id="23" name="CaixaDeTexto 22">
@@ -13913,6 +20993,7 @@
               </a:bodyPr>
               <a:lstStyle/>
               <a:p>
+                <a:pPr/>
                 <a14:m>
                   <m:oMathPara xmlns:m="http://schemas.openxmlformats.org/officeDocument/2006/math">
                     <m:oMathParaPr>
@@ -13952,7 +21033,7 @@
             </p:txBody>
           </p:sp>
         </mc:Choice>
-        <mc:Fallback>
+        <mc:Fallback xmlns="">
           <p:sp>
             <p:nvSpPr>
               <p:cNvPr id="23" name="CaixaDeTexto 22">
@@ -14050,7 +21131,7 @@
           <a:p>
             <a:r>
               <a:rPr lang="pt-BR" dirty="0"/>
-              <a:t>Relembrando o que é uma rede neural</a:t>
+              <a:t>Relembrando alguns termos</a:t>
             </a:r>
           </a:p>
         </p:txBody>
@@ -14079,7 +21160,7 @@
         </p:spPr>
         <p:txBody>
           <a:bodyPr>
-            <a:normAutofit lnSpcReduction="10000"/>
+            <a:normAutofit fontScale="92500"/>
           </a:bodyPr>
           <a:lstStyle/>
           <a:p>
@@ -14091,18 +21172,6 @@
           <a:p>
             <a:r>
               <a:rPr lang="pt-BR" dirty="0"/>
-              <a:t>As saídas de uma camada estão conectadas a todos os neurônios da próxima camada.</a:t>
-            </a:r>
-          </a:p>
-          <a:p>
-            <a:r>
-              <a:rPr lang="pt-BR" dirty="0"/>
-              <a:t>Esta é uma rede conhecida como densamente conectada de alimentação/propagação direta.</a:t>
-            </a:r>
-          </a:p>
-          <a:p>
-            <a:r>
-              <a:rPr lang="pt-BR" dirty="0"/>
               <a:t>As i</a:t>
             </a:r>
             <a:r>
@@ -14136,6 +21205,30 @@
             <a:r>
               <a:rPr lang="pt-BR" dirty="0"/>
               <a:t> para definir esta rede.</a:t>
+            </a:r>
+          </a:p>
+          <a:p>
+            <a:r>
+              <a:rPr lang="pt-BR" dirty="0"/>
+              <a:t>Além disso, vemos que as saídas de uma camada estão conectadas a todos os neurônios da próxima camada, criando conexões </a:t>
+            </a:r>
+            <a:r>
+              <a:rPr lang="pt-BR" b="1" i="1" dirty="0">
+                <a:solidFill>
+                  <a:srgbClr val="00B050"/>
+                </a:solidFill>
+              </a:rPr>
+              <a:t>densas</a:t>
+            </a:r>
+            <a:r>
+              <a:rPr lang="pt-BR" dirty="0"/>
+              <a:t>.</a:t>
+            </a:r>
+          </a:p>
+          <a:p>
+            <a:r>
+              <a:rPr lang="pt-BR" dirty="0"/>
+              <a:t>Usaremos esse termo para definir o nome e tipos das camadas da rede.</a:t>
             </a:r>
           </a:p>
         </p:txBody>
@@ -16009,8 +23102,8 @@
           </a:p>
         </p:txBody>
       </p:sp>
-      <mc:AlternateContent xmlns:mc="http://schemas.openxmlformats.org/markup-compatibility/2006">
-        <mc:Choice xmlns:a14="http://schemas.microsoft.com/office/drawing/2010/main" Requires="a14">
+      <mc:AlternateContent xmlns:mc="http://schemas.openxmlformats.org/markup-compatibility/2006" xmlns:a14="http://schemas.microsoft.com/office/drawing/2010/main">
+        <mc:Choice Requires="a14">
           <p:sp>
             <p:nvSpPr>
               <p:cNvPr id="21" name="CaixaDeTexto 20">
@@ -16039,6 +23132,7 @@
               </a:bodyPr>
               <a:lstStyle/>
               <a:p>
+                <a:pPr/>
                 <a14:m>
                   <m:oMathPara xmlns:m="http://schemas.openxmlformats.org/officeDocument/2006/math">
                     <m:oMathParaPr>
@@ -16078,7 +23172,7 @@
             </p:txBody>
           </p:sp>
         </mc:Choice>
-        <mc:Fallback>
+        <mc:Fallback xmlns="">
           <p:sp>
             <p:nvSpPr>
               <p:cNvPr id="21" name="CaixaDeTexto 20">
@@ -16123,8 +23217,8 @@
           </p:sp>
         </mc:Fallback>
       </mc:AlternateContent>
-      <mc:AlternateContent xmlns:mc="http://schemas.openxmlformats.org/markup-compatibility/2006">
-        <mc:Choice xmlns:a14="http://schemas.microsoft.com/office/drawing/2010/main" Requires="a14">
+      <mc:AlternateContent xmlns:mc="http://schemas.openxmlformats.org/markup-compatibility/2006" xmlns:a14="http://schemas.microsoft.com/office/drawing/2010/main">
+        <mc:Choice Requires="a14">
           <p:sp>
             <p:nvSpPr>
               <p:cNvPr id="23" name="CaixaDeTexto 22">
@@ -16153,6 +23247,7 @@
               </a:bodyPr>
               <a:lstStyle/>
               <a:p>
+                <a:pPr/>
                 <a14:m>
                   <m:oMathPara xmlns:m="http://schemas.openxmlformats.org/officeDocument/2006/math">
                     <m:oMathParaPr>
@@ -16192,7 +23287,7 @@
             </p:txBody>
           </p:sp>
         </mc:Choice>
-        <mc:Fallback>
+        <mc:Fallback xmlns="">
           <p:sp>
             <p:nvSpPr>
               <p:cNvPr id="23" name="CaixaDeTexto 22">

--- a/slides/TP557_7_Nossa_primeira_rede_neural.pptx
+++ b/slides/TP557_7_Nossa_primeira_rede_neural.pptx
@@ -7839,8 +7839,8 @@
           </a:p>
         </p:txBody>
       </p:sp>
-      <mc:AlternateContent xmlns:mc="http://schemas.openxmlformats.org/markup-compatibility/2006">
-        <mc:Choice xmlns:a14="http://schemas.microsoft.com/office/drawing/2010/main" Requires="a14">
+      <mc:AlternateContent xmlns:mc="http://schemas.openxmlformats.org/markup-compatibility/2006" xmlns:a14="http://schemas.microsoft.com/office/drawing/2010/main">
+        <mc:Choice Requires="a14">
           <p:sp>
             <p:nvSpPr>
               <p:cNvPr id="3" name="Espaço Reservado para Conteúdo 2">
@@ -7957,7 +7957,7 @@
             </p:txBody>
           </p:sp>
         </mc:Choice>
-        <mc:Fallback>
+        <mc:Fallback xmlns="">
           <p:sp>
             <p:nvSpPr>
               <p:cNvPr id="3" name="Espaço Reservado para Conteúdo 2">
@@ -9480,8 +9480,8 @@
           </a:p>
         </p:txBody>
       </p:sp>
-      <mc:AlternateContent xmlns:mc="http://schemas.openxmlformats.org/markup-compatibility/2006">
-        <mc:Choice xmlns:a14="http://schemas.microsoft.com/office/drawing/2010/main" Requires="a14">
+      <mc:AlternateContent xmlns:mc="http://schemas.openxmlformats.org/markup-compatibility/2006" xmlns:a14="http://schemas.microsoft.com/office/drawing/2010/main">
+        <mc:Choice Requires="a14">
           <p:sp>
             <p:nvSpPr>
               <p:cNvPr id="3" name="Espaço Reservado para Conteúdo 2">
@@ -9592,7 +9592,7 @@
             </p:txBody>
           </p:sp>
         </mc:Choice>
-        <mc:Fallback>
+        <mc:Fallback xmlns="">
           <p:sp>
             <p:nvSpPr>
               <p:cNvPr id="3" name="Espaço Reservado para Conteúdo 2">
@@ -9791,8 +9791,8 @@
             </a:fontRef>
           </p:style>
         </p:cxnSp>
-        <mc:AlternateContent xmlns:mc="http://schemas.openxmlformats.org/markup-compatibility/2006">
-          <mc:Choice xmlns:a14="http://schemas.microsoft.com/office/drawing/2010/main" Requires="a14">
+        <mc:AlternateContent xmlns:mc="http://schemas.openxmlformats.org/markup-compatibility/2006" xmlns:a14="http://schemas.microsoft.com/office/drawing/2010/main">
+          <mc:Choice Requires="a14">
             <p:sp>
               <p:nvSpPr>
                 <p:cNvPr id="9" name="CaixaDeTexto 8">
@@ -9821,6 +9821,7 @@
                 </a:bodyPr>
                 <a:lstStyle/>
                 <a:p>
+                  <a:pPr/>
                   <a14:m>
                     <m:oMathPara xmlns:m="http://schemas.openxmlformats.org/officeDocument/2006/math">
                       <m:oMathParaPr>
@@ -9841,7 +9842,7 @@
               </p:txBody>
             </p:sp>
           </mc:Choice>
-          <mc:Fallback>
+          <mc:Fallback xmlns="">
             <p:sp>
               <p:nvSpPr>
                 <p:cNvPr id="9" name="CaixaDeTexto 8">
@@ -9886,8 +9887,8 @@
             </p:sp>
           </mc:Fallback>
         </mc:AlternateContent>
-        <mc:AlternateContent xmlns:mc="http://schemas.openxmlformats.org/markup-compatibility/2006">
-          <mc:Choice xmlns:a14="http://schemas.microsoft.com/office/drawing/2010/main" Requires="a14">
+        <mc:AlternateContent xmlns:mc="http://schemas.openxmlformats.org/markup-compatibility/2006" xmlns:a14="http://schemas.microsoft.com/office/drawing/2010/main">
+          <mc:Choice Requires="a14">
             <p:sp>
               <p:nvSpPr>
                 <p:cNvPr id="10" name="CaixaDeTexto 9">
@@ -9916,6 +9917,7 @@
                 </a:bodyPr>
                 <a:lstStyle/>
                 <a:p>
+                  <a:pPr/>
                   <a14:m>
                     <m:oMathPara xmlns:m="http://schemas.openxmlformats.org/officeDocument/2006/math">
                       <m:oMathParaPr>
@@ -9936,7 +9938,7 @@
               </p:txBody>
             </p:sp>
           </mc:Choice>
-          <mc:Fallback>
+          <mc:Fallback xmlns="">
             <p:sp>
               <p:nvSpPr>
                 <p:cNvPr id="10" name="CaixaDeTexto 9">
@@ -9982,6 +9984,237 @@
           </mc:Fallback>
         </mc:AlternateContent>
       </p:grpSp>
+      <mc:AlternateContent xmlns:mc="http://schemas.openxmlformats.org/markup-compatibility/2006">
+        <mc:Choice xmlns:a14="http://schemas.microsoft.com/office/drawing/2010/main" Requires="a14">
+          <p:sp>
+            <p:nvSpPr>
+              <p:cNvPr id="5" name="CaixaDeTexto 4">
+                <a:extLst>
+                  <a:ext uri="{FF2B5EF4-FFF2-40B4-BE49-F238E27FC236}">
+                    <a16:creationId xmlns:a16="http://schemas.microsoft.com/office/drawing/2014/main" id="{CE4C3B78-C9C4-6812-CBE9-D26CFE776AE1}"/>
+                  </a:ext>
+                </a:extLst>
+              </p:cNvPr>
+              <p:cNvSpPr txBox="1"/>
+              <p:nvPr/>
+            </p:nvSpPr>
+            <p:spPr>
+              <a:xfrm>
+                <a:off x="1927315" y="3394864"/>
+                <a:ext cx="174172" cy="369332"/>
+              </a:xfrm>
+              <a:prstGeom prst="rect">
+                <a:avLst/>
+              </a:prstGeom>
+              <a:noFill/>
+            </p:spPr>
+            <p:txBody>
+              <a:bodyPr wrap="square" rtlCol="0">
+                <a:spAutoFit/>
+              </a:bodyPr>
+              <a:lstStyle/>
+              <a:p>
+                <a14:m>
+                  <m:oMathPara xmlns:m="http://schemas.openxmlformats.org/officeDocument/2006/math">
+                    <m:oMathParaPr>
+                      <m:jc m:val="centerGroup"/>
+                    </m:oMathParaPr>
+                    <m:oMath xmlns:m="http://schemas.openxmlformats.org/officeDocument/2006/math">
+                      <m:r>
+                        <a:rPr lang="pt-BR" b="0" i="1" smtClean="0">
+                          <a:latin typeface="Cambria Math" panose="02040503050406030204" pitchFamily="18" charset="0"/>
+                        </a:rPr>
+                        <m:t>𝑤</m:t>
+                      </m:r>
+                    </m:oMath>
+                  </m:oMathPara>
+                </a14:m>
+                <a:endParaRPr lang="pt-BR" dirty="0"/>
+              </a:p>
+            </p:txBody>
+          </p:sp>
+        </mc:Choice>
+        <mc:Fallback>
+          <p:sp>
+            <p:nvSpPr>
+              <p:cNvPr id="5" name="CaixaDeTexto 4">
+                <a:extLst>
+                  <a:ext uri="{FF2B5EF4-FFF2-40B4-BE49-F238E27FC236}">
+                    <a16:creationId xmlns:a16="http://schemas.microsoft.com/office/drawing/2014/main" id="{CE4C3B78-C9C4-6812-CBE9-D26CFE776AE1}"/>
+                  </a:ext>
+                </a:extLst>
+              </p:cNvPr>
+              <p:cNvSpPr txBox="1">
+                <a:spLocks noRot="1" noChangeAspect="1" noMove="1" noResize="1" noEditPoints="1" noAdjustHandles="1" noChangeArrowheads="1" noChangeShapeType="1" noTextEdit="1"/>
+              </p:cNvSpPr>
+              <p:nvPr/>
+            </p:nvSpPr>
+            <p:spPr>
+              <a:xfrm>
+                <a:off x="1927315" y="3394864"/>
+                <a:ext cx="174172" cy="369332"/>
+              </a:xfrm>
+              <a:prstGeom prst="rect">
+                <a:avLst/>
+              </a:prstGeom>
+              <a:blipFill>
+                <a:blip r:embed="rId5"/>
+                <a:stretch>
+                  <a:fillRect r="-79310"/>
+                </a:stretch>
+              </a:blipFill>
+            </p:spPr>
+            <p:txBody>
+              <a:bodyPr/>
+              <a:lstStyle/>
+              <a:p>
+                <a:r>
+                  <a:rPr lang="pt-BR">
+                    <a:noFill/>
+                  </a:rPr>
+                  <a:t> </a:t>
+                </a:r>
+              </a:p>
+            </p:txBody>
+          </p:sp>
+        </mc:Fallback>
+      </mc:AlternateContent>
+      <p:cxnSp>
+        <p:nvCxnSpPr>
+          <p:cNvPr id="12" name="Conector de Seta Reta 11">
+            <a:extLst>
+              <a:ext uri="{FF2B5EF4-FFF2-40B4-BE49-F238E27FC236}">
+                <a16:creationId xmlns:a16="http://schemas.microsoft.com/office/drawing/2014/main" id="{1FF91332-8504-F835-3710-D46BA9E7E8EE}"/>
+              </a:ext>
+            </a:extLst>
+          </p:cNvPr>
+          <p:cNvCxnSpPr>
+            <a:endCxn id="4" idx="0"/>
+          </p:cNvCxnSpPr>
+          <p:nvPr/>
+        </p:nvCxnSpPr>
+        <p:spPr>
+          <a:xfrm>
+            <a:off x="2547256" y="3124200"/>
+            <a:ext cx="1" cy="304800"/>
+          </a:xfrm>
+          <a:prstGeom prst="straightConnector1">
+            <a:avLst/>
+          </a:prstGeom>
+          <a:ln>
+            <a:tailEnd type="triangle"/>
+          </a:ln>
+        </p:spPr>
+        <p:style>
+          <a:lnRef idx="1">
+            <a:schemeClr val="accent1"/>
+          </a:lnRef>
+          <a:fillRef idx="0">
+            <a:schemeClr val="accent1"/>
+          </a:fillRef>
+          <a:effectRef idx="0">
+            <a:schemeClr val="accent1"/>
+          </a:effectRef>
+          <a:fontRef idx="minor">
+            <a:schemeClr val="tx1"/>
+          </a:fontRef>
+        </p:style>
+      </p:cxnSp>
+      <mc:AlternateContent xmlns:mc="http://schemas.openxmlformats.org/markup-compatibility/2006">
+        <mc:Choice xmlns:a14="http://schemas.microsoft.com/office/drawing/2010/main" Requires="a14">
+          <p:sp>
+            <p:nvSpPr>
+              <p:cNvPr id="13" name="CaixaDeTexto 12">
+                <a:extLst>
+                  <a:ext uri="{FF2B5EF4-FFF2-40B4-BE49-F238E27FC236}">
+                    <a16:creationId xmlns:a16="http://schemas.microsoft.com/office/drawing/2014/main" id="{B272638A-B4E9-5B3E-C9EB-26DAFFEE0289}"/>
+                  </a:ext>
+                </a:extLst>
+              </p:cNvPr>
+              <p:cNvSpPr txBox="1"/>
+              <p:nvPr/>
+            </p:nvSpPr>
+            <p:spPr>
+              <a:xfrm>
+                <a:off x="2416626" y="2798412"/>
+                <a:ext cx="174172" cy="369332"/>
+              </a:xfrm>
+              <a:prstGeom prst="rect">
+                <a:avLst/>
+              </a:prstGeom>
+              <a:noFill/>
+            </p:spPr>
+            <p:txBody>
+              <a:bodyPr wrap="square" rtlCol="0">
+                <a:spAutoFit/>
+              </a:bodyPr>
+              <a:lstStyle/>
+              <a:p>
+                <a14:m>
+                  <m:oMathPara xmlns:m="http://schemas.openxmlformats.org/officeDocument/2006/math">
+                    <m:oMathParaPr>
+                      <m:jc m:val="centerGroup"/>
+                    </m:oMathParaPr>
+                    <m:oMath xmlns:m="http://schemas.openxmlformats.org/officeDocument/2006/math">
+                      <m:r>
+                        <a:rPr lang="pt-BR" b="0" i="1" smtClean="0">
+                          <a:latin typeface="Cambria Math" panose="02040503050406030204" pitchFamily="18" charset="0"/>
+                        </a:rPr>
+                        <m:t>𝑏</m:t>
+                      </m:r>
+                    </m:oMath>
+                  </m:oMathPara>
+                </a14:m>
+                <a:endParaRPr lang="pt-BR" dirty="0"/>
+              </a:p>
+            </p:txBody>
+          </p:sp>
+        </mc:Choice>
+        <mc:Fallback>
+          <p:sp>
+            <p:nvSpPr>
+              <p:cNvPr id="13" name="CaixaDeTexto 12">
+                <a:extLst>
+                  <a:ext uri="{FF2B5EF4-FFF2-40B4-BE49-F238E27FC236}">
+                    <a16:creationId xmlns:a16="http://schemas.microsoft.com/office/drawing/2014/main" id="{B272638A-B4E9-5B3E-C9EB-26DAFFEE0289}"/>
+                  </a:ext>
+                </a:extLst>
+              </p:cNvPr>
+              <p:cNvSpPr txBox="1">
+                <a:spLocks noRot="1" noChangeAspect="1" noMove="1" noResize="1" noEditPoints="1" noAdjustHandles="1" noChangeArrowheads="1" noChangeShapeType="1" noTextEdit="1"/>
+              </p:cNvSpPr>
+              <p:nvPr/>
+            </p:nvSpPr>
+            <p:spPr>
+              <a:xfrm>
+                <a:off x="2416626" y="2798412"/>
+                <a:ext cx="174172" cy="369332"/>
+              </a:xfrm>
+              <a:prstGeom prst="rect">
+                <a:avLst/>
+              </a:prstGeom>
+              <a:blipFill>
+                <a:blip r:embed="rId6"/>
+                <a:stretch>
+                  <a:fillRect r="-68966"/>
+                </a:stretch>
+              </a:blipFill>
+            </p:spPr>
+            <p:txBody>
+              <a:bodyPr/>
+              <a:lstStyle/>
+              <a:p>
+                <a:r>
+                  <a:rPr lang="pt-BR">
+                    <a:noFill/>
+                  </a:rPr>
+                  <a:t> </a:t>
+                </a:r>
+              </a:p>
+            </p:txBody>
+          </p:sp>
+        </mc:Fallback>
+      </mc:AlternateContent>
     </p:spTree>
     <p:extLst>
       <p:ext uri="{BB962C8B-B14F-4D97-AF65-F5344CB8AC3E}">
